--- a/Redux.pptx
+++ b/Redux.pptx
@@ -5,20 +5,20 @@
     <p:sldMasterId id="2147483648" r:id="rId1"/>
   </p:sldMasterIdLst>
   <p:notesMasterIdLst>
-    <p:notesMasterId r:id="rId24"/>
+    <p:notesMasterId r:id="rId25"/>
   </p:notesMasterIdLst>
   <p:handoutMasterIdLst>
-    <p:handoutMasterId r:id="rId25"/>
+    <p:handoutMasterId r:id="rId26"/>
   </p:handoutMasterIdLst>
   <p:sldIdLst>
     <p:sldId id="256" r:id="rId2"/>
-    <p:sldId id="265" r:id="rId3"/>
-    <p:sldId id="259" r:id="rId4"/>
-    <p:sldId id="262" r:id="rId5"/>
-    <p:sldId id="263" r:id="rId6"/>
-    <p:sldId id="264" r:id="rId7"/>
-    <p:sldId id="266" r:id="rId8"/>
-    <p:sldId id="267" r:id="rId9"/>
+    <p:sldId id="259" r:id="rId3"/>
+    <p:sldId id="262" r:id="rId4"/>
+    <p:sldId id="263" r:id="rId5"/>
+    <p:sldId id="264" r:id="rId6"/>
+    <p:sldId id="266" r:id="rId7"/>
+    <p:sldId id="267" r:id="rId8"/>
+    <p:sldId id="284" r:id="rId9"/>
     <p:sldId id="268" r:id="rId10"/>
     <p:sldId id="271" r:id="rId11"/>
     <p:sldId id="269" r:id="rId12"/>
@@ -31,8 +31,9 @@
     <p:sldId id="280" r:id="rId19"/>
     <p:sldId id="281" r:id="rId20"/>
     <p:sldId id="277" r:id="rId21"/>
-    <p:sldId id="278" r:id="rId22"/>
-    <p:sldId id="282" r:id="rId23"/>
+    <p:sldId id="283" r:id="rId22"/>
+    <p:sldId id="278" r:id="rId23"/>
+    <p:sldId id="282" r:id="rId24"/>
   </p:sldIdLst>
   <p:sldSz cx="12192000" cy="6858000"/>
   <p:notesSz cx="6858000" cy="9144000"/>
@@ -137,13 +138,13 @@
         <p14:section name="Default Section" id="{A6238CC7-FDB1-0843-9378-DB7CDAD1038E}">
           <p14:sldIdLst>
             <p14:sldId id="256"/>
-            <p14:sldId id="265"/>
             <p14:sldId id="259"/>
             <p14:sldId id="262"/>
             <p14:sldId id="263"/>
             <p14:sldId id="264"/>
             <p14:sldId id="266"/>
             <p14:sldId id="267"/>
+            <p14:sldId id="284"/>
             <p14:sldId id="268"/>
             <p14:sldId id="271"/>
             <p14:sldId id="269"/>
@@ -156,6 +157,7 @@
             <p14:sldId id="280"/>
             <p14:sldId id="281"/>
             <p14:sldId id="277"/>
+            <p14:sldId id="283"/>
             <p14:sldId id="278"/>
             <p14:sldId id="282"/>
           </p14:sldIdLst>
@@ -289,7 +291,7 @@
           <a:p>
             <a:fld id="{13F6AEEE-E778-402E-8B8F-9A98AED26EB8}" type="datetimeFigureOut">
               <a:rPr lang="en-GB" smtClean="0"/>
-              <a:t>07/04/2019</a:t>
+              <a:t>08/04/2019</a:t>
             </a:fld>
             <a:endParaRPr lang="en-GB"/>
           </a:p>
@@ -449,7 +451,7 @@
             <a:fld id="{1386E511-D742-4EFE-90B5-C9FC42762E0F}" type="datetimeFigureOut">
               <a:rPr lang="en-GB" smtClean="0"/>
               <a:pPr/>
-              <a:t>07/04/2019</a:t>
+              <a:t>08/04/2019</a:t>
             </a:fld>
             <a:endParaRPr lang="en-GB"/>
           </a:p>
@@ -711,7 +713,7 @@
           <p:cNvPr id="13" name="Background">
             <a:extLst>
               <a:ext uri="{FF2B5EF4-FFF2-40B4-BE49-F238E27FC236}">
-                <a16:creationId xmlns:a16="http://schemas.microsoft.com/office/drawing/2014/main" xmlns="" id="{26E691F1-AD98-4CB9-9B4C-2AAA28641ED4}"/>
+                <a16:creationId xmlns="" xmlns:a16="http://schemas.microsoft.com/office/drawing/2014/main" id="{26E691F1-AD98-4CB9-9B4C-2AAA28641ED4}"/>
               </a:ext>
             </a:extLst>
           </p:cNvPr>
@@ -763,7 +765,7 @@
           <p:cNvPr id="22" name="Pladsholder til billede 21">
             <a:extLst>
               <a:ext uri="{FF2B5EF4-FFF2-40B4-BE49-F238E27FC236}">
-                <a16:creationId xmlns:a16="http://schemas.microsoft.com/office/drawing/2014/main" xmlns="" id="{A85295EE-FB99-4250-87AB-3706FF23CBEB}"/>
+                <a16:creationId xmlns="" xmlns:a16="http://schemas.microsoft.com/office/drawing/2014/main" id="{A85295EE-FB99-4250-87AB-3706FF23CBEB}"/>
               </a:ext>
             </a:extLst>
           </p:cNvPr>
@@ -958,7 +960,7 @@
           <p:cNvPr id="23" name="Subtitle 2">
             <a:extLst>
               <a:ext uri="{FF2B5EF4-FFF2-40B4-BE49-F238E27FC236}">
-                <a16:creationId xmlns:a16="http://schemas.microsoft.com/office/drawing/2014/main" xmlns="" id="{7C7AEA71-2AEA-43F6-81F6-0C356EFE86BD}"/>
+                <a16:creationId xmlns="" xmlns:a16="http://schemas.microsoft.com/office/drawing/2014/main" id="{7C7AEA71-2AEA-43F6-81F6-0C356EFE86BD}"/>
               </a:ext>
             </a:extLst>
           </p:cNvPr>
@@ -1068,7 +1070,7 @@
           <p:cNvPr id="24" name="Logo">
             <a:extLst>
               <a:ext uri="{FF2B5EF4-FFF2-40B4-BE49-F238E27FC236}">
-                <a16:creationId xmlns:a16="http://schemas.microsoft.com/office/drawing/2014/main" xmlns="" id="{4B05275D-325E-41CC-A1FE-F9A568946714}"/>
+                <a16:creationId xmlns="" xmlns:a16="http://schemas.microsoft.com/office/drawing/2014/main" id="{4B05275D-325E-41CC-A1FE-F9A568946714}"/>
               </a:ext>
             </a:extLst>
           </p:cNvPr>
@@ -1098,7 +1100,7 @@
           <p:cNvPr id="14" name="Date_GeneralDate">
             <a:extLst>
               <a:ext uri="{FF2B5EF4-FFF2-40B4-BE49-F238E27FC236}">
-                <a16:creationId xmlns:a16="http://schemas.microsoft.com/office/drawing/2014/main" xmlns="" id="{1F063B12-8474-4D25-9A8A-3DF6DED83210}"/>
+                <a16:creationId xmlns="" xmlns:a16="http://schemas.microsoft.com/office/drawing/2014/main" id="{1F063B12-8474-4D25-9A8A-3DF6DED83210}"/>
               </a:ext>
             </a:extLst>
           </p:cNvPr>
@@ -1134,7 +1136,7 @@
           <a:p>
             <a:fld id="{5E9D8551-472D-47D9-AD9E-3937F0BB9661}" type="datetime1">
               <a:rPr lang="da-DK" smtClean="0"/>
-              <a:t>07/04/2019</a:t>
+              <a:t>08/04/2019</a:t>
             </a:fld>
             <a:endParaRPr lang="en-GB" dirty="0"/>
           </a:p>
@@ -1145,7 +1147,7 @@
           <p:cNvPr id="5" name="Pladsholder til tekst Topdanmark">
             <a:extLst>
               <a:ext uri="{FF2B5EF4-FFF2-40B4-BE49-F238E27FC236}">
-                <a16:creationId xmlns:a16="http://schemas.microsoft.com/office/drawing/2014/main" xmlns="" id="{C80A68F0-66A0-4D4C-9786-E7F5DE97EF1A}"/>
+                <a16:creationId xmlns="" xmlns:a16="http://schemas.microsoft.com/office/drawing/2014/main" id="{C80A68F0-66A0-4D4C-9786-E7F5DE97EF1A}"/>
               </a:ext>
             </a:extLst>
           </p:cNvPr>
@@ -1192,7 +1194,7 @@
           <p:cNvPr id="4" name="Pladsholder til tekst streg">
             <a:extLst>
               <a:ext uri="{FF2B5EF4-FFF2-40B4-BE49-F238E27FC236}">
-                <a16:creationId xmlns:a16="http://schemas.microsoft.com/office/drawing/2014/main" xmlns="" id="{EC74443B-F044-46AA-8CEF-26443DEA8370}"/>
+                <a16:creationId xmlns="" xmlns:a16="http://schemas.microsoft.com/office/drawing/2014/main" id="{EC74443B-F044-46AA-8CEF-26443DEA8370}"/>
               </a:ext>
             </a:extLst>
           </p:cNvPr>
@@ -1236,7 +1238,7 @@
           <p:cNvPr id="10" name="Slide Number Placeholder 5" hidden="1">
             <a:extLst>
               <a:ext uri="{FF2B5EF4-FFF2-40B4-BE49-F238E27FC236}">
-                <a16:creationId xmlns:a16="http://schemas.microsoft.com/office/drawing/2014/main" xmlns="" id="{17650885-37C4-4A34-B62E-736FD7C6D3A2}"/>
+                <a16:creationId xmlns="" xmlns:a16="http://schemas.microsoft.com/office/drawing/2014/main" id="{17650885-37C4-4A34-B62E-736FD7C6D3A2}"/>
               </a:ext>
             </a:extLst>
           </p:cNvPr>
@@ -1288,7 +1290,7 @@
           <p:cNvPr id="11" name="FLD_PresentationTitle" hidden="1">
             <a:extLst>
               <a:ext uri="{FF2B5EF4-FFF2-40B4-BE49-F238E27FC236}">
-                <a16:creationId xmlns:a16="http://schemas.microsoft.com/office/drawing/2014/main" xmlns="" id="{17E0B3BA-0B9E-4320-889F-AC980CA2ECAE}"/>
+                <a16:creationId xmlns="" xmlns:a16="http://schemas.microsoft.com/office/drawing/2014/main" id="{17E0B3BA-0B9E-4320-889F-AC980CA2ECAE}"/>
               </a:ext>
             </a:extLst>
           </p:cNvPr>
@@ -1390,7 +1392,7 @@
           <p:cNvPr id="9" name="Subtitle 2">
             <a:extLst>
               <a:ext uri="{FF2B5EF4-FFF2-40B4-BE49-F238E27FC236}">
-                <a16:creationId xmlns:a16="http://schemas.microsoft.com/office/drawing/2014/main" xmlns="" id="{803FF06F-C811-4694-9841-B21C93119CF9}"/>
+                <a16:creationId xmlns="" xmlns:a16="http://schemas.microsoft.com/office/drawing/2014/main" id="{803FF06F-C811-4694-9841-B21C93119CF9}"/>
               </a:ext>
             </a:extLst>
           </p:cNvPr>
@@ -1658,7 +1660,7 @@
           <p:cNvPr id="10" name="Pladsholder til tekst 9">
             <a:extLst>
               <a:ext uri="{FF2B5EF4-FFF2-40B4-BE49-F238E27FC236}">
-                <a16:creationId xmlns:a16="http://schemas.microsoft.com/office/drawing/2014/main" xmlns="" id="{DA499C6F-468A-42A4-8FEF-6357B608FDE3}"/>
+                <a16:creationId xmlns="" xmlns:a16="http://schemas.microsoft.com/office/drawing/2014/main" id="{DA499C6F-468A-42A4-8FEF-6357B608FDE3}"/>
               </a:ext>
             </a:extLst>
           </p:cNvPr>
@@ -1713,7 +1715,7 @@
           <p:cNvPr id="5" name="Pladsholder til dato 4" hidden="1">
             <a:extLst>
               <a:ext uri="{FF2B5EF4-FFF2-40B4-BE49-F238E27FC236}">
-                <a16:creationId xmlns:a16="http://schemas.microsoft.com/office/drawing/2014/main" xmlns="" id="{03F7852F-E384-47C5-868F-4BC798D8C37C}"/>
+                <a16:creationId xmlns="" xmlns:a16="http://schemas.microsoft.com/office/drawing/2014/main" id="{03F7852F-E384-47C5-868F-4BC798D8C37C}"/>
               </a:ext>
             </a:extLst>
           </p:cNvPr>
@@ -1731,7 +1733,7 @@
           <a:p>
             <a:fld id="{50620241-2B59-4866-B451-0548EB1EBED8}" type="datetime1">
               <a:rPr lang="da-DK" smtClean="0"/>
-              <a:t>07/04/2019</a:t>
+              <a:t>08/04/2019</a:t>
             </a:fld>
             <a:endParaRPr lang="da-DK"/>
           </a:p>
@@ -1742,7 +1744,7 @@
           <p:cNvPr id="6" name="Pladsholder til sidefod 5">
             <a:extLst>
               <a:ext uri="{FF2B5EF4-FFF2-40B4-BE49-F238E27FC236}">
-                <a16:creationId xmlns:a16="http://schemas.microsoft.com/office/drawing/2014/main" xmlns="" id="{1525123B-BE4C-4535-AC10-4140451F5BBA}"/>
+                <a16:creationId xmlns="" xmlns:a16="http://schemas.microsoft.com/office/drawing/2014/main" id="{1525123B-BE4C-4535-AC10-4140451F5BBA}"/>
               </a:ext>
             </a:extLst>
           </p:cNvPr>
@@ -1767,7 +1769,7 @@
           <p:cNvPr id="7" name="Pladsholder til slidenummer 6">
             <a:extLst>
               <a:ext uri="{FF2B5EF4-FFF2-40B4-BE49-F238E27FC236}">
-                <a16:creationId xmlns:a16="http://schemas.microsoft.com/office/drawing/2014/main" xmlns="" id="{6BF9A1C8-8354-4789-8E0E-14D0A61475BB}"/>
+                <a16:creationId xmlns="" xmlns:a16="http://schemas.microsoft.com/office/drawing/2014/main" id="{6BF9A1C8-8354-4789-8E0E-14D0A61475BB}"/>
               </a:ext>
             </a:extLst>
           </p:cNvPr>
@@ -1855,7 +1857,7 @@
           <p:cNvPr id="9" name="Subtitle 2">
             <a:extLst>
               <a:ext uri="{FF2B5EF4-FFF2-40B4-BE49-F238E27FC236}">
-                <a16:creationId xmlns:a16="http://schemas.microsoft.com/office/drawing/2014/main" xmlns="" id="{73550F10-E3D2-4FC1-9484-7CC465D0DC5C}"/>
+                <a16:creationId xmlns="" xmlns:a16="http://schemas.microsoft.com/office/drawing/2014/main" id="{73550F10-E3D2-4FC1-9484-7CC465D0DC5C}"/>
               </a:ext>
             </a:extLst>
           </p:cNvPr>
@@ -2101,7 +2103,7 @@
           <p:cNvPr id="10" name="Pladsholder til tekst 9">
             <a:extLst>
               <a:ext uri="{FF2B5EF4-FFF2-40B4-BE49-F238E27FC236}">
-                <a16:creationId xmlns:a16="http://schemas.microsoft.com/office/drawing/2014/main" xmlns="" id="{FD652C88-62C4-4C9A-8A06-A802A5B886E9}"/>
+                <a16:creationId xmlns="" xmlns:a16="http://schemas.microsoft.com/office/drawing/2014/main" id="{FD652C88-62C4-4C9A-8A06-A802A5B886E9}"/>
               </a:ext>
             </a:extLst>
           </p:cNvPr>
@@ -2156,7 +2158,7 @@
           <p:cNvPr id="12" name="Content Placeholder 3">
             <a:extLst>
               <a:ext uri="{FF2B5EF4-FFF2-40B4-BE49-F238E27FC236}">
-                <a16:creationId xmlns:a16="http://schemas.microsoft.com/office/drawing/2014/main" xmlns="" id="{68DE952D-12C0-4EC5-BFFD-3762A4BE4C5B}"/>
+                <a16:creationId xmlns="" xmlns:a16="http://schemas.microsoft.com/office/drawing/2014/main" id="{68DE952D-12C0-4EC5-BFFD-3762A4BE4C5B}"/>
               </a:ext>
             </a:extLst>
           </p:cNvPr>
@@ -2241,7 +2243,7 @@
           <p:cNvPr id="5" name="Pladsholder til dato 4" hidden="1">
             <a:extLst>
               <a:ext uri="{FF2B5EF4-FFF2-40B4-BE49-F238E27FC236}">
-                <a16:creationId xmlns:a16="http://schemas.microsoft.com/office/drawing/2014/main" xmlns="" id="{BFBADE4F-DDB9-4E93-A67C-19B9616463AE}"/>
+                <a16:creationId xmlns="" xmlns:a16="http://schemas.microsoft.com/office/drawing/2014/main" id="{BFBADE4F-DDB9-4E93-A67C-19B9616463AE}"/>
               </a:ext>
             </a:extLst>
           </p:cNvPr>
@@ -2259,7 +2261,7 @@
           <a:p>
             <a:fld id="{50620241-2B59-4866-B451-0548EB1EBED8}" type="datetime1">
               <a:rPr lang="da-DK" smtClean="0"/>
-              <a:t>07/04/2019</a:t>
+              <a:t>08/04/2019</a:t>
             </a:fld>
             <a:endParaRPr lang="da-DK"/>
           </a:p>
@@ -2270,7 +2272,7 @@
           <p:cNvPr id="6" name="Pladsholder til sidefod 5">
             <a:extLst>
               <a:ext uri="{FF2B5EF4-FFF2-40B4-BE49-F238E27FC236}">
-                <a16:creationId xmlns:a16="http://schemas.microsoft.com/office/drawing/2014/main" xmlns="" id="{26457945-08EB-46B2-8338-0568E5847AC1}"/>
+                <a16:creationId xmlns="" xmlns:a16="http://schemas.microsoft.com/office/drawing/2014/main" id="{26457945-08EB-46B2-8338-0568E5847AC1}"/>
               </a:ext>
             </a:extLst>
           </p:cNvPr>
@@ -2295,7 +2297,7 @@
           <p:cNvPr id="7" name="Pladsholder til slidenummer 6">
             <a:extLst>
               <a:ext uri="{FF2B5EF4-FFF2-40B4-BE49-F238E27FC236}">
-                <a16:creationId xmlns:a16="http://schemas.microsoft.com/office/drawing/2014/main" xmlns="" id="{030F9763-3E70-4A1A-9317-0C53DD03FC18}"/>
+                <a16:creationId xmlns="" xmlns:a16="http://schemas.microsoft.com/office/drawing/2014/main" id="{030F9763-3E70-4A1A-9317-0C53DD03FC18}"/>
               </a:ext>
             </a:extLst>
           </p:cNvPr>
@@ -2383,7 +2385,7 @@
           <p:cNvPr id="9" name="Subtitle 2">
             <a:extLst>
               <a:ext uri="{FF2B5EF4-FFF2-40B4-BE49-F238E27FC236}">
-                <a16:creationId xmlns:a16="http://schemas.microsoft.com/office/drawing/2014/main" xmlns="" id="{73550F10-E3D2-4FC1-9484-7CC465D0DC5C}"/>
+                <a16:creationId xmlns="" xmlns:a16="http://schemas.microsoft.com/office/drawing/2014/main" id="{73550F10-E3D2-4FC1-9484-7CC465D0DC5C}"/>
               </a:ext>
             </a:extLst>
           </p:cNvPr>
@@ -2647,7 +2649,7 @@
           <p:cNvPr id="10" name="Pladsholder til tekst 9">
             <a:extLst>
               <a:ext uri="{FF2B5EF4-FFF2-40B4-BE49-F238E27FC236}">
-                <a16:creationId xmlns:a16="http://schemas.microsoft.com/office/drawing/2014/main" xmlns="" id="{FD652C88-62C4-4C9A-8A06-A802A5B886E9}"/>
+                <a16:creationId xmlns="" xmlns:a16="http://schemas.microsoft.com/office/drawing/2014/main" id="{FD652C88-62C4-4C9A-8A06-A802A5B886E9}"/>
               </a:ext>
             </a:extLst>
           </p:cNvPr>
@@ -2702,7 +2704,7 @@
           <p:cNvPr id="12" name="Content Placeholder 3">
             <a:extLst>
               <a:ext uri="{FF2B5EF4-FFF2-40B4-BE49-F238E27FC236}">
-                <a16:creationId xmlns:a16="http://schemas.microsoft.com/office/drawing/2014/main" xmlns="" id="{68DE952D-12C0-4EC5-BFFD-3762A4BE4C5B}"/>
+                <a16:creationId xmlns="" xmlns:a16="http://schemas.microsoft.com/office/drawing/2014/main" id="{68DE952D-12C0-4EC5-BFFD-3762A4BE4C5B}"/>
               </a:ext>
             </a:extLst>
           </p:cNvPr>
@@ -2811,7 +2813,7 @@
           <p:cNvPr id="5" name="Pladsholder til dato 4" hidden="1">
             <a:extLst>
               <a:ext uri="{FF2B5EF4-FFF2-40B4-BE49-F238E27FC236}">
-                <a16:creationId xmlns:a16="http://schemas.microsoft.com/office/drawing/2014/main" xmlns="" id="{34621498-9356-4C25-9F60-6194AC519B1F}"/>
+                <a16:creationId xmlns="" xmlns:a16="http://schemas.microsoft.com/office/drawing/2014/main" id="{34621498-9356-4C25-9F60-6194AC519B1F}"/>
               </a:ext>
             </a:extLst>
           </p:cNvPr>
@@ -2829,7 +2831,7 @@
           <a:p>
             <a:fld id="{50620241-2B59-4866-B451-0548EB1EBED8}" type="datetime1">
               <a:rPr lang="da-DK" smtClean="0"/>
-              <a:t>07/04/2019</a:t>
+              <a:t>08/04/2019</a:t>
             </a:fld>
             <a:endParaRPr lang="da-DK"/>
           </a:p>
@@ -2840,7 +2842,7 @@
           <p:cNvPr id="6" name="Pladsholder til sidefod 5">
             <a:extLst>
               <a:ext uri="{FF2B5EF4-FFF2-40B4-BE49-F238E27FC236}">
-                <a16:creationId xmlns:a16="http://schemas.microsoft.com/office/drawing/2014/main" xmlns="" id="{65C86374-6E33-4CD5-82E5-04BB817E6F81}"/>
+                <a16:creationId xmlns="" xmlns:a16="http://schemas.microsoft.com/office/drawing/2014/main" id="{65C86374-6E33-4CD5-82E5-04BB817E6F81}"/>
               </a:ext>
             </a:extLst>
           </p:cNvPr>
@@ -2865,7 +2867,7 @@
           <p:cNvPr id="7" name="Pladsholder til slidenummer 6">
             <a:extLst>
               <a:ext uri="{FF2B5EF4-FFF2-40B4-BE49-F238E27FC236}">
-                <a16:creationId xmlns:a16="http://schemas.microsoft.com/office/drawing/2014/main" xmlns="" id="{FFA90975-B020-4566-ACD9-8035E34A2527}"/>
+                <a16:creationId xmlns="" xmlns:a16="http://schemas.microsoft.com/office/drawing/2014/main" id="{FFA90975-B020-4566-ACD9-8035E34A2527}"/>
               </a:ext>
             </a:extLst>
           </p:cNvPr>
@@ -2925,7 +2927,7 @@
           <p:cNvPr id="11" name="Kombinationstegning: figur 10">
             <a:extLst>
               <a:ext uri="{FF2B5EF4-FFF2-40B4-BE49-F238E27FC236}">
-                <a16:creationId xmlns:a16="http://schemas.microsoft.com/office/drawing/2014/main" xmlns="" id="{759CDE2D-ADE0-4CEF-B23F-3A6026F65BF1}"/>
+                <a16:creationId xmlns="" xmlns:a16="http://schemas.microsoft.com/office/drawing/2014/main" id="{759CDE2D-ADE0-4CEF-B23F-3A6026F65BF1}"/>
               </a:ext>
             </a:extLst>
           </p:cNvPr>
@@ -3053,7 +3055,7 @@
           <p:cNvPr id="9" name="Subtitle 2">
             <a:extLst>
               <a:ext uri="{FF2B5EF4-FFF2-40B4-BE49-F238E27FC236}">
-                <a16:creationId xmlns:a16="http://schemas.microsoft.com/office/drawing/2014/main" xmlns="" id="{642B43C3-56A8-4104-B211-C5647E6DC14D}"/>
+                <a16:creationId xmlns="" xmlns:a16="http://schemas.microsoft.com/office/drawing/2014/main" id="{642B43C3-56A8-4104-B211-C5647E6DC14D}"/>
               </a:ext>
             </a:extLst>
           </p:cNvPr>
@@ -3280,7 +3282,7 @@
           <p:cNvPr id="12" name="Content Placeholder 3">
             <a:extLst>
               <a:ext uri="{FF2B5EF4-FFF2-40B4-BE49-F238E27FC236}">
-                <a16:creationId xmlns:a16="http://schemas.microsoft.com/office/drawing/2014/main" xmlns="" id="{65BE2CED-EE89-4576-84D3-8050671C988F}"/>
+                <a16:creationId xmlns="" xmlns:a16="http://schemas.microsoft.com/office/drawing/2014/main" id="{65BE2CED-EE89-4576-84D3-8050671C988F}"/>
               </a:ext>
             </a:extLst>
           </p:cNvPr>
@@ -3387,7 +3389,7 @@
           <p:cNvPr id="10" name="Pladsholder til tekst 9">
             <a:extLst>
               <a:ext uri="{FF2B5EF4-FFF2-40B4-BE49-F238E27FC236}">
-                <a16:creationId xmlns:a16="http://schemas.microsoft.com/office/drawing/2014/main" xmlns="" id="{9733036A-6AD5-4CE3-ACE3-FCF691810D13}"/>
+                <a16:creationId xmlns="" xmlns:a16="http://schemas.microsoft.com/office/drawing/2014/main" id="{9733036A-6AD5-4CE3-ACE3-FCF691810D13}"/>
               </a:ext>
             </a:extLst>
           </p:cNvPr>
@@ -3442,7 +3444,7 @@
           <p:cNvPr id="5" name="Pladsholder til dato 4" hidden="1">
             <a:extLst>
               <a:ext uri="{FF2B5EF4-FFF2-40B4-BE49-F238E27FC236}">
-                <a16:creationId xmlns:a16="http://schemas.microsoft.com/office/drawing/2014/main" xmlns="" id="{2FD53747-FED0-4EB9-9F43-C1541E74F0C7}"/>
+                <a16:creationId xmlns="" xmlns:a16="http://schemas.microsoft.com/office/drawing/2014/main" id="{2FD53747-FED0-4EB9-9F43-C1541E74F0C7}"/>
               </a:ext>
             </a:extLst>
           </p:cNvPr>
@@ -3460,7 +3462,7 @@
           <a:p>
             <a:fld id="{50620241-2B59-4866-B451-0548EB1EBED8}" type="datetime1">
               <a:rPr lang="da-DK" smtClean="0"/>
-              <a:t>07/04/2019</a:t>
+              <a:t>08/04/2019</a:t>
             </a:fld>
             <a:endParaRPr lang="da-DK"/>
           </a:p>
@@ -3471,7 +3473,7 @@
           <p:cNvPr id="6" name="Pladsholder til sidefod 5">
             <a:extLst>
               <a:ext uri="{FF2B5EF4-FFF2-40B4-BE49-F238E27FC236}">
-                <a16:creationId xmlns:a16="http://schemas.microsoft.com/office/drawing/2014/main" xmlns="" id="{BBF6E7DA-F8D1-4069-8161-C2E2D1F39184}"/>
+                <a16:creationId xmlns="" xmlns:a16="http://schemas.microsoft.com/office/drawing/2014/main" id="{BBF6E7DA-F8D1-4069-8161-C2E2D1F39184}"/>
               </a:ext>
             </a:extLst>
           </p:cNvPr>
@@ -3504,7 +3506,7 @@
           <p:cNvPr id="7" name="Pladsholder til slidenummer 6">
             <a:extLst>
               <a:ext uri="{FF2B5EF4-FFF2-40B4-BE49-F238E27FC236}">
-                <a16:creationId xmlns:a16="http://schemas.microsoft.com/office/drawing/2014/main" xmlns="" id="{A8B11C0A-575B-4587-8A8C-CF88CB3BC982}"/>
+                <a16:creationId xmlns="" xmlns:a16="http://schemas.microsoft.com/office/drawing/2014/main" id="{A8B11C0A-575B-4587-8A8C-CF88CB3BC982}"/>
               </a:ext>
             </a:extLst>
           </p:cNvPr>
@@ -3538,7 +3540,7 @@
           <p:cNvPr id="13" name="Topdanmark bund">
             <a:extLst>
               <a:ext uri="{FF2B5EF4-FFF2-40B4-BE49-F238E27FC236}">
-                <a16:creationId xmlns:a16="http://schemas.microsoft.com/office/drawing/2014/main" xmlns="" id="{DEA3FFA0-1ECE-4F3C-AFF3-DB13BD51A913}"/>
+                <a16:creationId xmlns="" xmlns:a16="http://schemas.microsoft.com/office/drawing/2014/main" id="{DEA3FFA0-1ECE-4F3C-AFF3-DB13BD51A913}"/>
               </a:ext>
             </a:extLst>
           </p:cNvPr>
@@ -3604,7 +3606,7 @@
           <p:cNvPr id="11" name="Kombinationstegning: figur 10">
             <a:extLst>
               <a:ext uri="{FF2B5EF4-FFF2-40B4-BE49-F238E27FC236}">
-                <a16:creationId xmlns:a16="http://schemas.microsoft.com/office/drawing/2014/main" xmlns="" id="{759CDE2D-ADE0-4CEF-B23F-3A6026F65BF1}"/>
+                <a16:creationId xmlns="" xmlns:a16="http://schemas.microsoft.com/office/drawing/2014/main" id="{759CDE2D-ADE0-4CEF-B23F-3A6026F65BF1}"/>
               </a:ext>
             </a:extLst>
           </p:cNvPr>
@@ -3732,7 +3734,7 @@
           <p:cNvPr id="9" name="Subtitle 2">
             <a:extLst>
               <a:ext uri="{FF2B5EF4-FFF2-40B4-BE49-F238E27FC236}">
-                <a16:creationId xmlns:a16="http://schemas.microsoft.com/office/drawing/2014/main" xmlns="" id="{642B43C3-56A8-4104-B211-C5647E6DC14D}"/>
+                <a16:creationId xmlns="" xmlns:a16="http://schemas.microsoft.com/office/drawing/2014/main" id="{642B43C3-56A8-4104-B211-C5647E6DC14D}"/>
               </a:ext>
             </a:extLst>
           </p:cNvPr>
@@ -3899,7 +3901,7 @@
           <p:cNvPr id="12" name="Content Placeholder 3">
             <a:extLst>
               <a:ext uri="{FF2B5EF4-FFF2-40B4-BE49-F238E27FC236}">
-                <a16:creationId xmlns:a16="http://schemas.microsoft.com/office/drawing/2014/main" xmlns="" id="{65BE2CED-EE89-4576-84D3-8050671C988F}"/>
+                <a16:creationId xmlns="" xmlns:a16="http://schemas.microsoft.com/office/drawing/2014/main" id="{65BE2CED-EE89-4576-84D3-8050671C988F}"/>
               </a:ext>
             </a:extLst>
           </p:cNvPr>
@@ -4010,7 +4012,7 @@
           <p:cNvPr id="10" name="Pladsholder til tekst 9">
             <a:extLst>
               <a:ext uri="{FF2B5EF4-FFF2-40B4-BE49-F238E27FC236}">
-                <a16:creationId xmlns:a16="http://schemas.microsoft.com/office/drawing/2014/main" xmlns="" id="{9733036A-6AD5-4CE3-ACE3-FCF691810D13}"/>
+                <a16:creationId xmlns="" xmlns:a16="http://schemas.microsoft.com/office/drawing/2014/main" id="{9733036A-6AD5-4CE3-ACE3-FCF691810D13}"/>
               </a:ext>
             </a:extLst>
           </p:cNvPr>
@@ -4065,7 +4067,7 @@
           <p:cNvPr id="4" name="Pladsholder til dato 3">
             <a:extLst>
               <a:ext uri="{FF2B5EF4-FFF2-40B4-BE49-F238E27FC236}">
-                <a16:creationId xmlns:a16="http://schemas.microsoft.com/office/drawing/2014/main" xmlns="" id="{699F4903-CF3E-43F0-892B-F3FAE244D9D5}"/>
+                <a16:creationId xmlns="" xmlns:a16="http://schemas.microsoft.com/office/drawing/2014/main" id="{699F4903-CF3E-43F0-892B-F3FAE244D9D5}"/>
               </a:ext>
             </a:extLst>
           </p:cNvPr>
@@ -4083,7 +4085,7 @@
           <a:p>
             <a:fld id="{50620241-2B59-4866-B451-0548EB1EBED8}" type="datetime1">
               <a:rPr lang="da-DK" smtClean="0"/>
-              <a:t>07/04/2019</a:t>
+              <a:t>08/04/2019</a:t>
             </a:fld>
             <a:endParaRPr lang="da-DK"/>
           </a:p>
@@ -4094,7 +4096,7 @@
           <p:cNvPr id="5" name="Pladsholder til sidefod 4">
             <a:extLst>
               <a:ext uri="{FF2B5EF4-FFF2-40B4-BE49-F238E27FC236}">
-                <a16:creationId xmlns:a16="http://schemas.microsoft.com/office/drawing/2014/main" xmlns="" id="{B7DF2062-B8C9-426A-B79B-B755E6D96C5A}"/>
+                <a16:creationId xmlns="" xmlns:a16="http://schemas.microsoft.com/office/drawing/2014/main" id="{B7DF2062-B8C9-426A-B79B-B755E6D96C5A}"/>
               </a:ext>
             </a:extLst>
           </p:cNvPr>
@@ -4127,7 +4129,7 @@
           <p:cNvPr id="8" name="Pladsholder til slidenummer 7">
             <a:extLst>
               <a:ext uri="{FF2B5EF4-FFF2-40B4-BE49-F238E27FC236}">
-                <a16:creationId xmlns:a16="http://schemas.microsoft.com/office/drawing/2014/main" xmlns="" id="{1F63AE19-7717-40FC-9C9C-245DD57258E7}"/>
+                <a16:creationId xmlns="" xmlns:a16="http://schemas.microsoft.com/office/drawing/2014/main" id="{1F63AE19-7717-40FC-9C9C-245DD57258E7}"/>
               </a:ext>
             </a:extLst>
           </p:cNvPr>
@@ -4161,7 +4163,7 @@
           <p:cNvPr id="13" name="Topdanmark bund">
             <a:extLst>
               <a:ext uri="{FF2B5EF4-FFF2-40B4-BE49-F238E27FC236}">
-                <a16:creationId xmlns:a16="http://schemas.microsoft.com/office/drawing/2014/main" xmlns="" id="{44627400-DA5D-4A96-B016-052BE93B8F7D}"/>
+                <a16:creationId xmlns="" xmlns:a16="http://schemas.microsoft.com/office/drawing/2014/main" id="{44627400-DA5D-4A96-B016-052BE93B8F7D}"/>
               </a:ext>
             </a:extLst>
           </p:cNvPr>
@@ -4227,7 +4229,7 @@
           <p:cNvPr id="21" name="Pladsholder til billede 20">
             <a:extLst>
               <a:ext uri="{FF2B5EF4-FFF2-40B4-BE49-F238E27FC236}">
-                <a16:creationId xmlns:a16="http://schemas.microsoft.com/office/drawing/2014/main" xmlns="" id="{D0FB4A0E-B616-4273-92F5-72B304A3AB25}"/>
+                <a16:creationId xmlns="" xmlns:a16="http://schemas.microsoft.com/office/drawing/2014/main" id="{D0FB4A0E-B616-4273-92F5-72B304A3AB25}"/>
               </a:ext>
             </a:extLst>
           </p:cNvPr>
@@ -4364,7 +4366,7 @@
           <p:cNvPr id="8" name="Titel 1">
             <a:extLst>
               <a:ext uri="{FF2B5EF4-FFF2-40B4-BE49-F238E27FC236}">
-                <a16:creationId xmlns:a16="http://schemas.microsoft.com/office/drawing/2014/main" xmlns="" id="{A84BD6BA-9561-4856-B8E5-19F2A502FC21}"/>
+                <a16:creationId xmlns="" xmlns:a16="http://schemas.microsoft.com/office/drawing/2014/main" id="{A84BD6BA-9561-4856-B8E5-19F2A502FC21}"/>
               </a:ext>
             </a:extLst>
           </p:cNvPr>
@@ -4398,7 +4400,7 @@
           <p:cNvPr id="15" name="Subtitle 2">
             <a:extLst>
               <a:ext uri="{FF2B5EF4-FFF2-40B4-BE49-F238E27FC236}">
-                <a16:creationId xmlns:a16="http://schemas.microsoft.com/office/drawing/2014/main" xmlns="" id="{FB5AFED0-2849-4821-9288-7F641A3E71BF}"/>
+                <a16:creationId xmlns="" xmlns:a16="http://schemas.microsoft.com/office/drawing/2014/main" id="{FB5AFED0-2849-4821-9288-7F641A3E71BF}"/>
               </a:ext>
             </a:extLst>
           </p:cNvPr>
@@ -4508,7 +4510,7 @@
           <p:cNvPr id="10" name="Pladsholder til indhold 3">
             <a:extLst>
               <a:ext uri="{FF2B5EF4-FFF2-40B4-BE49-F238E27FC236}">
-                <a16:creationId xmlns:a16="http://schemas.microsoft.com/office/drawing/2014/main" xmlns="" id="{AF68717A-D2FA-45FC-B50D-9C91B1734546}"/>
+                <a16:creationId xmlns="" xmlns:a16="http://schemas.microsoft.com/office/drawing/2014/main" id="{AF68717A-D2FA-45FC-B50D-9C91B1734546}"/>
               </a:ext>
             </a:extLst>
           </p:cNvPr>
@@ -4571,7 +4573,7 @@
           <p:cNvPr id="17" name="Pladsholder til tekst 9">
             <a:extLst>
               <a:ext uri="{FF2B5EF4-FFF2-40B4-BE49-F238E27FC236}">
-                <a16:creationId xmlns:a16="http://schemas.microsoft.com/office/drawing/2014/main" xmlns="" id="{266C8419-C0A3-4B38-9B23-C62F771547E1}"/>
+                <a16:creationId xmlns="" xmlns:a16="http://schemas.microsoft.com/office/drawing/2014/main" id="{266C8419-C0A3-4B38-9B23-C62F771547E1}"/>
               </a:ext>
             </a:extLst>
           </p:cNvPr>
@@ -4626,7 +4628,7 @@
           <p:cNvPr id="11" name="Date Placeholder 3" hidden="1">
             <a:extLst>
               <a:ext uri="{FF2B5EF4-FFF2-40B4-BE49-F238E27FC236}">
-                <a16:creationId xmlns:a16="http://schemas.microsoft.com/office/drawing/2014/main" xmlns="" id="{36FB0B7F-D7C4-4C5A-B14C-DFD218426F71}"/>
+                <a16:creationId xmlns="" xmlns:a16="http://schemas.microsoft.com/office/drawing/2014/main" id="{36FB0B7F-D7C4-4C5A-B14C-DFD218426F71}"/>
               </a:ext>
             </a:extLst>
           </p:cNvPr>
@@ -4658,7 +4660,7 @@
           <a:p>
             <a:fld id="{3BE8B582-519C-4D78-9F22-3376383BD44E}" type="datetime1">
               <a:rPr lang="da-DK" smtClean="0"/>
-              <a:t>07/04/2019</a:t>
+              <a:t>08/04/2019</a:t>
             </a:fld>
             <a:endParaRPr lang="da-DK" dirty="0"/>
           </a:p>
@@ -4669,7 +4671,7 @@
           <p:cNvPr id="12" name="Footer Placeholder 4" hidden="1">
             <a:extLst>
               <a:ext uri="{FF2B5EF4-FFF2-40B4-BE49-F238E27FC236}">
-                <a16:creationId xmlns:a16="http://schemas.microsoft.com/office/drawing/2014/main" xmlns="" id="{2BEF9A4B-81C4-4799-8388-3D016135A692}"/>
+                <a16:creationId xmlns="" xmlns:a16="http://schemas.microsoft.com/office/drawing/2014/main" id="{2BEF9A4B-81C4-4799-8388-3D016135A692}"/>
               </a:ext>
             </a:extLst>
           </p:cNvPr>
@@ -4708,7 +4710,7 @@
           <p:cNvPr id="13" name="Slide Number Placeholder 5" hidden="1">
             <a:extLst>
               <a:ext uri="{FF2B5EF4-FFF2-40B4-BE49-F238E27FC236}">
-                <a16:creationId xmlns:a16="http://schemas.microsoft.com/office/drawing/2014/main" xmlns="" id="{B58CC190-9DD1-4804-98A4-DD24478DFB13}"/>
+                <a16:creationId xmlns="" xmlns:a16="http://schemas.microsoft.com/office/drawing/2014/main" id="{B58CC190-9DD1-4804-98A4-DD24478DFB13}"/>
               </a:ext>
             </a:extLst>
           </p:cNvPr>
@@ -4782,7 +4784,7 @@
           <p:cNvPr id="13" name="Kombinationstegning: figur 12">
             <a:extLst>
               <a:ext uri="{FF2B5EF4-FFF2-40B4-BE49-F238E27FC236}">
-                <a16:creationId xmlns:a16="http://schemas.microsoft.com/office/drawing/2014/main" xmlns="" id="{DFB0E94C-190D-4C4D-A862-63DCB765BB36}"/>
+                <a16:creationId xmlns="" xmlns:a16="http://schemas.microsoft.com/office/drawing/2014/main" id="{DFB0E94C-190D-4C4D-A862-63DCB765BB36}"/>
               </a:ext>
             </a:extLst>
           </p:cNvPr>
@@ -4919,7 +4921,7 @@
           <p:cNvPr id="9" name="Subtitle 2">
             <a:extLst>
               <a:ext uri="{FF2B5EF4-FFF2-40B4-BE49-F238E27FC236}">
-                <a16:creationId xmlns:a16="http://schemas.microsoft.com/office/drawing/2014/main" xmlns="" id="{642B43C3-56A8-4104-B211-C5647E6DC14D}"/>
+                <a16:creationId xmlns="" xmlns:a16="http://schemas.microsoft.com/office/drawing/2014/main" id="{642B43C3-56A8-4104-B211-C5647E6DC14D}"/>
               </a:ext>
             </a:extLst>
           </p:cNvPr>
@@ -5029,7 +5031,7 @@
           <p:cNvPr id="12" name="Content Placeholder 3">
             <a:extLst>
               <a:ext uri="{FF2B5EF4-FFF2-40B4-BE49-F238E27FC236}">
-                <a16:creationId xmlns:a16="http://schemas.microsoft.com/office/drawing/2014/main" xmlns="" id="{65BE2CED-EE89-4576-84D3-8050671C988F}"/>
+                <a16:creationId xmlns="" xmlns:a16="http://schemas.microsoft.com/office/drawing/2014/main" id="{65BE2CED-EE89-4576-84D3-8050671C988F}"/>
               </a:ext>
             </a:extLst>
           </p:cNvPr>
@@ -5136,7 +5138,7 @@
           <p:cNvPr id="10" name="Pladsholder til tekst 9">
             <a:extLst>
               <a:ext uri="{FF2B5EF4-FFF2-40B4-BE49-F238E27FC236}">
-                <a16:creationId xmlns:a16="http://schemas.microsoft.com/office/drawing/2014/main" xmlns="" id="{9733036A-6AD5-4CE3-ACE3-FCF691810D13}"/>
+                <a16:creationId xmlns="" xmlns:a16="http://schemas.microsoft.com/office/drawing/2014/main" id="{9733036A-6AD5-4CE3-ACE3-FCF691810D13}"/>
               </a:ext>
             </a:extLst>
           </p:cNvPr>
@@ -5191,7 +5193,7 @@
           <p:cNvPr id="3" name="Pladsholder til dato 2" hidden="1">
             <a:extLst>
               <a:ext uri="{FF2B5EF4-FFF2-40B4-BE49-F238E27FC236}">
-                <a16:creationId xmlns:a16="http://schemas.microsoft.com/office/drawing/2014/main" xmlns="" id="{FAC37489-EE7A-41E2-A568-71AD1F0EE8FD}"/>
+                <a16:creationId xmlns="" xmlns:a16="http://schemas.microsoft.com/office/drawing/2014/main" id="{FAC37489-EE7A-41E2-A568-71AD1F0EE8FD}"/>
               </a:ext>
             </a:extLst>
           </p:cNvPr>
@@ -5209,7 +5211,7 @@
           <a:p>
             <a:fld id="{50620241-2B59-4866-B451-0548EB1EBED8}" type="datetime1">
               <a:rPr lang="da-DK" smtClean="0"/>
-              <a:t>07/04/2019</a:t>
+              <a:t>08/04/2019</a:t>
             </a:fld>
             <a:endParaRPr lang="da-DK"/>
           </a:p>
@@ -5220,7 +5222,7 @@
           <p:cNvPr id="4" name="Pladsholder til sidefod 3">
             <a:extLst>
               <a:ext uri="{FF2B5EF4-FFF2-40B4-BE49-F238E27FC236}">
-                <a16:creationId xmlns:a16="http://schemas.microsoft.com/office/drawing/2014/main" xmlns="" id="{4B9EA861-EE39-4321-AC69-F071D4FCFD24}"/>
+                <a16:creationId xmlns="" xmlns:a16="http://schemas.microsoft.com/office/drawing/2014/main" id="{4B9EA861-EE39-4321-AC69-F071D4FCFD24}"/>
               </a:ext>
             </a:extLst>
           </p:cNvPr>
@@ -5249,7 +5251,7 @@
           <p:cNvPr id="5" name="Pladsholder til slidenummer 4">
             <a:extLst>
               <a:ext uri="{FF2B5EF4-FFF2-40B4-BE49-F238E27FC236}">
-                <a16:creationId xmlns:a16="http://schemas.microsoft.com/office/drawing/2014/main" xmlns="" id="{DF379842-E648-421B-81D3-42FABB52B51D}"/>
+                <a16:creationId xmlns="" xmlns:a16="http://schemas.microsoft.com/office/drawing/2014/main" id="{DF379842-E648-421B-81D3-42FABB52B51D}"/>
               </a:ext>
             </a:extLst>
           </p:cNvPr>
@@ -5283,7 +5285,7 @@
           <p:cNvPr id="11" name="Topdanmark bund">
             <a:extLst>
               <a:ext uri="{FF2B5EF4-FFF2-40B4-BE49-F238E27FC236}">
-                <a16:creationId xmlns:a16="http://schemas.microsoft.com/office/drawing/2014/main" xmlns="" id="{1EC48903-8543-4B6C-8069-A4918BBF2D88}"/>
+                <a16:creationId xmlns="" xmlns:a16="http://schemas.microsoft.com/office/drawing/2014/main" id="{1EC48903-8543-4B6C-8069-A4918BBF2D88}"/>
               </a:ext>
             </a:extLst>
           </p:cNvPr>
@@ -5349,7 +5351,7 @@
           <p:cNvPr id="13" name="Kombinationstegning: figur 12">
             <a:extLst>
               <a:ext uri="{FF2B5EF4-FFF2-40B4-BE49-F238E27FC236}">
-                <a16:creationId xmlns:a16="http://schemas.microsoft.com/office/drawing/2014/main" xmlns="" id="{DFB0E94C-190D-4C4D-A862-63DCB765BB36}"/>
+                <a16:creationId xmlns="" xmlns:a16="http://schemas.microsoft.com/office/drawing/2014/main" id="{DFB0E94C-190D-4C4D-A862-63DCB765BB36}"/>
               </a:ext>
             </a:extLst>
           </p:cNvPr>
@@ -5486,7 +5488,7 @@
           <p:cNvPr id="9" name="Subtitle 2">
             <a:extLst>
               <a:ext uri="{FF2B5EF4-FFF2-40B4-BE49-F238E27FC236}">
-                <a16:creationId xmlns:a16="http://schemas.microsoft.com/office/drawing/2014/main" xmlns="" id="{642B43C3-56A8-4104-B211-C5647E6DC14D}"/>
+                <a16:creationId xmlns="" xmlns:a16="http://schemas.microsoft.com/office/drawing/2014/main" id="{642B43C3-56A8-4104-B211-C5647E6DC14D}"/>
               </a:ext>
             </a:extLst>
           </p:cNvPr>
@@ -5596,7 +5598,7 @@
           <p:cNvPr id="12" name="Content Placeholder 3">
             <a:extLst>
               <a:ext uri="{FF2B5EF4-FFF2-40B4-BE49-F238E27FC236}">
-                <a16:creationId xmlns:a16="http://schemas.microsoft.com/office/drawing/2014/main" xmlns="" id="{65BE2CED-EE89-4576-84D3-8050671C988F}"/>
+                <a16:creationId xmlns="" xmlns:a16="http://schemas.microsoft.com/office/drawing/2014/main" id="{65BE2CED-EE89-4576-84D3-8050671C988F}"/>
               </a:ext>
             </a:extLst>
           </p:cNvPr>
@@ -5707,7 +5709,7 @@
           <p:cNvPr id="10" name="Pladsholder til tekst 9">
             <a:extLst>
               <a:ext uri="{FF2B5EF4-FFF2-40B4-BE49-F238E27FC236}">
-                <a16:creationId xmlns:a16="http://schemas.microsoft.com/office/drawing/2014/main" xmlns="" id="{9733036A-6AD5-4CE3-ACE3-FCF691810D13}"/>
+                <a16:creationId xmlns="" xmlns:a16="http://schemas.microsoft.com/office/drawing/2014/main" id="{9733036A-6AD5-4CE3-ACE3-FCF691810D13}"/>
               </a:ext>
             </a:extLst>
           </p:cNvPr>
@@ -5762,7 +5764,7 @@
           <p:cNvPr id="3" name="Pladsholder til dato 2" hidden="1">
             <a:extLst>
               <a:ext uri="{FF2B5EF4-FFF2-40B4-BE49-F238E27FC236}">
-                <a16:creationId xmlns:a16="http://schemas.microsoft.com/office/drawing/2014/main" xmlns="" id="{BF88FDB8-A5DB-4248-A2AE-2047A74BEFED}"/>
+                <a16:creationId xmlns="" xmlns:a16="http://schemas.microsoft.com/office/drawing/2014/main" id="{BF88FDB8-A5DB-4248-A2AE-2047A74BEFED}"/>
               </a:ext>
             </a:extLst>
           </p:cNvPr>
@@ -5780,7 +5782,7 @@
           <a:p>
             <a:fld id="{50620241-2B59-4866-B451-0548EB1EBED8}" type="datetime1">
               <a:rPr lang="da-DK" smtClean="0"/>
-              <a:t>07/04/2019</a:t>
+              <a:t>08/04/2019</a:t>
             </a:fld>
             <a:endParaRPr lang="da-DK"/>
           </a:p>
@@ -5791,7 +5793,7 @@
           <p:cNvPr id="4" name="Pladsholder til sidefod 3">
             <a:extLst>
               <a:ext uri="{FF2B5EF4-FFF2-40B4-BE49-F238E27FC236}">
-                <a16:creationId xmlns:a16="http://schemas.microsoft.com/office/drawing/2014/main" xmlns="" id="{67FE93BC-FE95-48F3-A38D-696646941426}"/>
+                <a16:creationId xmlns="" xmlns:a16="http://schemas.microsoft.com/office/drawing/2014/main" id="{67FE93BC-FE95-48F3-A38D-696646941426}"/>
               </a:ext>
             </a:extLst>
           </p:cNvPr>
@@ -5820,7 +5822,7 @@
           <p:cNvPr id="5" name="Pladsholder til slidenummer 4">
             <a:extLst>
               <a:ext uri="{FF2B5EF4-FFF2-40B4-BE49-F238E27FC236}">
-                <a16:creationId xmlns:a16="http://schemas.microsoft.com/office/drawing/2014/main" xmlns="" id="{0ECB9054-9447-4369-94C0-8FC8EE6DD8A4}"/>
+                <a16:creationId xmlns="" xmlns:a16="http://schemas.microsoft.com/office/drawing/2014/main" id="{0ECB9054-9447-4369-94C0-8FC8EE6DD8A4}"/>
               </a:ext>
             </a:extLst>
           </p:cNvPr>
@@ -5854,7 +5856,7 @@
           <p:cNvPr id="11" name="Topdanmark bund">
             <a:extLst>
               <a:ext uri="{FF2B5EF4-FFF2-40B4-BE49-F238E27FC236}">
-                <a16:creationId xmlns:a16="http://schemas.microsoft.com/office/drawing/2014/main" xmlns="" id="{47807BCE-0F7D-4572-8AAD-4A93F4BE54C2}"/>
+                <a16:creationId xmlns="" xmlns:a16="http://schemas.microsoft.com/office/drawing/2014/main" id="{47807BCE-0F7D-4572-8AAD-4A93F4BE54C2}"/>
               </a:ext>
             </a:extLst>
           </p:cNvPr>
@@ -5920,7 +5922,7 @@
           <p:cNvPr id="22" name="Pladsholder til billede 21">
             <a:extLst>
               <a:ext uri="{FF2B5EF4-FFF2-40B4-BE49-F238E27FC236}">
-                <a16:creationId xmlns:a16="http://schemas.microsoft.com/office/drawing/2014/main" xmlns="" id="{FC58759A-9155-42A1-AEC8-BA942275A98D}"/>
+                <a16:creationId xmlns="" xmlns:a16="http://schemas.microsoft.com/office/drawing/2014/main" id="{FC58759A-9155-42A1-AEC8-BA942275A98D}"/>
               </a:ext>
             </a:extLst>
           </p:cNvPr>
@@ -6049,7 +6051,7 @@
           <p:cNvPr id="8" name="Titel 1">
             <a:extLst>
               <a:ext uri="{FF2B5EF4-FFF2-40B4-BE49-F238E27FC236}">
-                <a16:creationId xmlns:a16="http://schemas.microsoft.com/office/drawing/2014/main" xmlns="" id="{A84BD6BA-9561-4856-B8E5-19F2A502FC21}"/>
+                <a16:creationId xmlns="" xmlns:a16="http://schemas.microsoft.com/office/drawing/2014/main" id="{A84BD6BA-9561-4856-B8E5-19F2A502FC21}"/>
               </a:ext>
             </a:extLst>
           </p:cNvPr>
@@ -6083,7 +6085,7 @@
           <p:cNvPr id="15" name="Subtitle 2">
             <a:extLst>
               <a:ext uri="{FF2B5EF4-FFF2-40B4-BE49-F238E27FC236}">
-                <a16:creationId xmlns:a16="http://schemas.microsoft.com/office/drawing/2014/main" xmlns="" id="{3B84CB31-C501-4FDD-914B-BA7829F7F5C6}"/>
+                <a16:creationId xmlns="" xmlns:a16="http://schemas.microsoft.com/office/drawing/2014/main" id="{3B84CB31-C501-4FDD-914B-BA7829F7F5C6}"/>
               </a:ext>
             </a:extLst>
           </p:cNvPr>
@@ -6193,7 +6195,7 @@
           <p:cNvPr id="10" name="Pladsholder til indhold 3">
             <a:extLst>
               <a:ext uri="{FF2B5EF4-FFF2-40B4-BE49-F238E27FC236}">
-                <a16:creationId xmlns:a16="http://schemas.microsoft.com/office/drawing/2014/main" xmlns="" id="{AF68717A-D2FA-45FC-B50D-9C91B1734546}"/>
+                <a16:creationId xmlns="" xmlns:a16="http://schemas.microsoft.com/office/drawing/2014/main" id="{AF68717A-D2FA-45FC-B50D-9C91B1734546}"/>
               </a:ext>
             </a:extLst>
           </p:cNvPr>
@@ -6256,7 +6258,7 @@
           <p:cNvPr id="17" name="Pladsholder til tekst 9">
             <a:extLst>
               <a:ext uri="{FF2B5EF4-FFF2-40B4-BE49-F238E27FC236}">
-                <a16:creationId xmlns:a16="http://schemas.microsoft.com/office/drawing/2014/main" xmlns="" id="{9A77D328-72A0-4B3D-9528-634DDA470E38}"/>
+                <a16:creationId xmlns="" xmlns:a16="http://schemas.microsoft.com/office/drawing/2014/main" id="{9A77D328-72A0-4B3D-9528-634DDA470E38}"/>
               </a:ext>
             </a:extLst>
           </p:cNvPr>
@@ -6311,7 +6313,7 @@
           <p:cNvPr id="11" name="Date Placeholder 3" hidden="1">
             <a:extLst>
               <a:ext uri="{FF2B5EF4-FFF2-40B4-BE49-F238E27FC236}">
-                <a16:creationId xmlns:a16="http://schemas.microsoft.com/office/drawing/2014/main" xmlns="" id="{36FB0B7F-D7C4-4C5A-B14C-DFD218426F71}"/>
+                <a16:creationId xmlns="" xmlns:a16="http://schemas.microsoft.com/office/drawing/2014/main" id="{36FB0B7F-D7C4-4C5A-B14C-DFD218426F71}"/>
               </a:ext>
             </a:extLst>
           </p:cNvPr>
@@ -6343,7 +6345,7 @@
           <a:p>
             <a:fld id="{5360F07D-9A82-4A62-B162-E27662F92A46}" type="datetime1">
               <a:rPr lang="da-DK" smtClean="0"/>
-              <a:t>07/04/2019</a:t>
+              <a:t>08/04/2019</a:t>
             </a:fld>
             <a:endParaRPr lang="da-DK" dirty="0"/>
           </a:p>
@@ -6354,7 +6356,7 @@
           <p:cNvPr id="12" name="Footer Placeholder 4" hidden="1">
             <a:extLst>
               <a:ext uri="{FF2B5EF4-FFF2-40B4-BE49-F238E27FC236}">
-                <a16:creationId xmlns:a16="http://schemas.microsoft.com/office/drawing/2014/main" xmlns="" id="{2BEF9A4B-81C4-4799-8388-3D016135A692}"/>
+                <a16:creationId xmlns="" xmlns:a16="http://schemas.microsoft.com/office/drawing/2014/main" id="{2BEF9A4B-81C4-4799-8388-3D016135A692}"/>
               </a:ext>
             </a:extLst>
           </p:cNvPr>
@@ -6393,7 +6395,7 @@
           <p:cNvPr id="13" name="Slide Number Placeholder 5" hidden="1">
             <a:extLst>
               <a:ext uri="{FF2B5EF4-FFF2-40B4-BE49-F238E27FC236}">
-                <a16:creationId xmlns:a16="http://schemas.microsoft.com/office/drawing/2014/main" xmlns="" id="{B58CC190-9DD1-4804-98A4-DD24478DFB13}"/>
+                <a16:creationId xmlns="" xmlns:a16="http://schemas.microsoft.com/office/drawing/2014/main" id="{B58CC190-9DD1-4804-98A4-DD24478DFB13}"/>
               </a:ext>
             </a:extLst>
           </p:cNvPr>
@@ -6495,7 +6497,7 @@
           <p:cNvPr id="9" name="Subtitle 2">
             <a:extLst>
               <a:ext uri="{FF2B5EF4-FFF2-40B4-BE49-F238E27FC236}">
-                <a16:creationId xmlns:a16="http://schemas.microsoft.com/office/drawing/2014/main" xmlns="" id="{73550F10-E3D2-4FC1-9484-7CC465D0DC5C}"/>
+                <a16:creationId xmlns="" xmlns:a16="http://schemas.microsoft.com/office/drawing/2014/main" id="{73550F10-E3D2-4FC1-9484-7CC465D0DC5C}"/>
               </a:ext>
             </a:extLst>
           </p:cNvPr>
@@ -6605,7 +6607,7 @@
           <p:cNvPr id="12" name="Content Placeholder 2">
             <a:extLst>
               <a:ext uri="{FF2B5EF4-FFF2-40B4-BE49-F238E27FC236}">
-                <a16:creationId xmlns:a16="http://schemas.microsoft.com/office/drawing/2014/main" xmlns="" id="{E2CABC48-F1B7-481F-9158-401621ECC3FC}"/>
+                <a16:creationId xmlns="" xmlns:a16="http://schemas.microsoft.com/office/drawing/2014/main" id="{E2CABC48-F1B7-481F-9158-401621ECC3FC}"/>
               </a:ext>
             </a:extLst>
           </p:cNvPr>
@@ -6743,7 +6745,7 @@
           <p:cNvPr id="13" name="Content Placeholder 3">
             <a:extLst>
               <a:ext uri="{FF2B5EF4-FFF2-40B4-BE49-F238E27FC236}">
-                <a16:creationId xmlns:a16="http://schemas.microsoft.com/office/drawing/2014/main" xmlns="" id="{0ABC9838-A1B9-4AD0-88F0-BE43A6198EE6}"/>
+                <a16:creationId xmlns="" xmlns:a16="http://schemas.microsoft.com/office/drawing/2014/main" id="{0ABC9838-A1B9-4AD0-88F0-BE43A6198EE6}"/>
               </a:ext>
             </a:extLst>
           </p:cNvPr>
@@ -6885,7 +6887,7 @@
           <p:cNvPr id="16" name="Pladsholder til billede 1">
             <a:extLst>
               <a:ext uri="{FF2B5EF4-FFF2-40B4-BE49-F238E27FC236}">
-                <a16:creationId xmlns:a16="http://schemas.microsoft.com/office/drawing/2014/main" xmlns="" id="{09D667BA-5154-4848-9DD8-FAD3F1A58856}"/>
+                <a16:creationId xmlns="" xmlns:a16="http://schemas.microsoft.com/office/drawing/2014/main" id="{09D667BA-5154-4848-9DD8-FAD3F1A58856}"/>
               </a:ext>
             </a:extLst>
           </p:cNvPr>
@@ -6926,7 +6928,7 @@
           <p:cNvPr id="17" name="Pladsholder til billede 2">
             <a:extLst>
               <a:ext uri="{FF2B5EF4-FFF2-40B4-BE49-F238E27FC236}">
-                <a16:creationId xmlns:a16="http://schemas.microsoft.com/office/drawing/2014/main" xmlns="" id="{0FAC00AA-3211-4836-88EC-074F76F96551}"/>
+                <a16:creationId xmlns="" xmlns:a16="http://schemas.microsoft.com/office/drawing/2014/main" id="{0FAC00AA-3211-4836-88EC-074F76F96551}"/>
               </a:ext>
             </a:extLst>
           </p:cNvPr>
@@ -6967,7 +6969,7 @@
           <p:cNvPr id="18" name="Pladsholder til billede 3">
             <a:extLst>
               <a:ext uri="{FF2B5EF4-FFF2-40B4-BE49-F238E27FC236}">
-                <a16:creationId xmlns:a16="http://schemas.microsoft.com/office/drawing/2014/main" xmlns="" id="{A3B5D952-DE86-4245-96CC-1A6E8765B533}"/>
+                <a16:creationId xmlns="" xmlns:a16="http://schemas.microsoft.com/office/drawing/2014/main" id="{A3B5D952-DE86-4245-96CC-1A6E8765B533}"/>
               </a:ext>
             </a:extLst>
           </p:cNvPr>
@@ -7008,7 +7010,7 @@
           <p:cNvPr id="19" name="Pladsholder til billede 4">
             <a:extLst>
               <a:ext uri="{FF2B5EF4-FFF2-40B4-BE49-F238E27FC236}">
-                <a16:creationId xmlns:a16="http://schemas.microsoft.com/office/drawing/2014/main" xmlns="" id="{BAC3282B-0318-4735-B850-7B2A032972A7}"/>
+                <a16:creationId xmlns="" xmlns:a16="http://schemas.microsoft.com/office/drawing/2014/main" id="{BAC3282B-0318-4735-B850-7B2A032972A7}"/>
               </a:ext>
             </a:extLst>
           </p:cNvPr>
@@ -7049,7 +7051,7 @@
           <p:cNvPr id="10" name="Pladsholder til tekst 9">
             <a:extLst>
               <a:ext uri="{FF2B5EF4-FFF2-40B4-BE49-F238E27FC236}">
-                <a16:creationId xmlns:a16="http://schemas.microsoft.com/office/drawing/2014/main" xmlns="" id="{FD652C88-62C4-4C9A-8A06-A802A5B886E9}"/>
+                <a16:creationId xmlns="" xmlns:a16="http://schemas.microsoft.com/office/drawing/2014/main" id="{FD652C88-62C4-4C9A-8A06-A802A5B886E9}"/>
               </a:ext>
             </a:extLst>
           </p:cNvPr>
@@ -7104,7 +7106,7 @@
           <p:cNvPr id="5" name="Pladsholder til dato 4" hidden="1">
             <a:extLst>
               <a:ext uri="{FF2B5EF4-FFF2-40B4-BE49-F238E27FC236}">
-                <a16:creationId xmlns:a16="http://schemas.microsoft.com/office/drawing/2014/main" xmlns="" id="{BE299533-728B-4BE2-8251-24FA79BC8612}"/>
+                <a16:creationId xmlns="" xmlns:a16="http://schemas.microsoft.com/office/drawing/2014/main" id="{BE299533-728B-4BE2-8251-24FA79BC8612}"/>
               </a:ext>
             </a:extLst>
           </p:cNvPr>
@@ -7122,7 +7124,7 @@
           <a:p>
             <a:fld id="{50620241-2B59-4866-B451-0548EB1EBED8}" type="datetime1">
               <a:rPr lang="da-DK" smtClean="0"/>
-              <a:t>07/04/2019</a:t>
+              <a:t>08/04/2019</a:t>
             </a:fld>
             <a:endParaRPr lang="da-DK"/>
           </a:p>
@@ -7133,7 +7135,7 @@
           <p:cNvPr id="6" name="Pladsholder til sidefod 5">
             <a:extLst>
               <a:ext uri="{FF2B5EF4-FFF2-40B4-BE49-F238E27FC236}">
-                <a16:creationId xmlns:a16="http://schemas.microsoft.com/office/drawing/2014/main" xmlns="" id="{A669C3F2-56AA-4C41-8F0D-A084AD966994}"/>
+                <a16:creationId xmlns="" xmlns:a16="http://schemas.microsoft.com/office/drawing/2014/main" id="{A669C3F2-56AA-4C41-8F0D-A084AD966994}"/>
               </a:ext>
             </a:extLst>
           </p:cNvPr>
@@ -7158,7 +7160,7 @@
           <p:cNvPr id="7" name="Pladsholder til slidenummer 6">
             <a:extLst>
               <a:ext uri="{FF2B5EF4-FFF2-40B4-BE49-F238E27FC236}">
-                <a16:creationId xmlns:a16="http://schemas.microsoft.com/office/drawing/2014/main" xmlns="" id="{6A24ACBC-C589-4C29-BB75-FC338438245B}"/>
+                <a16:creationId xmlns="" xmlns:a16="http://schemas.microsoft.com/office/drawing/2014/main" id="{6A24ACBC-C589-4C29-BB75-FC338438245B}"/>
               </a:ext>
             </a:extLst>
           </p:cNvPr>
@@ -7218,7 +7220,7 @@
           <p:cNvPr id="13" name="Background">
             <a:extLst>
               <a:ext uri="{FF2B5EF4-FFF2-40B4-BE49-F238E27FC236}">
-                <a16:creationId xmlns:a16="http://schemas.microsoft.com/office/drawing/2014/main" xmlns="" id="{26E691F1-AD98-4CB9-9B4C-2AAA28641ED4}"/>
+                <a16:creationId xmlns="" xmlns:a16="http://schemas.microsoft.com/office/drawing/2014/main" id="{26E691F1-AD98-4CB9-9B4C-2AAA28641ED4}"/>
               </a:ext>
             </a:extLst>
           </p:cNvPr>
@@ -7270,7 +7272,7 @@
           <p:cNvPr id="22" name="Pladsholder til billede 21">
             <a:extLst>
               <a:ext uri="{FF2B5EF4-FFF2-40B4-BE49-F238E27FC236}">
-                <a16:creationId xmlns:a16="http://schemas.microsoft.com/office/drawing/2014/main" xmlns="" id="{A85295EE-FB99-4250-87AB-3706FF23CBEB}"/>
+                <a16:creationId xmlns="" xmlns:a16="http://schemas.microsoft.com/office/drawing/2014/main" id="{A85295EE-FB99-4250-87AB-3706FF23CBEB}"/>
               </a:ext>
             </a:extLst>
           </p:cNvPr>
@@ -7465,7 +7467,7 @@
           <p:cNvPr id="23" name="Subtitle 2">
             <a:extLst>
               <a:ext uri="{FF2B5EF4-FFF2-40B4-BE49-F238E27FC236}">
-                <a16:creationId xmlns:a16="http://schemas.microsoft.com/office/drawing/2014/main" xmlns="" id="{7C7AEA71-2AEA-43F6-81F6-0C356EFE86BD}"/>
+                <a16:creationId xmlns="" xmlns:a16="http://schemas.microsoft.com/office/drawing/2014/main" id="{7C7AEA71-2AEA-43F6-81F6-0C356EFE86BD}"/>
               </a:ext>
             </a:extLst>
           </p:cNvPr>
@@ -7575,7 +7577,7 @@
           <p:cNvPr id="24" name="Logo">
             <a:extLst>
               <a:ext uri="{FF2B5EF4-FFF2-40B4-BE49-F238E27FC236}">
-                <a16:creationId xmlns:a16="http://schemas.microsoft.com/office/drawing/2014/main" xmlns="" id="{4B05275D-325E-41CC-A1FE-F9A568946714}"/>
+                <a16:creationId xmlns="" xmlns:a16="http://schemas.microsoft.com/office/drawing/2014/main" id="{4B05275D-325E-41CC-A1FE-F9A568946714}"/>
               </a:ext>
             </a:extLst>
           </p:cNvPr>
@@ -7605,7 +7607,7 @@
           <p:cNvPr id="14" name="Date_GeneralDate">
             <a:extLst>
               <a:ext uri="{FF2B5EF4-FFF2-40B4-BE49-F238E27FC236}">
-                <a16:creationId xmlns:a16="http://schemas.microsoft.com/office/drawing/2014/main" xmlns="" id="{1F063B12-8474-4D25-9A8A-3DF6DED83210}"/>
+                <a16:creationId xmlns="" xmlns:a16="http://schemas.microsoft.com/office/drawing/2014/main" id="{1F063B12-8474-4D25-9A8A-3DF6DED83210}"/>
               </a:ext>
             </a:extLst>
           </p:cNvPr>
@@ -7641,7 +7643,7 @@
           <a:p>
             <a:fld id="{F7B8B28D-3087-4060-8816-5E12E3BADC48}" type="datetime1">
               <a:rPr lang="da-DK" smtClean="0"/>
-              <a:t>07/04/2019</a:t>
+              <a:t>08/04/2019</a:t>
             </a:fld>
             <a:endParaRPr lang="en-GB" dirty="0"/>
           </a:p>
@@ -7652,7 +7654,7 @@
           <p:cNvPr id="5" name="Pladsholder til tekst Topdanmark">
             <a:extLst>
               <a:ext uri="{FF2B5EF4-FFF2-40B4-BE49-F238E27FC236}">
-                <a16:creationId xmlns:a16="http://schemas.microsoft.com/office/drawing/2014/main" xmlns="" id="{C80A68F0-66A0-4D4C-9786-E7F5DE97EF1A}"/>
+                <a16:creationId xmlns="" xmlns:a16="http://schemas.microsoft.com/office/drawing/2014/main" id="{C80A68F0-66A0-4D4C-9786-E7F5DE97EF1A}"/>
               </a:ext>
             </a:extLst>
           </p:cNvPr>
@@ -7699,7 +7701,7 @@
           <p:cNvPr id="4" name="Pladsholder til tekst streg">
             <a:extLst>
               <a:ext uri="{FF2B5EF4-FFF2-40B4-BE49-F238E27FC236}">
-                <a16:creationId xmlns:a16="http://schemas.microsoft.com/office/drawing/2014/main" xmlns="" id="{EC74443B-F044-46AA-8CEF-26443DEA8370}"/>
+                <a16:creationId xmlns="" xmlns:a16="http://schemas.microsoft.com/office/drawing/2014/main" id="{EC74443B-F044-46AA-8CEF-26443DEA8370}"/>
               </a:ext>
             </a:extLst>
           </p:cNvPr>
@@ -7743,7 +7745,7 @@
           <p:cNvPr id="10" name="Slide Number Placeholder 5" hidden="1">
             <a:extLst>
               <a:ext uri="{FF2B5EF4-FFF2-40B4-BE49-F238E27FC236}">
-                <a16:creationId xmlns:a16="http://schemas.microsoft.com/office/drawing/2014/main" xmlns="" id="{17650885-37C4-4A34-B62E-736FD7C6D3A2}"/>
+                <a16:creationId xmlns="" xmlns:a16="http://schemas.microsoft.com/office/drawing/2014/main" id="{17650885-37C4-4A34-B62E-736FD7C6D3A2}"/>
               </a:ext>
             </a:extLst>
           </p:cNvPr>
@@ -7795,7 +7797,7 @@
           <p:cNvPr id="11" name="FLD_PresentationTitle" hidden="1">
             <a:extLst>
               <a:ext uri="{FF2B5EF4-FFF2-40B4-BE49-F238E27FC236}">
-                <a16:creationId xmlns:a16="http://schemas.microsoft.com/office/drawing/2014/main" xmlns="" id="{17E0B3BA-0B9E-4320-889F-AC980CA2ECAE}"/>
+                <a16:creationId xmlns="" xmlns:a16="http://schemas.microsoft.com/office/drawing/2014/main" id="{17E0B3BA-0B9E-4320-889F-AC980CA2ECAE}"/>
               </a:ext>
             </a:extLst>
           </p:cNvPr>
@@ -7897,7 +7899,7 @@
           <p:cNvPr id="9" name="Subtitle 2">
             <a:extLst>
               <a:ext uri="{FF2B5EF4-FFF2-40B4-BE49-F238E27FC236}">
-                <a16:creationId xmlns:a16="http://schemas.microsoft.com/office/drawing/2014/main" xmlns="" id="{73550F10-E3D2-4FC1-9484-7CC465D0DC5C}"/>
+                <a16:creationId xmlns="" xmlns:a16="http://schemas.microsoft.com/office/drawing/2014/main" id="{73550F10-E3D2-4FC1-9484-7CC465D0DC5C}"/>
               </a:ext>
             </a:extLst>
           </p:cNvPr>
@@ -8007,7 +8009,7 @@
           <p:cNvPr id="16" name="Pladsholder til billede 1">
             <a:extLst>
               <a:ext uri="{FF2B5EF4-FFF2-40B4-BE49-F238E27FC236}">
-                <a16:creationId xmlns:a16="http://schemas.microsoft.com/office/drawing/2014/main" xmlns="" id="{09D667BA-5154-4848-9DD8-FAD3F1A58856}"/>
+                <a16:creationId xmlns="" xmlns:a16="http://schemas.microsoft.com/office/drawing/2014/main" id="{09D667BA-5154-4848-9DD8-FAD3F1A58856}"/>
               </a:ext>
             </a:extLst>
           </p:cNvPr>
@@ -8048,7 +8050,7 @@
           <p:cNvPr id="17" name="Pladsholder til billede 2">
             <a:extLst>
               <a:ext uri="{FF2B5EF4-FFF2-40B4-BE49-F238E27FC236}">
-                <a16:creationId xmlns:a16="http://schemas.microsoft.com/office/drawing/2014/main" xmlns="" id="{0FAC00AA-3211-4836-88EC-074F76F96551}"/>
+                <a16:creationId xmlns="" xmlns:a16="http://schemas.microsoft.com/office/drawing/2014/main" id="{0FAC00AA-3211-4836-88EC-074F76F96551}"/>
               </a:ext>
             </a:extLst>
           </p:cNvPr>
@@ -8089,7 +8091,7 @@
           <p:cNvPr id="10" name="Pladsholder til tekst 9">
             <a:extLst>
               <a:ext uri="{FF2B5EF4-FFF2-40B4-BE49-F238E27FC236}">
-                <a16:creationId xmlns:a16="http://schemas.microsoft.com/office/drawing/2014/main" xmlns="" id="{FD652C88-62C4-4C9A-8A06-A802A5B886E9}"/>
+                <a16:creationId xmlns="" xmlns:a16="http://schemas.microsoft.com/office/drawing/2014/main" id="{FD652C88-62C4-4C9A-8A06-A802A5B886E9}"/>
               </a:ext>
             </a:extLst>
           </p:cNvPr>
@@ -8144,7 +8146,7 @@
           <p:cNvPr id="11" name="Pladsholder til medieklip 10">
             <a:extLst>
               <a:ext uri="{FF2B5EF4-FFF2-40B4-BE49-F238E27FC236}">
-                <a16:creationId xmlns:a16="http://schemas.microsoft.com/office/drawing/2014/main" xmlns="" id="{3BCB0E1D-23F0-4270-B787-4AFF9457D1BE}"/>
+                <a16:creationId xmlns="" xmlns:a16="http://schemas.microsoft.com/office/drawing/2014/main" id="{3BCB0E1D-23F0-4270-B787-4AFF9457D1BE}"/>
               </a:ext>
             </a:extLst>
           </p:cNvPr>
@@ -8188,7 +8190,7 @@
           <p:cNvPr id="20" name="Content Placeholder 2">
             <a:extLst>
               <a:ext uri="{FF2B5EF4-FFF2-40B4-BE49-F238E27FC236}">
-                <a16:creationId xmlns:a16="http://schemas.microsoft.com/office/drawing/2014/main" xmlns="" id="{F2419061-6328-49DB-9E80-0E769AE28295}"/>
+                <a16:creationId xmlns="" xmlns:a16="http://schemas.microsoft.com/office/drawing/2014/main" id="{F2419061-6328-49DB-9E80-0E769AE28295}"/>
               </a:ext>
             </a:extLst>
           </p:cNvPr>
@@ -8326,7 +8328,7 @@
           <p:cNvPr id="5" name="Pladsholder til dato 4" hidden="1">
             <a:extLst>
               <a:ext uri="{FF2B5EF4-FFF2-40B4-BE49-F238E27FC236}">
-                <a16:creationId xmlns:a16="http://schemas.microsoft.com/office/drawing/2014/main" xmlns="" id="{6F754BC7-2374-489D-BA9A-ED995C3A6AB1}"/>
+                <a16:creationId xmlns="" xmlns:a16="http://schemas.microsoft.com/office/drawing/2014/main" id="{6F754BC7-2374-489D-BA9A-ED995C3A6AB1}"/>
               </a:ext>
             </a:extLst>
           </p:cNvPr>
@@ -8344,7 +8346,7 @@
           <a:p>
             <a:fld id="{50620241-2B59-4866-B451-0548EB1EBED8}" type="datetime1">
               <a:rPr lang="da-DK" smtClean="0"/>
-              <a:t>07/04/2019</a:t>
+              <a:t>08/04/2019</a:t>
             </a:fld>
             <a:endParaRPr lang="da-DK"/>
           </a:p>
@@ -8355,7 +8357,7 @@
           <p:cNvPr id="6" name="Pladsholder til sidefod 5">
             <a:extLst>
               <a:ext uri="{FF2B5EF4-FFF2-40B4-BE49-F238E27FC236}">
-                <a16:creationId xmlns:a16="http://schemas.microsoft.com/office/drawing/2014/main" xmlns="" id="{CC750700-6DE4-4011-B674-5624CB980DB2}"/>
+                <a16:creationId xmlns="" xmlns:a16="http://schemas.microsoft.com/office/drawing/2014/main" id="{CC750700-6DE4-4011-B674-5624CB980DB2}"/>
               </a:ext>
             </a:extLst>
           </p:cNvPr>
@@ -8380,7 +8382,7 @@
           <p:cNvPr id="7" name="Pladsholder til slidenummer 6">
             <a:extLst>
               <a:ext uri="{FF2B5EF4-FFF2-40B4-BE49-F238E27FC236}">
-                <a16:creationId xmlns:a16="http://schemas.microsoft.com/office/drawing/2014/main" xmlns="" id="{95F9CA0E-2B43-40AF-94A5-A7BD64170A2E}"/>
+                <a16:creationId xmlns="" xmlns:a16="http://schemas.microsoft.com/office/drawing/2014/main" id="{95F9CA0E-2B43-40AF-94A5-A7BD64170A2E}"/>
               </a:ext>
             </a:extLst>
           </p:cNvPr>
@@ -8440,7 +8442,7 @@
           <p:cNvPr id="8" name="Background">
             <a:extLst>
               <a:ext uri="{FF2B5EF4-FFF2-40B4-BE49-F238E27FC236}">
-                <a16:creationId xmlns:a16="http://schemas.microsoft.com/office/drawing/2014/main" xmlns="" id="{879B3514-ECA0-4EC9-9006-0D7D57D85D7E}"/>
+                <a16:creationId xmlns="" xmlns:a16="http://schemas.microsoft.com/office/drawing/2014/main" id="{879B3514-ECA0-4EC9-9006-0D7D57D85D7E}"/>
               </a:ext>
             </a:extLst>
           </p:cNvPr>
@@ -8492,7 +8494,7 @@
           <p:cNvPr id="4" name="Pladsholder til tekst 3">
             <a:extLst>
               <a:ext uri="{FF2B5EF4-FFF2-40B4-BE49-F238E27FC236}">
-                <a16:creationId xmlns:a16="http://schemas.microsoft.com/office/drawing/2014/main" xmlns="" id="{8F61F5A7-E528-4245-94F6-944757365F81}"/>
+                <a16:creationId xmlns="" xmlns:a16="http://schemas.microsoft.com/office/drawing/2014/main" id="{8F61F5A7-E528-4245-94F6-944757365F81}"/>
               </a:ext>
             </a:extLst>
           </p:cNvPr>
@@ -8590,7 +8592,7 @@
           <p:cNvPr id="9" name="Pladsholder til tekst 8">
             <a:extLst>
               <a:ext uri="{FF2B5EF4-FFF2-40B4-BE49-F238E27FC236}">
-                <a16:creationId xmlns:a16="http://schemas.microsoft.com/office/drawing/2014/main" xmlns="" id="{D78C259A-92FF-4BE3-98E2-A6983F560E6E}"/>
+                <a16:creationId xmlns="" xmlns:a16="http://schemas.microsoft.com/office/drawing/2014/main" id="{D78C259A-92FF-4BE3-98E2-A6983F560E6E}"/>
               </a:ext>
             </a:extLst>
           </p:cNvPr>
@@ -8637,7 +8639,7 @@
           <p:cNvPr id="10" name="Citattegn">
             <a:extLst>
               <a:ext uri="{FF2B5EF4-FFF2-40B4-BE49-F238E27FC236}">
-                <a16:creationId xmlns:a16="http://schemas.microsoft.com/office/drawing/2014/main" xmlns="" id="{55D77267-6FBF-4344-BF97-0F4A6F80009A}"/>
+                <a16:creationId xmlns="" xmlns:a16="http://schemas.microsoft.com/office/drawing/2014/main" id="{55D77267-6FBF-4344-BF97-0F4A6F80009A}"/>
               </a:ext>
             </a:extLst>
           </p:cNvPr>
@@ -8673,7 +8675,7 @@
           <p:cNvPr id="11" name="Topdanmark bund">
             <a:extLst>
               <a:ext uri="{FF2B5EF4-FFF2-40B4-BE49-F238E27FC236}">
-                <a16:creationId xmlns:a16="http://schemas.microsoft.com/office/drawing/2014/main" xmlns="" id="{01BC15D4-52E8-4FAD-AA79-015C483805B2}"/>
+                <a16:creationId xmlns="" xmlns:a16="http://schemas.microsoft.com/office/drawing/2014/main" id="{01BC15D4-52E8-4FAD-AA79-015C483805B2}"/>
               </a:ext>
             </a:extLst>
           </p:cNvPr>
@@ -8709,7 +8711,7 @@
           <p:cNvPr id="3" name="Pladsholder til sidefod 2">
             <a:extLst>
               <a:ext uri="{FF2B5EF4-FFF2-40B4-BE49-F238E27FC236}">
-                <a16:creationId xmlns:a16="http://schemas.microsoft.com/office/drawing/2014/main" xmlns="" id="{E9CD68C7-897F-47B2-AE38-85F32617B96E}"/>
+                <a16:creationId xmlns="" xmlns:a16="http://schemas.microsoft.com/office/drawing/2014/main" id="{E9CD68C7-897F-47B2-AE38-85F32617B96E}"/>
               </a:ext>
             </a:extLst>
           </p:cNvPr>
@@ -8738,7 +8740,7 @@
           <p:cNvPr id="5" name="Pladsholder til slidenummer 4">
             <a:extLst>
               <a:ext uri="{FF2B5EF4-FFF2-40B4-BE49-F238E27FC236}">
-                <a16:creationId xmlns:a16="http://schemas.microsoft.com/office/drawing/2014/main" xmlns="" id="{D511E8D6-200D-43F3-BE36-D50D9AE2D0C9}"/>
+                <a16:creationId xmlns="" xmlns:a16="http://schemas.microsoft.com/office/drawing/2014/main" id="{D511E8D6-200D-43F3-BE36-D50D9AE2D0C9}"/>
               </a:ext>
             </a:extLst>
           </p:cNvPr>
@@ -8772,7 +8774,7 @@
           <p:cNvPr id="2" name="Pladsholder til dato 1" hidden="1">
             <a:extLst>
               <a:ext uri="{FF2B5EF4-FFF2-40B4-BE49-F238E27FC236}">
-                <a16:creationId xmlns:a16="http://schemas.microsoft.com/office/drawing/2014/main" xmlns="" id="{1790DE79-49D7-458E-9C81-F63FEFF4E745}"/>
+                <a16:creationId xmlns="" xmlns:a16="http://schemas.microsoft.com/office/drawing/2014/main" id="{1790DE79-49D7-458E-9C81-F63FEFF4E745}"/>
               </a:ext>
             </a:extLst>
           </p:cNvPr>
@@ -8790,7 +8792,7 @@
           <a:p>
             <a:fld id="{E74D97C6-1F48-438A-B987-DB296D9F9CCE}" type="datetime1">
               <a:rPr lang="da-DK" smtClean="0"/>
-              <a:t>07/04/2019</a:t>
+              <a:t>08/04/2019</a:t>
             </a:fld>
             <a:endParaRPr lang="da-DK"/>
           </a:p>
@@ -8831,7 +8833,7 @@
           <p:cNvPr id="8" name="Background">
             <a:extLst>
               <a:ext uri="{FF2B5EF4-FFF2-40B4-BE49-F238E27FC236}">
-                <a16:creationId xmlns:a16="http://schemas.microsoft.com/office/drawing/2014/main" xmlns="" id="{879B3514-ECA0-4EC9-9006-0D7D57D85D7E}"/>
+                <a16:creationId xmlns="" xmlns:a16="http://schemas.microsoft.com/office/drawing/2014/main" id="{879B3514-ECA0-4EC9-9006-0D7D57D85D7E}"/>
               </a:ext>
             </a:extLst>
           </p:cNvPr>
@@ -8883,7 +8885,7 @@
           <p:cNvPr id="4" name="Pladsholder til tekst 3">
             <a:extLst>
               <a:ext uri="{FF2B5EF4-FFF2-40B4-BE49-F238E27FC236}">
-                <a16:creationId xmlns:a16="http://schemas.microsoft.com/office/drawing/2014/main" xmlns="" id="{8F61F5A7-E528-4245-94F6-944757365F81}"/>
+                <a16:creationId xmlns="" xmlns:a16="http://schemas.microsoft.com/office/drawing/2014/main" id="{8F61F5A7-E528-4245-94F6-944757365F81}"/>
               </a:ext>
             </a:extLst>
           </p:cNvPr>
@@ -8981,7 +8983,7 @@
           <p:cNvPr id="9" name="Pladsholder til tekst 8">
             <a:extLst>
               <a:ext uri="{FF2B5EF4-FFF2-40B4-BE49-F238E27FC236}">
-                <a16:creationId xmlns:a16="http://schemas.microsoft.com/office/drawing/2014/main" xmlns="" id="{D78C259A-92FF-4BE3-98E2-A6983F560E6E}"/>
+                <a16:creationId xmlns="" xmlns:a16="http://schemas.microsoft.com/office/drawing/2014/main" id="{D78C259A-92FF-4BE3-98E2-A6983F560E6E}"/>
               </a:ext>
             </a:extLst>
           </p:cNvPr>
@@ -9028,7 +9030,7 @@
           <p:cNvPr id="14" name="Citattegn">
             <a:extLst>
               <a:ext uri="{FF2B5EF4-FFF2-40B4-BE49-F238E27FC236}">
-                <a16:creationId xmlns:a16="http://schemas.microsoft.com/office/drawing/2014/main" xmlns="" id="{CA97271D-9723-49EA-A329-3AA2EAADA72F}"/>
+                <a16:creationId xmlns="" xmlns:a16="http://schemas.microsoft.com/office/drawing/2014/main" id="{CA97271D-9723-49EA-A329-3AA2EAADA72F}"/>
               </a:ext>
             </a:extLst>
           </p:cNvPr>
@@ -9064,7 +9066,7 @@
           <p:cNvPr id="10" name="Topdanmark bund">
             <a:extLst>
               <a:ext uri="{FF2B5EF4-FFF2-40B4-BE49-F238E27FC236}">
-                <a16:creationId xmlns:a16="http://schemas.microsoft.com/office/drawing/2014/main" xmlns="" id="{42CE999B-DFA0-46F8-B0AC-FAA64123F5B1}"/>
+                <a16:creationId xmlns="" xmlns:a16="http://schemas.microsoft.com/office/drawing/2014/main" id="{42CE999B-DFA0-46F8-B0AC-FAA64123F5B1}"/>
               </a:ext>
             </a:extLst>
           </p:cNvPr>
@@ -9100,7 +9102,7 @@
           <p:cNvPr id="3" name="Pladsholder til sidefod 2">
             <a:extLst>
               <a:ext uri="{FF2B5EF4-FFF2-40B4-BE49-F238E27FC236}">
-                <a16:creationId xmlns:a16="http://schemas.microsoft.com/office/drawing/2014/main" xmlns="" id="{E9CD68C7-897F-47B2-AE38-85F32617B96E}"/>
+                <a16:creationId xmlns="" xmlns:a16="http://schemas.microsoft.com/office/drawing/2014/main" id="{E9CD68C7-897F-47B2-AE38-85F32617B96E}"/>
               </a:ext>
             </a:extLst>
           </p:cNvPr>
@@ -9129,7 +9131,7 @@
           <p:cNvPr id="5" name="Pladsholder til slidenummer 4">
             <a:extLst>
               <a:ext uri="{FF2B5EF4-FFF2-40B4-BE49-F238E27FC236}">
-                <a16:creationId xmlns:a16="http://schemas.microsoft.com/office/drawing/2014/main" xmlns="" id="{D511E8D6-200D-43F3-BE36-D50D9AE2D0C9}"/>
+                <a16:creationId xmlns="" xmlns:a16="http://schemas.microsoft.com/office/drawing/2014/main" id="{D511E8D6-200D-43F3-BE36-D50D9AE2D0C9}"/>
               </a:ext>
             </a:extLst>
           </p:cNvPr>
@@ -9163,7 +9165,7 @@
           <p:cNvPr id="2" name="Pladsholder til dato 1" hidden="1">
             <a:extLst>
               <a:ext uri="{FF2B5EF4-FFF2-40B4-BE49-F238E27FC236}">
-                <a16:creationId xmlns:a16="http://schemas.microsoft.com/office/drawing/2014/main" xmlns="" id="{1790DE79-49D7-458E-9C81-F63FEFF4E745}"/>
+                <a16:creationId xmlns="" xmlns:a16="http://schemas.microsoft.com/office/drawing/2014/main" id="{1790DE79-49D7-458E-9C81-F63FEFF4E745}"/>
               </a:ext>
             </a:extLst>
           </p:cNvPr>
@@ -9181,7 +9183,7 @@
           <a:p>
             <a:fld id="{E74D97C6-1F48-438A-B987-DB296D9F9CCE}" type="datetime1">
               <a:rPr lang="da-DK" smtClean="0"/>
-              <a:t>07/04/2019</a:t>
+              <a:t>08/04/2019</a:t>
             </a:fld>
             <a:endParaRPr lang="da-DK"/>
           </a:p>
@@ -9222,7 +9224,7 @@
           <p:cNvPr id="14" name="Billedepladsholder">
             <a:extLst>
               <a:ext uri="{FF2B5EF4-FFF2-40B4-BE49-F238E27FC236}">
-                <a16:creationId xmlns:a16="http://schemas.microsoft.com/office/drawing/2014/main" xmlns="" id="{9E40630F-A0CE-4877-BB02-C8B1A21551E7}"/>
+                <a16:creationId xmlns="" xmlns:a16="http://schemas.microsoft.com/office/drawing/2014/main" id="{9E40630F-A0CE-4877-BB02-C8B1A21551E7}"/>
               </a:ext>
             </a:extLst>
           </p:cNvPr>
@@ -9271,7 +9273,7 @@
           <p:cNvPr id="4" name="Pladsholder til tekst 1">
             <a:extLst>
               <a:ext uri="{FF2B5EF4-FFF2-40B4-BE49-F238E27FC236}">
-                <a16:creationId xmlns:a16="http://schemas.microsoft.com/office/drawing/2014/main" xmlns="" id="{8F61F5A7-E528-4245-94F6-944757365F81}"/>
+                <a16:creationId xmlns="" xmlns:a16="http://schemas.microsoft.com/office/drawing/2014/main" id="{8F61F5A7-E528-4245-94F6-944757365F81}"/>
               </a:ext>
             </a:extLst>
           </p:cNvPr>
@@ -9369,7 +9371,7 @@
           <p:cNvPr id="9" name="Pladsholder til tekst 2">
             <a:extLst>
               <a:ext uri="{FF2B5EF4-FFF2-40B4-BE49-F238E27FC236}">
-                <a16:creationId xmlns:a16="http://schemas.microsoft.com/office/drawing/2014/main" xmlns="" id="{D78C259A-92FF-4BE3-98E2-A6983F560E6E}"/>
+                <a16:creationId xmlns="" xmlns:a16="http://schemas.microsoft.com/office/drawing/2014/main" id="{D78C259A-92FF-4BE3-98E2-A6983F560E6E}"/>
               </a:ext>
             </a:extLst>
           </p:cNvPr>
@@ -9420,7 +9422,7 @@
           <p:cNvPr id="11" name="Pladsholder til tekst tegn">
             <a:extLst>
               <a:ext uri="{FF2B5EF4-FFF2-40B4-BE49-F238E27FC236}">
-                <a16:creationId xmlns:a16="http://schemas.microsoft.com/office/drawing/2014/main" xmlns="" id="{D57A889D-F33B-4525-A5BD-C253A321C99A}"/>
+                <a16:creationId xmlns="" xmlns:a16="http://schemas.microsoft.com/office/drawing/2014/main" id="{D57A889D-F33B-4525-A5BD-C253A321C99A}"/>
               </a:ext>
             </a:extLst>
           </p:cNvPr>
@@ -9467,7 +9469,7 @@
           <p:cNvPr id="2" name="Pladsholder til dato 1" hidden="1">
             <a:extLst>
               <a:ext uri="{FF2B5EF4-FFF2-40B4-BE49-F238E27FC236}">
-                <a16:creationId xmlns:a16="http://schemas.microsoft.com/office/drawing/2014/main" xmlns="" id="{1790DE79-49D7-458E-9C81-F63FEFF4E745}"/>
+                <a16:creationId xmlns="" xmlns:a16="http://schemas.microsoft.com/office/drawing/2014/main" id="{1790DE79-49D7-458E-9C81-F63FEFF4E745}"/>
               </a:ext>
             </a:extLst>
           </p:cNvPr>
@@ -9485,7 +9487,7 @@
           <a:p>
             <a:fld id="{E74D97C6-1F48-438A-B987-DB296D9F9CCE}" type="datetime1">
               <a:rPr lang="da-DK" smtClean="0"/>
-              <a:t>07/04/2019</a:t>
+              <a:t>08/04/2019</a:t>
             </a:fld>
             <a:endParaRPr lang="da-DK"/>
           </a:p>
@@ -9496,7 +9498,7 @@
           <p:cNvPr id="3" name="Pladsholder til sidefod 2" hidden="1">
             <a:extLst>
               <a:ext uri="{FF2B5EF4-FFF2-40B4-BE49-F238E27FC236}">
-                <a16:creationId xmlns:a16="http://schemas.microsoft.com/office/drawing/2014/main" xmlns="" id="{E9CD68C7-897F-47B2-AE38-85F32617B96E}"/>
+                <a16:creationId xmlns="" xmlns:a16="http://schemas.microsoft.com/office/drawing/2014/main" id="{E9CD68C7-897F-47B2-AE38-85F32617B96E}"/>
               </a:ext>
             </a:extLst>
           </p:cNvPr>
@@ -9534,7 +9536,7 @@
           <p:cNvPr id="5" name="Pladsholder til slidenummer 4" hidden="1">
             <a:extLst>
               <a:ext uri="{FF2B5EF4-FFF2-40B4-BE49-F238E27FC236}">
-                <a16:creationId xmlns:a16="http://schemas.microsoft.com/office/drawing/2014/main" xmlns="" id="{D511E8D6-200D-43F3-BE36-D50D9AE2D0C9}"/>
+                <a16:creationId xmlns="" xmlns:a16="http://schemas.microsoft.com/office/drawing/2014/main" id="{D511E8D6-200D-43F3-BE36-D50D9AE2D0C9}"/>
               </a:ext>
             </a:extLst>
           </p:cNvPr>
@@ -9607,7 +9609,7 @@
           <p:cNvPr id="14" name="Billedepladsholder">
             <a:extLst>
               <a:ext uri="{FF2B5EF4-FFF2-40B4-BE49-F238E27FC236}">
-                <a16:creationId xmlns:a16="http://schemas.microsoft.com/office/drawing/2014/main" xmlns="" id="{9E40630F-A0CE-4877-BB02-C8B1A21551E7}"/>
+                <a16:creationId xmlns="" xmlns:a16="http://schemas.microsoft.com/office/drawing/2014/main" id="{9E40630F-A0CE-4877-BB02-C8B1A21551E7}"/>
               </a:ext>
             </a:extLst>
           </p:cNvPr>
@@ -9656,7 +9658,7 @@
           <p:cNvPr id="4" name="Pladsholder til tekst 1">
             <a:extLst>
               <a:ext uri="{FF2B5EF4-FFF2-40B4-BE49-F238E27FC236}">
-                <a16:creationId xmlns:a16="http://schemas.microsoft.com/office/drawing/2014/main" xmlns="" id="{8F61F5A7-E528-4245-94F6-944757365F81}"/>
+                <a16:creationId xmlns="" xmlns:a16="http://schemas.microsoft.com/office/drawing/2014/main" id="{8F61F5A7-E528-4245-94F6-944757365F81}"/>
               </a:ext>
             </a:extLst>
           </p:cNvPr>
@@ -9754,7 +9756,7 @@
           <p:cNvPr id="9" name="Pladsholder til tekst 2">
             <a:extLst>
               <a:ext uri="{FF2B5EF4-FFF2-40B4-BE49-F238E27FC236}">
-                <a16:creationId xmlns:a16="http://schemas.microsoft.com/office/drawing/2014/main" xmlns="" id="{D78C259A-92FF-4BE3-98E2-A6983F560E6E}"/>
+                <a16:creationId xmlns="" xmlns:a16="http://schemas.microsoft.com/office/drawing/2014/main" id="{D78C259A-92FF-4BE3-98E2-A6983F560E6E}"/>
               </a:ext>
             </a:extLst>
           </p:cNvPr>
@@ -9801,7 +9803,7 @@
           <p:cNvPr id="11" name="Pladsholder til tekst tegn">
             <a:extLst>
               <a:ext uri="{FF2B5EF4-FFF2-40B4-BE49-F238E27FC236}">
-                <a16:creationId xmlns:a16="http://schemas.microsoft.com/office/drawing/2014/main" xmlns="" id="{D57A889D-F33B-4525-A5BD-C253A321C99A}"/>
+                <a16:creationId xmlns="" xmlns:a16="http://schemas.microsoft.com/office/drawing/2014/main" id="{D57A889D-F33B-4525-A5BD-C253A321C99A}"/>
               </a:ext>
             </a:extLst>
           </p:cNvPr>
@@ -9848,7 +9850,7 @@
           <p:cNvPr id="2" name="Pladsholder til dato 1" hidden="1">
             <a:extLst>
               <a:ext uri="{FF2B5EF4-FFF2-40B4-BE49-F238E27FC236}">
-                <a16:creationId xmlns:a16="http://schemas.microsoft.com/office/drawing/2014/main" xmlns="" id="{1790DE79-49D7-458E-9C81-F63FEFF4E745}"/>
+                <a16:creationId xmlns="" xmlns:a16="http://schemas.microsoft.com/office/drawing/2014/main" id="{1790DE79-49D7-458E-9C81-F63FEFF4E745}"/>
               </a:ext>
             </a:extLst>
           </p:cNvPr>
@@ -9866,7 +9868,7 @@
           <a:p>
             <a:fld id="{E74D97C6-1F48-438A-B987-DB296D9F9CCE}" type="datetime1">
               <a:rPr lang="da-DK" smtClean="0"/>
-              <a:t>07/04/2019</a:t>
+              <a:t>08/04/2019</a:t>
             </a:fld>
             <a:endParaRPr lang="da-DK"/>
           </a:p>
@@ -9877,7 +9879,7 @@
           <p:cNvPr id="3" name="Pladsholder til sidefod 2" hidden="1">
             <a:extLst>
               <a:ext uri="{FF2B5EF4-FFF2-40B4-BE49-F238E27FC236}">
-                <a16:creationId xmlns:a16="http://schemas.microsoft.com/office/drawing/2014/main" xmlns="" id="{E9CD68C7-897F-47B2-AE38-85F32617B96E}"/>
+                <a16:creationId xmlns="" xmlns:a16="http://schemas.microsoft.com/office/drawing/2014/main" id="{E9CD68C7-897F-47B2-AE38-85F32617B96E}"/>
               </a:ext>
             </a:extLst>
           </p:cNvPr>
@@ -9915,7 +9917,7 @@
           <p:cNvPr id="5" name="Pladsholder til slidenummer 4" hidden="1">
             <a:extLst>
               <a:ext uri="{FF2B5EF4-FFF2-40B4-BE49-F238E27FC236}">
-                <a16:creationId xmlns:a16="http://schemas.microsoft.com/office/drawing/2014/main" xmlns="" id="{D511E8D6-200D-43F3-BE36-D50D9AE2D0C9}"/>
+                <a16:creationId xmlns="" xmlns:a16="http://schemas.microsoft.com/office/drawing/2014/main" id="{D511E8D6-200D-43F3-BE36-D50D9AE2D0C9}"/>
               </a:ext>
             </a:extLst>
           </p:cNvPr>
@@ -9988,7 +9990,7 @@
           <p:cNvPr id="7" name="Kombinationstegning: figur 6">
             <a:extLst>
               <a:ext uri="{FF2B5EF4-FFF2-40B4-BE49-F238E27FC236}">
-                <a16:creationId xmlns:a16="http://schemas.microsoft.com/office/drawing/2014/main" xmlns="" id="{5A4BD919-F9FC-4BD5-8DD1-1EB95D1E4719}"/>
+                <a16:creationId xmlns="" xmlns:a16="http://schemas.microsoft.com/office/drawing/2014/main" id="{5A4BD919-F9FC-4BD5-8DD1-1EB95D1E4719}"/>
               </a:ext>
             </a:extLst>
           </p:cNvPr>
@@ -10118,7 +10120,7 @@
           <p:cNvPr id="2" name="Titel 1">
             <a:extLst>
               <a:ext uri="{FF2B5EF4-FFF2-40B4-BE49-F238E27FC236}">
-                <a16:creationId xmlns:a16="http://schemas.microsoft.com/office/drawing/2014/main" xmlns="" id="{E6A2A8F4-9EA7-4920-90AB-0DE16F1D4240}"/>
+                <a16:creationId xmlns="" xmlns:a16="http://schemas.microsoft.com/office/drawing/2014/main" id="{E6A2A8F4-9EA7-4920-90AB-0DE16F1D4240}"/>
               </a:ext>
             </a:extLst>
           </p:cNvPr>
@@ -10155,7 +10157,7 @@
           <p:cNvPr id="8" name="Subtitle 2">
             <a:extLst>
               <a:ext uri="{FF2B5EF4-FFF2-40B4-BE49-F238E27FC236}">
-                <a16:creationId xmlns:a16="http://schemas.microsoft.com/office/drawing/2014/main" xmlns="" id="{E229B5FF-EF23-4160-B0FE-E1B09BB8B991}"/>
+                <a16:creationId xmlns="" xmlns:a16="http://schemas.microsoft.com/office/drawing/2014/main" id="{E229B5FF-EF23-4160-B0FE-E1B09BB8B991}"/>
               </a:ext>
             </a:extLst>
           </p:cNvPr>
@@ -10266,7 +10268,7 @@
           <p:cNvPr id="9" name="logo">
             <a:extLst>
               <a:ext uri="{FF2B5EF4-FFF2-40B4-BE49-F238E27FC236}">
-                <a16:creationId xmlns:a16="http://schemas.microsoft.com/office/drawing/2014/main" xmlns="" id="{7EB9B027-E800-4E4E-A0AB-223BFA333428}"/>
+                <a16:creationId xmlns="" xmlns:a16="http://schemas.microsoft.com/office/drawing/2014/main" id="{7EB9B027-E800-4E4E-A0AB-223BFA333428}"/>
               </a:ext>
             </a:extLst>
           </p:cNvPr>
@@ -10296,7 +10298,7 @@
           <p:cNvPr id="12" name="Topdanmark bund">
             <a:extLst>
               <a:ext uri="{FF2B5EF4-FFF2-40B4-BE49-F238E27FC236}">
-                <a16:creationId xmlns:a16="http://schemas.microsoft.com/office/drawing/2014/main" xmlns="" id="{737E44F2-63E9-4250-AC3B-0175D417ACED}"/>
+                <a16:creationId xmlns="" xmlns:a16="http://schemas.microsoft.com/office/drawing/2014/main" id="{737E44F2-63E9-4250-AC3B-0175D417ACED}"/>
               </a:ext>
             </a:extLst>
           </p:cNvPr>
@@ -10332,7 +10334,7 @@
           <p:cNvPr id="4" name="Pladsholder til sidefod 3">
             <a:extLst>
               <a:ext uri="{FF2B5EF4-FFF2-40B4-BE49-F238E27FC236}">
-                <a16:creationId xmlns:a16="http://schemas.microsoft.com/office/drawing/2014/main" xmlns="" id="{777DA7C7-EDCA-4188-8E86-764948F34A45}"/>
+                <a16:creationId xmlns="" xmlns:a16="http://schemas.microsoft.com/office/drawing/2014/main" id="{777DA7C7-EDCA-4188-8E86-764948F34A45}"/>
               </a:ext>
             </a:extLst>
           </p:cNvPr>
@@ -10361,7 +10363,7 @@
           <p:cNvPr id="5" name="Pladsholder til slidenummer 4">
             <a:extLst>
               <a:ext uri="{FF2B5EF4-FFF2-40B4-BE49-F238E27FC236}">
-                <a16:creationId xmlns:a16="http://schemas.microsoft.com/office/drawing/2014/main" xmlns="" id="{061CCDB1-FBB8-468B-8A99-83608D7E342E}"/>
+                <a16:creationId xmlns="" xmlns:a16="http://schemas.microsoft.com/office/drawing/2014/main" id="{061CCDB1-FBB8-468B-8A99-83608D7E342E}"/>
               </a:ext>
             </a:extLst>
           </p:cNvPr>
@@ -10395,7 +10397,7 @@
           <p:cNvPr id="3" name="Pladsholder til dato 2" hidden="1">
             <a:extLst>
               <a:ext uri="{FF2B5EF4-FFF2-40B4-BE49-F238E27FC236}">
-                <a16:creationId xmlns:a16="http://schemas.microsoft.com/office/drawing/2014/main" xmlns="" id="{0E78A7DF-428F-470B-B131-DFA95CAEA662}"/>
+                <a16:creationId xmlns="" xmlns:a16="http://schemas.microsoft.com/office/drawing/2014/main" id="{0E78A7DF-428F-470B-B131-DFA95CAEA662}"/>
               </a:ext>
             </a:extLst>
           </p:cNvPr>
@@ -10413,7 +10415,7 @@
           <a:p>
             <a:fld id="{8CA6B773-283C-4818-85ED-9DD2B882DE50}" type="datetime1">
               <a:rPr lang="da-DK" smtClean="0"/>
-              <a:t>07/04/2019</a:t>
+              <a:t>08/04/2019</a:t>
             </a:fld>
             <a:endParaRPr lang="da-DK"/>
           </a:p>
@@ -10454,7 +10456,7 @@
           <p:cNvPr id="7" name="Kombinationstegning: figur 6">
             <a:extLst>
               <a:ext uri="{FF2B5EF4-FFF2-40B4-BE49-F238E27FC236}">
-                <a16:creationId xmlns:a16="http://schemas.microsoft.com/office/drawing/2014/main" xmlns="" id="{5A4BD919-F9FC-4BD5-8DD1-1EB95D1E4719}"/>
+                <a16:creationId xmlns="" xmlns:a16="http://schemas.microsoft.com/office/drawing/2014/main" id="{5A4BD919-F9FC-4BD5-8DD1-1EB95D1E4719}"/>
               </a:ext>
             </a:extLst>
           </p:cNvPr>
@@ -10584,7 +10586,7 @@
           <p:cNvPr id="2" name="Titel 1">
             <a:extLst>
               <a:ext uri="{FF2B5EF4-FFF2-40B4-BE49-F238E27FC236}">
-                <a16:creationId xmlns:a16="http://schemas.microsoft.com/office/drawing/2014/main" xmlns="" id="{E6A2A8F4-9EA7-4920-90AB-0DE16F1D4240}"/>
+                <a16:creationId xmlns="" xmlns:a16="http://schemas.microsoft.com/office/drawing/2014/main" id="{E6A2A8F4-9EA7-4920-90AB-0DE16F1D4240}"/>
               </a:ext>
             </a:extLst>
           </p:cNvPr>
@@ -10621,7 +10623,7 @@
           <p:cNvPr id="8" name="Subtitle 2">
             <a:extLst>
               <a:ext uri="{FF2B5EF4-FFF2-40B4-BE49-F238E27FC236}">
-                <a16:creationId xmlns:a16="http://schemas.microsoft.com/office/drawing/2014/main" xmlns="" id="{E229B5FF-EF23-4160-B0FE-E1B09BB8B991}"/>
+                <a16:creationId xmlns="" xmlns:a16="http://schemas.microsoft.com/office/drawing/2014/main" id="{E229B5FF-EF23-4160-B0FE-E1B09BB8B991}"/>
               </a:ext>
             </a:extLst>
           </p:cNvPr>
@@ -10732,7 +10734,7 @@
           <p:cNvPr id="9" name="logo">
             <a:extLst>
               <a:ext uri="{FF2B5EF4-FFF2-40B4-BE49-F238E27FC236}">
-                <a16:creationId xmlns:a16="http://schemas.microsoft.com/office/drawing/2014/main" xmlns="" id="{7EB9B027-E800-4E4E-A0AB-223BFA333428}"/>
+                <a16:creationId xmlns="" xmlns:a16="http://schemas.microsoft.com/office/drawing/2014/main" id="{7EB9B027-E800-4E4E-A0AB-223BFA333428}"/>
               </a:ext>
             </a:extLst>
           </p:cNvPr>
@@ -10762,7 +10764,7 @@
           <p:cNvPr id="12" name="Topdanmark bund">
             <a:extLst>
               <a:ext uri="{FF2B5EF4-FFF2-40B4-BE49-F238E27FC236}">
-                <a16:creationId xmlns:a16="http://schemas.microsoft.com/office/drawing/2014/main" xmlns="" id="{382AF45A-E5A5-4B0A-AE43-1B354E73588C}"/>
+                <a16:creationId xmlns="" xmlns:a16="http://schemas.microsoft.com/office/drawing/2014/main" id="{382AF45A-E5A5-4B0A-AE43-1B354E73588C}"/>
               </a:ext>
             </a:extLst>
           </p:cNvPr>
@@ -10798,7 +10800,7 @@
           <p:cNvPr id="4" name="Pladsholder til sidefod 3">
             <a:extLst>
               <a:ext uri="{FF2B5EF4-FFF2-40B4-BE49-F238E27FC236}">
-                <a16:creationId xmlns:a16="http://schemas.microsoft.com/office/drawing/2014/main" xmlns="" id="{CB049F96-C92C-457D-894F-A77D6BB7E91E}"/>
+                <a16:creationId xmlns="" xmlns:a16="http://schemas.microsoft.com/office/drawing/2014/main" id="{CB049F96-C92C-457D-894F-A77D6BB7E91E}"/>
               </a:ext>
             </a:extLst>
           </p:cNvPr>
@@ -10827,7 +10829,7 @@
           <p:cNvPr id="5" name="Pladsholder til slidenummer 4">
             <a:extLst>
               <a:ext uri="{FF2B5EF4-FFF2-40B4-BE49-F238E27FC236}">
-                <a16:creationId xmlns:a16="http://schemas.microsoft.com/office/drawing/2014/main" xmlns="" id="{D1BC1995-D563-4DAB-8D61-6D3D79A95598}"/>
+                <a16:creationId xmlns="" xmlns:a16="http://schemas.microsoft.com/office/drawing/2014/main" id="{D1BC1995-D563-4DAB-8D61-6D3D79A95598}"/>
               </a:ext>
             </a:extLst>
           </p:cNvPr>
@@ -10861,7 +10863,7 @@
           <p:cNvPr id="3" name="Pladsholder til dato 2" hidden="1">
             <a:extLst>
               <a:ext uri="{FF2B5EF4-FFF2-40B4-BE49-F238E27FC236}">
-                <a16:creationId xmlns:a16="http://schemas.microsoft.com/office/drawing/2014/main" xmlns="" id="{C8727C62-9CD5-46A5-80BA-BF6012B95BA6}"/>
+                <a16:creationId xmlns="" xmlns:a16="http://schemas.microsoft.com/office/drawing/2014/main" id="{C8727C62-9CD5-46A5-80BA-BF6012B95BA6}"/>
               </a:ext>
             </a:extLst>
           </p:cNvPr>
@@ -10879,7 +10881,7 @@
           <a:p>
             <a:fld id="{50620241-2B59-4866-B451-0548EB1EBED8}" type="datetime1">
               <a:rPr lang="da-DK" smtClean="0"/>
-              <a:t>07/04/2019</a:t>
+              <a:t>08/04/2019</a:t>
             </a:fld>
             <a:endParaRPr lang="da-DK"/>
           </a:p>
@@ -10943,7 +10945,7 @@
           <p:cNvPr id="6" name="Subtitle 2">
             <a:extLst>
               <a:ext uri="{FF2B5EF4-FFF2-40B4-BE49-F238E27FC236}">
-                <a16:creationId xmlns:a16="http://schemas.microsoft.com/office/drawing/2014/main" xmlns="" id="{E4D9072E-E210-4E76-8977-987E4A317CA5}"/>
+                <a16:creationId xmlns="" xmlns:a16="http://schemas.microsoft.com/office/drawing/2014/main" id="{E4D9072E-E210-4E76-8977-987E4A317CA5}"/>
               </a:ext>
             </a:extLst>
           </p:cNvPr>
@@ -11053,7 +11055,7 @@
           <p:cNvPr id="7" name="Pladsholder til tekst 9">
             <a:extLst>
               <a:ext uri="{FF2B5EF4-FFF2-40B4-BE49-F238E27FC236}">
-                <a16:creationId xmlns:a16="http://schemas.microsoft.com/office/drawing/2014/main" xmlns="" id="{1CE34777-62C7-4D9C-898A-81B7AF85EED6}"/>
+                <a16:creationId xmlns="" xmlns:a16="http://schemas.microsoft.com/office/drawing/2014/main" id="{1CE34777-62C7-4D9C-898A-81B7AF85EED6}"/>
               </a:ext>
             </a:extLst>
           </p:cNvPr>
@@ -11108,7 +11110,7 @@
           <p:cNvPr id="3" name="Pladsholder til dato 2" hidden="1">
             <a:extLst>
               <a:ext uri="{FF2B5EF4-FFF2-40B4-BE49-F238E27FC236}">
-                <a16:creationId xmlns:a16="http://schemas.microsoft.com/office/drawing/2014/main" xmlns="" id="{D0D13933-EF91-48F2-8F23-6B092503B3C3}"/>
+                <a16:creationId xmlns="" xmlns:a16="http://schemas.microsoft.com/office/drawing/2014/main" id="{D0D13933-EF91-48F2-8F23-6B092503B3C3}"/>
               </a:ext>
             </a:extLst>
           </p:cNvPr>
@@ -11126,7 +11128,7 @@
           <a:p>
             <a:fld id="{50620241-2B59-4866-B451-0548EB1EBED8}" type="datetime1">
               <a:rPr lang="da-DK" smtClean="0"/>
-              <a:t>07/04/2019</a:t>
+              <a:t>08/04/2019</a:t>
             </a:fld>
             <a:endParaRPr lang="da-DK"/>
           </a:p>
@@ -11137,7 +11139,7 @@
           <p:cNvPr id="4" name="Pladsholder til sidefod 3">
             <a:extLst>
               <a:ext uri="{FF2B5EF4-FFF2-40B4-BE49-F238E27FC236}">
-                <a16:creationId xmlns:a16="http://schemas.microsoft.com/office/drawing/2014/main" xmlns="" id="{DA6AB110-2960-4ACF-BE51-F8AF1217D2E7}"/>
+                <a16:creationId xmlns="" xmlns:a16="http://schemas.microsoft.com/office/drawing/2014/main" id="{DA6AB110-2960-4ACF-BE51-F8AF1217D2E7}"/>
               </a:ext>
             </a:extLst>
           </p:cNvPr>
@@ -11162,7 +11164,7 @@
           <p:cNvPr id="5" name="Pladsholder til slidenummer 4">
             <a:extLst>
               <a:ext uri="{FF2B5EF4-FFF2-40B4-BE49-F238E27FC236}">
-                <a16:creationId xmlns:a16="http://schemas.microsoft.com/office/drawing/2014/main" xmlns="" id="{3158EA55-EA4E-4CAD-9702-E262DFA8A836}"/>
+                <a16:creationId xmlns="" xmlns:a16="http://schemas.microsoft.com/office/drawing/2014/main" id="{3158EA55-EA4E-4CAD-9702-E262DFA8A836}"/>
               </a:ext>
             </a:extLst>
           </p:cNvPr>
@@ -11222,7 +11224,7 @@
           <p:cNvPr id="8" name="Pladsholder til tekst 9">
             <a:extLst>
               <a:ext uri="{FF2B5EF4-FFF2-40B4-BE49-F238E27FC236}">
-                <a16:creationId xmlns:a16="http://schemas.microsoft.com/office/drawing/2014/main" xmlns="" id="{A91F6A46-A788-46E6-9E19-CFF16ECECEB8}"/>
+                <a16:creationId xmlns="" xmlns:a16="http://schemas.microsoft.com/office/drawing/2014/main" id="{A91F6A46-A788-46E6-9E19-CFF16ECECEB8}"/>
               </a:ext>
             </a:extLst>
           </p:cNvPr>
@@ -11277,7 +11279,7 @@
           <p:cNvPr id="2" name="Pladsholder til dato 1" hidden="1">
             <a:extLst>
               <a:ext uri="{FF2B5EF4-FFF2-40B4-BE49-F238E27FC236}">
-                <a16:creationId xmlns:a16="http://schemas.microsoft.com/office/drawing/2014/main" xmlns="" id="{12CF9631-8996-4C52-8306-298D8FC6B4C8}"/>
+                <a16:creationId xmlns="" xmlns:a16="http://schemas.microsoft.com/office/drawing/2014/main" id="{12CF9631-8996-4C52-8306-298D8FC6B4C8}"/>
               </a:ext>
             </a:extLst>
           </p:cNvPr>
@@ -11295,7 +11297,7 @@
           <a:p>
             <a:fld id="{50620241-2B59-4866-B451-0548EB1EBED8}" type="datetime1">
               <a:rPr lang="da-DK" smtClean="0"/>
-              <a:t>07/04/2019</a:t>
+              <a:t>08/04/2019</a:t>
             </a:fld>
             <a:endParaRPr lang="da-DK"/>
           </a:p>
@@ -11306,7 +11308,7 @@
           <p:cNvPr id="3" name="Pladsholder til sidefod 2">
             <a:extLst>
               <a:ext uri="{FF2B5EF4-FFF2-40B4-BE49-F238E27FC236}">
-                <a16:creationId xmlns:a16="http://schemas.microsoft.com/office/drawing/2014/main" xmlns="" id="{B373FF81-A9E1-438C-9215-CC4DC627CD7E}"/>
+                <a16:creationId xmlns="" xmlns:a16="http://schemas.microsoft.com/office/drawing/2014/main" id="{B373FF81-A9E1-438C-9215-CC4DC627CD7E}"/>
               </a:ext>
             </a:extLst>
           </p:cNvPr>
@@ -11331,7 +11333,7 @@
           <p:cNvPr id="4" name="Pladsholder til slidenummer 3">
             <a:extLst>
               <a:ext uri="{FF2B5EF4-FFF2-40B4-BE49-F238E27FC236}">
-                <a16:creationId xmlns:a16="http://schemas.microsoft.com/office/drawing/2014/main" xmlns="" id="{69F6396C-2963-4982-B929-DF8798A20445}"/>
+                <a16:creationId xmlns="" xmlns:a16="http://schemas.microsoft.com/office/drawing/2014/main" id="{69F6396C-2963-4982-B929-DF8798A20445}"/>
               </a:ext>
             </a:extLst>
           </p:cNvPr>
@@ -13650,7 +13652,7 @@
           <p:cNvPr id="6" name="Billede 5">
             <a:extLst>
               <a:ext uri="{FF2B5EF4-FFF2-40B4-BE49-F238E27FC236}">
-                <a16:creationId xmlns:a16="http://schemas.microsoft.com/office/drawing/2014/main" xmlns="" id="{715D4245-AAD6-4E33-A5DE-80602236B056}"/>
+                <a16:creationId xmlns="" xmlns:a16="http://schemas.microsoft.com/office/drawing/2014/main" id="{715D4245-AAD6-4E33-A5DE-80602236B056}"/>
               </a:ext>
             </a:extLst>
           </p:cNvPr>
@@ -13680,7 +13682,7 @@
           <p:cNvPr id="3" name="Billede 2">
             <a:extLst>
               <a:ext uri="{FF2B5EF4-FFF2-40B4-BE49-F238E27FC236}">
-                <a16:creationId xmlns:a16="http://schemas.microsoft.com/office/drawing/2014/main" xmlns="" id="{78BBCBBA-6495-4AFF-97A2-3376D8BB8611}"/>
+                <a16:creationId xmlns="" xmlns:a16="http://schemas.microsoft.com/office/drawing/2014/main" id="{78BBCBBA-6495-4AFF-97A2-3376D8BB8611}"/>
               </a:ext>
             </a:extLst>
           </p:cNvPr>
@@ -13709,7 +13711,7 @@
           <p:cNvPr id="4" name="Billede 3">
             <a:extLst>
               <a:ext uri="{FF2B5EF4-FFF2-40B4-BE49-F238E27FC236}">
-                <a16:creationId xmlns:a16="http://schemas.microsoft.com/office/drawing/2014/main" xmlns="" id="{C8B857DE-CE60-41A9-8D4F-9FEF30A56F71}"/>
+                <a16:creationId xmlns="" xmlns:a16="http://schemas.microsoft.com/office/drawing/2014/main" id="{C8B857DE-CE60-41A9-8D4F-9FEF30A56F71}"/>
               </a:ext>
             </a:extLst>
           </p:cNvPr>
@@ -13739,7 +13741,7 @@
           <p:cNvPr id="17" name="Pladsholder til dato 6" hidden="1">
             <a:extLst>
               <a:ext uri="{FF2B5EF4-FFF2-40B4-BE49-F238E27FC236}">
-                <a16:creationId xmlns:a16="http://schemas.microsoft.com/office/drawing/2014/main" xmlns="" id="{99A894A0-F5D0-4D56-B03E-7E3399D8CAB3}"/>
+                <a16:creationId xmlns="" xmlns:a16="http://schemas.microsoft.com/office/drawing/2014/main" id="{99A894A0-F5D0-4D56-B03E-7E3399D8CAB3}"/>
               </a:ext>
             </a:extLst>
           </p:cNvPr>
@@ -13762,7 +13764,7 @@
           <a:p>
             <a:fld id="{50620241-2B59-4866-B451-0548EB1EBED8}" type="datetime1">
               <a:rPr lang="da-DK" smtClean="0"/>
-              <a:t>07/04/2019</a:t>
+              <a:t>08/04/2019</a:t>
             </a:fld>
             <a:endParaRPr lang="da-DK"/>
           </a:p>
@@ -13773,7 +13775,7 @@
           <p:cNvPr id="18" name="Slide Number Placeholder 5" hidden="1">
             <a:extLst>
               <a:ext uri="{FF2B5EF4-FFF2-40B4-BE49-F238E27FC236}">
-                <a16:creationId xmlns:a16="http://schemas.microsoft.com/office/drawing/2014/main" xmlns="" id="{09BC3620-54F1-4A26-AF59-602F52E2FB00}"/>
+                <a16:creationId xmlns="" xmlns:a16="http://schemas.microsoft.com/office/drawing/2014/main" id="{09BC3620-54F1-4A26-AF59-602F52E2FB00}"/>
               </a:ext>
             </a:extLst>
           </p:cNvPr>
@@ -13825,7 +13827,7 @@
           <p:cNvPr id="19" name="FLD_PresentationTitle" hidden="1">
             <a:extLst>
               <a:ext uri="{FF2B5EF4-FFF2-40B4-BE49-F238E27FC236}">
-                <a16:creationId xmlns:a16="http://schemas.microsoft.com/office/drawing/2014/main" xmlns="" id="{79A00CAE-1B0F-4A40-AFD5-76196B56D1CE}"/>
+                <a16:creationId xmlns="" xmlns:a16="http://schemas.microsoft.com/office/drawing/2014/main" id="{79A00CAE-1B0F-4A40-AFD5-76196B56D1CE}"/>
               </a:ext>
             </a:extLst>
           </p:cNvPr>
@@ -13899,7 +13901,7 @@
           <p:cNvPr id="20" name="Background">
             <a:extLst>
               <a:ext uri="{FF2B5EF4-FFF2-40B4-BE49-F238E27FC236}">
-                <a16:creationId xmlns:a16="http://schemas.microsoft.com/office/drawing/2014/main" xmlns="" id="{F59CC8A8-5312-4710-8D7B-172E0A730FA8}"/>
+                <a16:creationId xmlns="" xmlns:a16="http://schemas.microsoft.com/office/drawing/2014/main" id="{F59CC8A8-5312-4710-8D7B-172E0A730FA8}"/>
               </a:ext>
             </a:extLst>
           </p:cNvPr>
@@ -13951,7 +13953,7 @@
           <p:cNvPr id="14" name="Kombinationstegning: figur 13">
             <a:extLst>
               <a:ext uri="{FF2B5EF4-FFF2-40B4-BE49-F238E27FC236}">
-                <a16:creationId xmlns:a16="http://schemas.microsoft.com/office/drawing/2014/main" xmlns="" id="{6056393B-0325-4957-833E-6036ED62E604}"/>
+                <a16:creationId xmlns="" xmlns:a16="http://schemas.microsoft.com/office/drawing/2014/main" id="{6056393B-0325-4957-833E-6036ED62E604}"/>
               </a:ext>
             </a:extLst>
           </p:cNvPr>
@@ -14082,7 +14084,7 @@
           <p:cNvPr id="23" name="Subtitle 2">
             <a:extLst>
               <a:ext uri="{FF2B5EF4-FFF2-40B4-BE49-F238E27FC236}">
-                <a16:creationId xmlns:a16="http://schemas.microsoft.com/office/drawing/2014/main" xmlns="" id="{7C7AEA71-2AEA-43F6-81F6-0C356EFE86BD}"/>
+                <a16:creationId xmlns="" xmlns:a16="http://schemas.microsoft.com/office/drawing/2014/main" id="{7C7AEA71-2AEA-43F6-81F6-0C356EFE86BD}"/>
               </a:ext>
             </a:extLst>
           </p:cNvPr>
@@ -14192,7 +14194,7 @@
           <p:cNvPr id="24" name="Logo">
             <a:extLst>
               <a:ext uri="{FF2B5EF4-FFF2-40B4-BE49-F238E27FC236}">
-                <a16:creationId xmlns:a16="http://schemas.microsoft.com/office/drawing/2014/main" xmlns="" id="{4B05275D-325E-41CC-A1FE-F9A568946714}"/>
+                <a16:creationId xmlns="" xmlns:a16="http://schemas.microsoft.com/office/drawing/2014/main" id="{4B05275D-325E-41CC-A1FE-F9A568946714}"/>
               </a:ext>
             </a:extLst>
           </p:cNvPr>
@@ -14222,7 +14224,7 @@
           <p:cNvPr id="3" name="Pladsholder til dato 2">
             <a:extLst>
               <a:ext uri="{FF2B5EF4-FFF2-40B4-BE49-F238E27FC236}">
-                <a16:creationId xmlns:a16="http://schemas.microsoft.com/office/drawing/2014/main" xmlns="" id="{143F719F-D0AE-4FD0-89F4-60A6A4CE1338}"/>
+                <a16:creationId xmlns="" xmlns:a16="http://schemas.microsoft.com/office/drawing/2014/main" id="{143F719F-D0AE-4FD0-89F4-60A6A4CE1338}"/>
               </a:ext>
             </a:extLst>
           </p:cNvPr>
@@ -14261,7 +14263,7 @@
           <a:p>
             <a:fld id="{73D57EEC-A567-43F7-A034-373BB7C0E43B}" type="datetime1">
               <a:rPr lang="da-DK" smtClean="0"/>
-              <a:t>07/04/2019</a:t>
+              <a:t>08/04/2019</a:t>
             </a:fld>
             <a:endParaRPr lang="da-DK" dirty="0"/>
           </a:p>
@@ -14272,7 +14274,7 @@
           <p:cNvPr id="5" name="Pladsholder til sidefod 4" hidden="1">
             <a:extLst>
               <a:ext uri="{FF2B5EF4-FFF2-40B4-BE49-F238E27FC236}">
-                <a16:creationId xmlns:a16="http://schemas.microsoft.com/office/drawing/2014/main" xmlns="" id="{F09E670D-5981-4E67-BF35-BE3F038F22A6}"/>
+                <a16:creationId xmlns="" xmlns:a16="http://schemas.microsoft.com/office/drawing/2014/main" id="{F09E670D-5981-4E67-BF35-BE3F038F22A6}"/>
               </a:ext>
             </a:extLst>
           </p:cNvPr>
@@ -14310,7 +14312,7 @@
           <p:cNvPr id="6" name="Pladsholder til slidenummer 5" hidden="1">
             <a:extLst>
               <a:ext uri="{FF2B5EF4-FFF2-40B4-BE49-F238E27FC236}">
-                <a16:creationId xmlns:a16="http://schemas.microsoft.com/office/drawing/2014/main" xmlns="" id="{86CE56A9-767D-410F-B0A6-F9F51EB76F89}"/>
+                <a16:creationId xmlns="" xmlns:a16="http://schemas.microsoft.com/office/drawing/2014/main" id="{86CE56A9-767D-410F-B0A6-F9F51EB76F89}"/>
               </a:ext>
             </a:extLst>
           </p:cNvPr>
@@ -14353,7 +14355,7 @@
           <p:cNvPr id="8" name="Topdanmark bund">
             <a:extLst>
               <a:ext uri="{FF2B5EF4-FFF2-40B4-BE49-F238E27FC236}">
-                <a16:creationId xmlns:a16="http://schemas.microsoft.com/office/drawing/2014/main" xmlns="" id="{7129DDD4-ED7D-4351-B500-23E0E378E961}"/>
+                <a16:creationId xmlns="" xmlns:a16="http://schemas.microsoft.com/office/drawing/2014/main" id="{7129DDD4-ED7D-4351-B500-23E0E378E961}"/>
               </a:ext>
             </a:extLst>
           </p:cNvPr>
@@ -17144,7 +17146,7 @@
           <p:cNvPr id="18" name="Billede 17">
             <a:extLst>
               <a:ext uri="{FF2B5EF4-FFF2-40B4-BE49-F238E27FC236}">
-                <a16:creationId xmlns:a16="http://schemas.microsoft.com/office/drawing/2014/main" xmlns="" id="{58526F0A-609E-47F0-8DB4-921369A34597}"/>
+                <a16:creationId xmlns="" xmlns:a16="http://schemas.microsoft.com/office/drawing/2014/main" id="{58526F0A-609E-47F0-8DB4-921369A34597}"/>
               </a:ext>
             </a:extLst>
           </p:cNvPr>
@@ -17174,7 +17176,7 @@
           <p:cNvPr id="20" name="Billede 19">
             <a:extLst>
               <a:ext uri="{FF2B5EF4-FFF2-40B4-BE49-F238E27FC236}">
-                <a16:creationId xmlns:a16="http://schemas.microsoft.com/office/drawing/2014/main" xmlns="" id="{DF0B1B17-E2B7-426A-889D-B520C7F707E4}"/>
+                <a16:creationId xmlns="" xmlns:a16="http://schemas.microsoft.com/office/drawing/2014/main" id="{DF0B1B17-E2B7-426A-889D-B520C7F707E4}"/>
               </a:ext>
             </a:extLst>
           </p:cNvPr>
@@ -17203,7 +17205,7 @@
           <p:cNvPr id="22" name="Billede 21">
             <a:extLst>
               <a:ext uri="{FF2B5EF4-FFF2-40B4-BE49-F238E27FC236}">
-                <a16:creationId xmlns:a16="http://schemas.microsoft.com/office/drawing/2014/main" xmlns="" id="{D8C2529B-3421-430B-BC9D-67038208DA20}"/>
+                <a16:creationId xmlns="" xmlns:a16="http://schemas.microsoft.com/office/drawing/2014/main" id="{D8C2529B-3421-430B-BC9D-67038208DA20}"/>
               </a:ext>
             </a:extLst>
           </p:cNvPr>
@@ -17233,7 +17235,7 @@
           <p:cNvPr id="17" name="Pladsholder til dato 6" hidden="1">
             <a:extLst>
               <a:ext uri="{FF2B5EF4-FFF2-40B4-BE49-F238E27FC236}">
-                <a16:creationId xmlns:a16="http://schemas.microsoft.com/office/drawing/2014/main" xmlns="" id="{5FB2AE1B-5B1D-4D19-A0B5-79B866F32CA0}"/>
+                <a16:creationId xmlns="" xmlns:a16="http://schemas.microsoft.com/office/drawing/2014/main" id="{5FB2AE1B-5B1D-4D19-A0B5-79B866F32CA0}"/>
               </a:ext>
             </a:extLst>
           </p:cNvPr>
@@ -17256,7 +17258,7 @@
           <a:p>
             <a:fld id="{50620241-2B59-4866-B451-0548EB1EBED8}" type="datetime1">
               <a:rPr lang="da-DK" smtClean="0"/>
-              <a:t>07/04/2019</a:t>
+              <a:t>08/04/2019</a:t>
             </a:fld>
             <a:endParaRPr lang="da-DK"/>
           </a:p>
@@ -17267,7 +17269,7 @@
           <p:cNvPr id="24" name="Slide Number Placeholder 5" hidden="1">
             <a:extLst>
               <a:ext uri="{FF2B5EF4-FFF2-40B4-BE49-F238E27FC236}">
-                <a16:creationId xmlns:a16="http://schemas.microsoft.com/office/drawing/2014/main" xmlns="" id="{FA3E1796-1C1D-45EF-A5F0-00354E7BAFDB}"/>
+                <a16:creationId xmlns="" xmlns:a16="http://schemas.microsoft.com/office/drawing/2014/main" id="{FA3E1796-1C1D-45EF-A5F0-00354E7BAFDB}"/>
               </a:ext>
             </a:extLst>
           </p:cNvPr>
@@ -17319,7 +17321,7 @@
           <p:cNvPr id="26" name="FLD_PresentationTitle" hidden="1">
             <a:extLst>
               <a:ext uri="{FF2B5EF4-FFF2-40B4-BE49-F238E27FC236}">
-                <a16:creationId xmlns:a16="http://schemas.microsoft.com/office/drawing/2014/main" xmlns="" id="{EDDEE9D2-C540-4B4E-8BC3-DC8A8D76291C}"/>
+                <a16:creationId xmlns="" xmlns:a16="http://schemas.microsoft.com/office/drawing/2014/main" id="{EDDEE9D2-C540-4B4E-8BC3-DC8A8D76291C}"/>
               </a:ext>
             </a:extLst>
           </p:cNvPr>
@@ -17393,7 +17395,7 @@
           <p:cNvPr id="20" name="Background">
             <a:extLst>
               <a:ext uri="{FF2B5EF4-FFF2-40B4-BE49-F238E27FC236}">
-                <a16:creationId xmlns:a16="http://schemas.microsoft.com/office/drawing/2014/main" xmlns="" id="{F59CC8A8-5312-4710-8D7B-172E0A730FA8}"/>
+                <a16:creationId xmlns="" xmlns:a16="http://schemas.microsoft.com/office/drawing/2014/main" id="{F59CC8A8-5312-4710-8D7B-172E0A730FA8}"/>
               </a:ext>
             </a:extLst>
           </p:cNvPr>
@@ -17445,7 +17447,7 @@
           <p:cNvPr id="14" name="Kombinationstegning: figur 13">
             <a:extLst>
               <a:ext uri="{FF2B5EF4-FFF2-40B4-BE49-F238E27FC236}">
-                <a16:creationId xmlns:a16="http://schemas.microsoft.com/office/drawing/2014/main" xmlns="" id="{6056393B-0325-4957-833E-6036ED62E604}"/>
+                <a16:creationId xmlns="" xmlns:a16="http://schemas.microsoft.com/office/drawing/2014/main" id="{6056393B-0325-4957-833E-6036ED62E604}"/>
               </a:ext>
             </a:extLst>
           </p:cNvPr>
@@ -17576,7 +17578,7 @@
           <p:cNvPr id="23" name="Subtitle 2">
             <a:extLst>
               <a:ext uri="{FF2B5EF4-FFF2-40B4-BE49-F238E27FC236}">
-                <a16:creationId xmlns:a16="http://schemas.microsoft.com/office/drawing/2014/main" xmlns="" id="{7C7AEA71-2AEA-43F6-81F6-0C356EFE86BD}"/>
+                <a16:creationId xmlns="" xmlns:a16="http://schemas.microsoft.com/office/drawing/2014/main" id="{7C7AEA71-2AEA-43F6-81F6-0C356EFE86BD}"/>
               </a:ext>
             </a:extLst>
           </p:cNvPr>
@@ -17686,7 +17688,7 @@
           <p:cNvPr id="24" name="Logo">
             <a:extLst>
               <a:ext uri="{FF2B5EF4-FFF2-40B4-BE49-F238E27FC236}">
-                <a16:creationId xmlns:a16="http://schemas.microsoft.com/office/drawing/2014/main" xmlns="" id="{4B05275D-325E-41CC-A1FE-F9A568946714}"/>
+                <a16:creationId xmlns="" xmlns:a16="http://schemas.microsoft.com/office/drawing/2014/main" id="{4B05275D-325E-41CC-A1FE-F9A568946714}"/>
               </a:ext>
             </a:extLst>
           </p:cNvPr>
@@ -17716,7 +17718,7 @@
           <p:cNvPr id="5" name="Pladsholder til sidefod 4" hidden="1">
             <a:extLst>
               <a:ext uri="{FF2B5EF4-FFF2-40B4-BE49-F238E27FC236}">
-                <a16:creationId xmlns:a16="http://schemas.microsoft.com/office/drawing/2014/main" xmlns="" id="{F09E670D-5981-4E67-BF35-BE3F038F22A6}"/>
+                <a16:creationId xmlns="" xmlns:a16="http://schemas.microsoft.com/office/drawing/2014/main" id="{F09E670D-5981-4E67-BF35-BE3F038F22A6}"/>
               </a:ext>
             </a:extLst>
           </p:cNvPr>
@@ -17754,7 +17756,7 @@
           <p:cNvPr id="6" name="Pladsholder til slidenummer 5" hidden="1">
             <a:extLst>
               <a:ext uri="{FF2B5EF4-FFF2-40B4-BE49-F238E27FC236}">
-                <a16:creationId xmlns:a16="http://schemas.microsoft.com/office/drawing/2014/main" xmlns="" id="{86CE56A9-767D-410F-B0A6-F9F51EB76F89}"/>
+                <a16:creationId xmlns="" xmlns:a16="http://schemas.microsoft.com/office/drawing/2014/main" id="{86CE56A9-767D-410F-B0A6-F9F51EB76F89}"/>
               </a:ext>
             </a:extLst>
           </p:cNvPr>
@@ -17797,7 +17799,7 @@
           <p:cNvPr id="12" name="Pladsholder til dato 2">
             <a:extLst>
               <a:ext uri="{FF2B5EF4-FFF2-40B4-BE49-F238E27FC236}">
-                <a16:creationId xmlns:a16="http://schemas.microsoft.com/office/drawing/2014/main" xmlns="" id="{BC9D7916-4BFA-4D08-9CCD-67544C6AD797}"/>
+                <a16:creationId xmlns="" xmlns:a16="http://schemas.microsoft.com/office/drawing/2014/main" id="{BC9D7916-4BFA-4D08-9CCD-67544C6AD797}"/>
               </a:ext>
             </a:extLst>
           </p:cNvPr>
@@ -17837,7 +17839,7 @@
             <a:fld id="{73D57EEC-A567-43F7-A034-373BB7C0E43B}" type="datetime1">
               <a:rPr lang="da-DK" smtClean="0"/>
               <a:pPr/>
-              <a:t>07/04/2019</a:t>
+              <a:t>08/04/2019</a:t>
             </a:fld>
             <a:endParaRPr lang="da-DK" dirty="0"/>
           </a:p>
@@ -17848,7 +17850,7 @@
           <p:cNvPr id="13" name="Topdanmark bund">
             <a:extLst>
               <a:ext uri="{FF2B5EF4-FFF2-40B4-BE49-F238E27FC236}">
-                <a16:creationId xmlns:a16="http://schemas.microsoft.com/office/drawing/2014/main" xmlns="" id="{682E9D0E-C5B0-499B-B261-FBB9F23DD971}"/>
+                <a16:creationId xmlns="" xmlns:a16="http://schemas.microsoft.com/office/drawing/2014/main" id="{682E9D0E-C5B0-499B-B261-FBB9F23DD971}"/>
               </a:ext>
             </a:extLst>
           </p:cNvPr>
@@ -17914,7 +17916,7 @@
           <p:cNvPr id="20" name="Background">
             <a:extLst>
               <a:ext uri="{FF2B5EF4-FFF2-40B4-BE49-F238E27FC236}">
-                <a16:creationId xmlns:a16="http://schemas.microsoft.com/office/drawing/2014/main" xmlns="" id="{F59CC8A8-5312-4710-8D7B-172E0A730FA8}"/>
+                <a16:creationId xmlns="" xmlns:a16="http://schemas.microsoft.com/office/drawing/2014/main" id="{F59CC8A8-5312-4710-8D7B-172E0A730FA8}"/>
               </a:ext>
             </a:extLst>
           </p:cNvPr>
@@ -17966,7 +17968,7 @@
           <p:cNvPr id="14" name="Kombinationstegning: figur 13">
             <a:extLst>
               <a:ext uri="{FF2B5EF4-FFF2-40B4-BE49-F238E27FC236}">
-                <a16:creationId xmlns:a16="http://schemas.microsoft.com/office/drawing/2014/main" xmlns="" id="{6056393B-0325-4957-833E-6036ED62E604}"/>
+                <a16:creationId xmlns="" xmlns:a16="http://schemas.microsoft.com/office/drawing/2014/main" id="{6056393B-0325-4957-833E-6036ED62E604}"/>
               </a:ext>
             </a:extLst>
           </p:cNvPr>
@@ -18097,7 +18099,7 @@
           <p:cNvPr id="23" name="Subtitle 2">
             <a:extLst>
               <a:ext uri="{FF2B5EF4-FFF2-40B4-BE49-F238E27FC236}">
-                <a16:creationId xmlns:a16="http://schemas.microsoft.com/office/drawing/2014/main" xmlns="" id="{7C7AEA71-2AEA-43F6-81F6-0C356EFE86BD}"/>
+                <a16:creationId xmlns="" xmlns:a16="http://schemas.microsoft.com/office/drawing/2014/main" id="{7C7AEA71-2AEA-43F6-81F6-0C356EFE86BD}"/>
               </a:ext>
             </a:extLst>
           </p:cNvPr>
@@ -18207,7 +18209,7 @@
           <p:cNvPr id="24" name="Logo">
             <a:extLst>
               <a:ext uri="{FF2B5EF4-FFF2-40B4-BE49-F238E27FC236}">
-                <a16:creationId xmlns:a16="http://schemas.microsoft.com/office/drawing/2014/main" xmlns="" id="{4B05275D-325E-41CC-A1FE-F9A568946714}"/>
+                <a16:creationId xmlns="" xmlns:a16="http://schemas.microsoft.com/office/drawing/2014/main" id="{4B05275D-325E-41CC-A1FE-F9A568946714}"/>
               </a:ext>
             </a:extLst>
           </p:cNvPr>
@@ -18237,7 +18239,7 @@
           <p:cNvPr id="5" name="Pladsholder til sidefod 4" hidden="1">
             <a:extLst>
               <a:ext uri="{FF2B5EF4-FFF2-40B4-BE49-F238E27FC236}">
-                <a16:creationId xmlns:a16="http://schemas.microsoft.com/office/drawing/2014/main" xmlns="" id="{F09E670D-5981-4E67-BF35-BE3F038F22A6}"/>
+                <a16:creationId xmlns="" xmlns:a16="http://schemas.microsoft.com/office/drawing/2014/main" id="{F09E670D-5981-4E67-BF35-BE3F038F22A6}"/>
               </a:ext>
             </a:extLst>
           </p:cNvPr>
@@ -18275,7 +18277,7 @@
           <p:cNvPr id="6" name="Pladsholder til slidenummer 5" hidden="1">
             <a:extLst>
               <a:ext uri="{FF2B5EF4-FFF2-40B4-BE49-F238E27FC236}">
-                <a16:creationId xmlns:a16="http://schemas.microsoft.com/office/drawing/2014/main" xmlns="" id="{86CE56A9-767D-410F-B0A6-F9F51EB76F89}"/>
+                <a16:creationId xmlns="" xmlns:a16="http://schemas.microsoft.com/office/drawing/2014/main" id="{86CE56A9-767D-410F-B0A6-F9F51EB76F89}"/>
               </a:ext>
             </a:extLst>
           </p:cNvPr>
@@ -18318,7 +18320,7 @@
           <p:cNvPr id="12" name="Pladsholder til dato 2">
             <a:extLst>
               <a:ext uri="{FF2B5EF4-FFF2-40B4-BE49-F238E27FC236}">
-                <a16:creationId xmlns:a16="http://schemas.microsoft.com/office/drawing/2014/main" xmlns="" id="{BDCA881D-4141-4E17-87A5-812440C002EE}"/>
+                <a16:creationId xmlns="" xmlns:a16="http://schemas.microsoft.com/office/drawing/2014/main" id="{BDCA881D-4141-4E17-87A5-812440C002EE}"/>
               </a:ext>
             </a:extLst>
           </p:cNvPr>
@@ -18358,7 +18360,7 @@
             <a:fld id="{73D57EEC-A567-43F7-A034-373BB7C0E43B}" type="datetime1">
               <a:rPr lang="da-DK" smtClean="0"/>
               <a:pPr/>
-              <a:t>07/04/2019</a:t>
+              <a:t>08/04/2019</a:t>
             </a:fld>
             <a:endParaRPr lang="da-DK" dirty="0"/>
           </a:p>
@@ -18369,7 +18371,7 @@
           <p:cNvPr id="13" name="Topdanmark bund">
             <a:extLst>
               <a:ext uri="{FF2B5EF4-FFF2-40B4-BE49-F238E27FC236}">
-                <a16:creationId xmlns:a16="http://schemas.microsoft.com/office/drawing/2014/main" xmlns="" id="{A9FCF967-C95A-469D-A978-2CFC2637DAD1}"/>
+                <a16:creationId xmlns="" xmlns:a16="http://schemas.microsoft.com/office/drawing/2014/main" id="{A9FCF967-C95A-469D-A978-2CFC2637DAD1}"/>
               </a:ext>
             </a:extLst>
           </p:cNvPr>
@@ -18458,7 +18460,7 @@
           <p:cNvPr id="7" name="Subtitle 2">
             <a:extLst>
               <a:ext uri="{FF2B5EF4-FFF2-40B4-BE49-F238E27FC236}">
-                <a16:creationId xmlns:a16="http://schemas.microsoft.com/office/drawing/2014/main" xmlns="" id="{8B03ED3B-6A5E-426A-928A-FC6C462487CC}"/>
+                <a16:creationId xmlns="" xmlns:a16="http://schemas.microsoft.com/office/drawing/2014/main" id="{8B03ED3B-6A5E-426A-928A-FC6C462487CC}"/>
               </a:ext>
             </a:extLst>
           </p:cNvPr>
@@ -18620,7 +18622,7 @@
           <p:cNvPr id="8" name="Pladsholder til tekst 9">
             <a:extLst>
               <a:ext uri="{FF2B5EF4-FFF2-40B4-BE49-F238E27FC236}">
-                <a16:creationId xmlns:a16="http://schemas.microsoft.com/office/drawing/2014/main" xmlns="" id="{4166C316-D5E5-40AF-B1FB-324D19E12101}"/>
+                <a16:creationId xmlns="" xmlns:a16="http://schemas.microsoft.com/office/drawing/2014/main" id="{4166C316-D5E5-40AF-B1FB-324D19E12101}"/>
               </a:ext>
             </a:extLst>
           </p:cNvPr>
@@ -18675,7 +18677,7 @@
           <p:cNvPr id="10" name="Pladsholder til sidefod 9">
             <a:extLst>
               <a:ext uri="{FF2B5EF4-FFF2-40B4-BE49-F238E27FC236}">
-                <a16:creationId xmlns:a16="http://schemas.microsoft.com/office/drawing/2014/main" xmlns="" id="{7ADA2D0E-E164-4C9C-95A9-8AA9E04398DC}"/>
+                <a16:creationId xmlns="" xmlns:a16="http://schemas.microsoft.com/office/drawing/2014/main" id="{7ADA2D0E-E164-4C9C-95A9-8AA9E04398DC}"/>
               </a:ext>
             </a:extLst>
           </p:cNvPr>
@@ -18700,7 +18702,7 @@
           <p:cNvPr id="11" name="Pladsholder til slidenummer 10">
             <a:extLst>
               <a:ext uri="{FF2B5EF4-FFF2-40B4-BE49-F238E27FC236}">
-                <a16:creationId xmlns:a16="http://schemas.microsoft.com/office/drawing/2014/main" xmlns="" id="{48E53014-0B78-4A45-BB06-306B6A57AF9C}"/>
+                <a16:creationId xmlns="" xmlns:a16="http://schemas.microsoft.com/office/drawing/2014/main" id="{48E53014-0B78-4A45-BB06-306B6A57AF9C}"/>
               </a:ext>
             </a:extLst>
           </p:cNvPr>
@@ -18730,7 +18732,7 @@
           <p:cNvPr id="9" name="Pladsholder til dato 8" hidden="1">
             <a:extLst>
               <a:ext uri="{FF2B5EF4-FFF2-40B4-BE49-F238E27FC236}">
-                <a16:creationId xmlns:a16="http://schemas.microsoft.com/office/drawing/2014/main" xmlns="" id="{AFF76756-E68F-4039-A4B8-19DAA1140D40}"/>
+                <a16:creationId xmlns="" xmlns:a16="http://schemas.microsoft.com/office/drawing/2014/main" id="{AFF76756-E68F-4039-A4B8-19DAA1140D40}"/>
               </a:ext>
             </a:extLst>
           </p:cNvPr>
@@ -18748,7 +18750,7 @@
           <a:p>
             <a:fld id="{50620241-2B59-4866-B451-0548EB1EBED8}" type="datetime1">
               <a:rPr lang="da-DK" smtClean="0"/>
-              <a:t>07/04/2019</a:t>
+              <a:t>08/04/2019</a:t>
             </a:fld>
             <a:endParaRPr lang="da-DK"/>
           </a:p>
@@ -18812,7 +18814,7 @@
           <p:cNvPr id="9" name="Subtitle 2">
             <a:extLst>
               <a:ext uri="{FF2B5EF4-FFF2-40B4-BE49-F238E27FC236}">
-                <a16:creationId xmlns:a16="http://schemas.microsoft.com/office/drawing/2014/main" xmlns="" id="{642B43C3-56A8-4104-B211-C5647E6DC14D}"/>
+                <a16:creationId xmlns="" xmlns:a16="http://schemas.microsoft.com/office/drawing/2014/main" id="{642B43C3-56A8-4104-B211-C5647E6DC14D}"/>
               </a:ext>
             </a:extLst>
           </p:cNvPr>
@@ -19036,7 +19038,7 @@
           <p:cNvPr id="10" name="Pladsholder til tekst 9">
             <a:extLst>
               <a:ext uri="{FF2B5EF4-FFF2-40B4-BE49-F238E27FC236}">
-                <a16:creationId xmlns:a16="http://schemas.microsoft.com/office/drawing/2014/main" xmlns="" id="{9733036A-6AD5-4CE3-ACE3-FCF691810D13}"/>
+                <a16:creationId xmlns="" xmlns:a16="http://schemas.microsoft.com/office/drawing/2014/main" id="{9733036A-6AD5-4CE3-ACE3-FCF691810D13}"/>
               </a:ext>
             </a:extLst>
           </p:cNvPr>
@@ -19091,7 +19093,7 @@
           <p:cNvPr id="5" name="Pladsholder til dato 4" hidden="1">
             <a:extLst>
               <a:ext uri="{FF2B5EF4-FFF2-40B4-BE49-F238E27FC236}">
-                <a16:creationId xmlns:a16="http://schemas.microsoft.com/office/drawing/2014/main" xmlns="" id="{8D73EE3A-6596-4C79-A533-E14E6CB43762}"/>
+                <a16:creationId xmlns="" xmlns:a16="http://schemas.microsoft.com/office/drawing/2014/main" id="{8D73EE3A-6596-4C79-A533-E14E6CB43762}"/>
               </a:ext>
             </a:extLst>
           </p:cNvPr>
@@ -19109,7 +19111,7 @@
           <a:p>
             <a:fld id="{D606A649-938B-471E-A16C-4AC1AA92696D}" type="datetime1">
               <a:rPr lang="da-DK" smtClean="0"/>
-              <a:t>07/04/2019</a:t>
+              <a:t>08/04/2019</a:t>
             </a:fld>
             <a:endParaRPr lang="da-DK"/>
           </a:p>
@@ -19120,7 +19122,7 @@
           <p:cNvPr id="6" name="Pladsholder til sidefod 5">
             <a:extLst>
               <a:ext uri="{FF2B5EF4-FFF2-40B4-BE49-F238E27FC236}">
-                <a16:creationId xmlns:a16="http://schemas.microsoft.com/office/drawing/2014/main" xmlns="" id="{1FB48595-9DCF-4D5E-9EA3-F4FF59520370}"/>
+                <a16:creationId xmlns="" xmlns:a16="http://schemas.microsoft.com/office/drawing/2014/main" id="{1FB48595-9DCF-4D5E-9EA3-F4FF59520370}"/>
               </a:ext>
             </a:extLst>
           </p:cNvPr>
@@ -19145,7 +19147,7 @@
           <p:cNvPr id="7" name="Pladsholder til slidenummer 6">
             <a:extLst>
               <a:ext uri="{FF2B5EF4-FFF2-40B4-BE49-F238E27FC236}">
-                <a16:creationId xmlns:a16="http://schemas.microsoft.com/office/drawing/2014/main" xmlns="" id="{19A73951-5444-44F3-B841-EA1A852A7A1C}"/>
+                <a16:creationId xmlns="" xmlns:a16="http://schemas.microsoft.com/office/drawing/2014/main" id="{19A73951-5444-44F3-B841-EA1A852A7A1C}"/>
               </a:ext>
             </a:extLst>
           </p:cNvPr>
@@ -19228,7 +19230,7 @@
           <p:cNvPr id="9" name="Subtitle 2">
             <a:extLst>
               <a:ext uri="{FF2B5EF4-FFF2-40B4-BE49-F238E27FC236}">
-                <a16:creationId xmlns:a16="http://schemas.microsoft.com/office/drawing/2014/main" xmlns="" id="{3AE76DD1-B9DF-4ED2-9F81-2D9D56A8F391}"/>
+                <a16:creationId xmlns="" xmlns:a16="http://schemas.microsoft.com/office/drawing/2014/main" id="{3AE76DD1-B9DF-4ED2-9F81-2D9D56A8F391}"/>
               </a:ext>
             </a:extLst>
           </p:cNvPr>
@@ -19481,7 +19483,7 @@
           <p:cNvPr id="10" name="Pladsholder til tekst 9">
             <a:extLst>
               <a:ext uri="{FF2B5EF4-FFF2-40B4-BE49-F238E27FC236}">
-                <a16:creationId xmlns:a16="http://schemas.microsoft.com/office/drawing/2014/main" xmlns="" id="{AFAC9ABF-3E7F-4682-89F0-ECEE0032BA28}"/>
+                <a16:creationId xmlns="" xmlns:a16="http://schemas.microsoft.com/office/drawing/2014/main" id="{AFAC9ABF-3E7F-4682-89F0-ECEE0032BA28}"/>
               </a:ext>
             </a:extLst>
           </p:cNvPr>
@@ -19536,7 +19538,7 @@
           <p:cNvPr id="11" name="Pladsholder til dato 10" hidden="1">
             <a:extLst>
               <a:ext uri="{FF2B5EF4-FFF2-40B4-BE49-F238E27FC236}">
-                <a16:creationId xmlns:a16="http://schemas.microsoft.com/office/drawing/2014/main" xmlns="" id="{CEB5FACE-640A-4510-A92E-C1E651E63202}"/>
+                <a16:creationId xmlns="" xmlns:a16="http://schemas.microsoft.com/office/drawing/2014/main" id="{CEB5FACE-640A-4510-A92E-C1E651E63202}"/>
               </a:ext>
             </a:extLst>
           </p:cNvPr>
@@ -19562,7 +19564,7 @@
           <a:p>
             <a:fld id="{E830E1A5-4716-4C46-955F-41A1E882ABDE}" type="datetime1">
               <a:rPr lang="da-DK" smtClean="0"/>
-              <a:t>07/04/2019</a:t>
+              <a:t>08/04/2019</a:t>
             </a:fld>
             <a:endParaRPr lang="da-DK" dirty="0"/>
           </a:p>
@@ -19573,7 +19575,7 @@
           <p:cNvPr id="12" name="Pladsholder til sidefod 11">
             <a:extLst>
               <a:ext uri="{FF2B5EF4-FFF2-40B4-BE49-F238E27FC236}">
-                <a16:creationId xmlns:a16="http://schemas.microsoft.com/office/drawing/2014/main" xmlns="" id="{FF4FD2F9-BDF5-4245-83AF-52F4753ED3E2}"/>
+                <a16:creationId xmlns="" xmlns:a16="http://schemas.microsoft.com/office/drawing/2014/main" id="{FF4FD2F9-BDF5-4245-83AF-52F4753ED3E2}"/>
               </a:ext>
             </a:extLst>
           </p:cNvPr>
@@ -19606,7 +19608,7 @@
           <p:cNvPr id="13" name="Pladsholder til slidenummer 12">
             <a:extLst>
               <a:ext uri="{FF2B5EF4-FFF2-40B4-BE49-F238E27FC236}">
-                <a16:creationId xmlns:a16="http://schemas.microsoft.com/office/drawing/2014/main" xmlns="" id="{90F35C46-6F04-4A67-B3CF-D51483DBE851}"/>
+                <a16:creationId xmlns="" xmlns:a16="http://schemas.microsoft.com/office/drawing/2014/main" id="{90F35C46-6F04-4A67-B3CF-D51483DBE851}"/>
               </a:ext>
             </a:extLst>
           </p:cNvPr>
@@ -19702,7 +19704,7 @@
           <p:cNvPr id="9" name="Subtitle 2">
             <a:extLst>
               <a:ext uri="{FF2B5EF4-FFF2-40B4-BE49-F238E27FC236}">
-                <a16:creationId xmlns:a16="http://schemas.microsoft.com/office/drawing/2014/main" xmlns="" id="{73550F10-E3D2-4FC1-9484-7CC465D0DC5C}"/>
+                <a16:creationId xmlns="" xmlns:a16="http://schemas.microsoft.com/office/drawing/2014/main" id="{73550F10-E3D2-4FC1-9484-7CC465D0DC5C}"/>
               </a:ext>
             </a:extLst>
           </p:cNvPr>
@@ -19948,7 +19950,7 @@
           <p:cNvPr id="10" name="Pladsholder til tekst 9">
             <a:extLst>
               <a:ext uri="{FF2B5EF4-FFF2-40B4-BE49-F238E27FC236}">
-                <a16:creationId xmlns:a16="http://schemas.microsoft.com/office/drawing/2014/main" xmlns="" id="{FD652C88-62C4-4C9A-8A06-A802A5B886E9}"/>
+                <a16:creationId xmlns="" xmlns:a16="http://schemas.microsoft.com/office/drawing/2014/main" id="{FD652C88-62C4-4C9A-8A06-A802A5B886E9}"/>
               </a:ext>
             </a:extLst>
           </p:cNvPr>
@@ -20003,7 +20005,7 @@
           <p:cNvPr id="5" name="Pladsholder til dato 4" hidden="1">
             <a:extLst>
               <a:ext uri="{FF2B5EF4-FFF2-40B4-BE49-F238E27FC236}">
-                <a16:creationId xmlns:a16="http://schemas.microsoft.com/office/drawing/2014/main" xmlns="" id="{FFE22713-5FE3-43AE-887A-7ED9F3586738}"/>
+                <a16:creationId xmlns="" xmlns:a16="http://schemas.microsoft.com/office/drawing/2014/main" id="{FFE22713-5FE3-43AE-887A-7ED9F3586738}"/>
               </a:ext>
             </a:extLst>
           </p:cNvPr>
@@ -20021,7 +20023,7 @@
           <a:p>
             <a:fld id="{50620241-2B59-4866-B451-0548EB1EBED8}" type="datetime1">
               <a:rPr lang="da-DK" smtClean="0"/>
-              <a:t>07/04/2019</a:t>
+              <a:t>08/04/2019</a:t>
             </a:fld>
             <a:endParaRPr lang="da-DK"/>
           </a:p>
@@ -20032,7 +20034,7 @@
           <p:cNvPr id="6" name="Pladsholder til sidefod 5">
             <a:extLst>
               <a:ext uri="{FF2B5EF4-FFF2-40B4-BE49-F238E27FC236}">
-                <a16:creationId xmlns:a16="http://schemas.microsoft.com/office/drawing/2014/main" xmlns="" id="{0DAB84D2-9B6C-40D8-B389-1270183A5F37}"/>
+                <a16:creationId xmlns="" xmlns:a16="http://schemas.microsoft.com/office/drawing/2014/main" id="{0DAB84D2-9B6C-40D8-B389-1270183A5F37}"/>
               </a:ext>
             </a:extLst>
           </p:cNvPr>
@@ -20057,7 +20059,7 @@
           <p:cNvPr id="7" name="Pladsholder til slidenummer 6">
             <a:extLst>
               <a:ext uri="{FF2B5EF4-FFF2-40B4-BE49-F238E27FC236}">
-                <a16:creationId xmlns:a16="http://schemas.microsoft.com/office/drawing/2014/main" xmlns="" id="{8F0BA6E1-0A66-46D4-94D2-47A9821B6657}"/>
+                <a16:creationId xmlns="" xmlns:a16="http://schemas.microsoft.com/office/drawing/2014/main" id="{8F0BA6E1-0A66-46D4-94D2-47A9821B6657}"/>
               </a:ext>
             </a:extLst>
           </p:cNvPr>
@@ -20122,7 +20124,7 @@
           <p:cNvPr id="24" name="Gruppe guide" hidden="1">
             <a:extLst>
               <a:ext uri="{FF2B5EF4-FFF2-40B4-BE49-F238E27FC236}">
-                <a16:creationId xmlns:a16="http://schemas.microsoft.com/office/drawing/2014/main" xmlns="" id="{3799ABEE-5D0E-4BAC-BEAA-1D01FB404FA2}"/>
+                <a16:creationId xmlns="" xmlns:a16="http://schemas.microsoft.com/office/drawing/2014/main" id="{3799ABEE-5D0E-4BAC-BEAA-1D01FB404FA2}"/>
               </a:ext>
             </a:extLst>
           </p:cNvPr>
@@ -20142,7 +20144,7 @@
             <p:cNvPr id="12" name="Rektangel 11">
               <a:extLst>
                 <a:ext uri="{FF2B5EF4-FFF2-40B4-BE49-F238E27FC236}">
-                  <a16:creationId xmlns:a16="http://schemas.microsoft.com/office/drawing/2014/main" xmlns="" id="{A15B1043-1EB0-4611-B41F-188BA8F6B161}"/>
+                  <a16:creationId xmlns="" xmlns:a16="http://schemas.microsoft.com/office/drawing/2014/main" id="{A15B1043-1EB0-4611-B41F-188BA8F6B161}"/>
                 </a:ext>
               </a:extLst>
             </p:cNvPr>
@@ -20191,7 +20193,7 @@
             <p:cNvPr id="13" name="Rektangel 12">
               <a:extLst>
                 <a:ext uri="{FF2B5EF4-FFF2-40B4-BE49-F238E27FC236}">
-                  <a16:creationId xmlns:a16="http://schemas.microsoft.com/office/drawing/2014/main" xmlns="" id="{48BD4415-9FE0-4055-A0A9-D2658A20AD4C}"/>
+                  <a16:creationId xmlns="" xmlns:a16="http://schemas.microsoft.com/office/drawing/2014/main" id="{48BD4415-9FE0-4055-A0A9-D2658A20AD4C}"/>
                 </a:ext>
               </a:extLst>
             </p:cNvPr>
@@ -20240,7 +20242,7 @@
             <p:cNvPr id="14" name="Rektangel 13">
               <a:extLst>
                 <a:ext uri="{FF2B5EF4-FFF2-40B4-BE49-F238E27FC236}">
-                  <a16:creationId xmlns:a16="http://schemas.microsoft.com/office/drawing/2014/main" xmlns="" id="{57B80C3C-0368-4ED6-BB19-E614B416F9AD}"/>
+                  <a16:creationId xmlns="" xmlns:a16="http://schemas.microsoft.com/office/drawing/2014/main" id="{57B80C3C-0368-4ED6-BB19-E614B416F9AD}"/>
                 </a:ext>
               </a:extLst>
             </p:cNvPr>
@@ -20289,7 +20291,7 @@
             <p:cNvPr id="15" name="Rektangel 14">
               <a:extLst>
                 <a:ext uri="{FF2B5EF4-FFF2-40B4-BE49-F238E27FC236}">
-                  <a16:creationId xmlns:a16="http://schemas.microsoft.com/office/drawing/2014/main" xmlns="" id="{F8FC61EF-27FC-4B55-A166-98F0107D52FB}"/>
+                  <a16:creationId xmlns="" xmlns:a16="http://schemas.microsoft.com/office/drawing/2014/main" id="{F8FC61EF-27FC-4B55-A166-98F0107D52FB}"/>
                 </a:ext>
               </a:extLst>
             </p:cNvPr>
@@ -20338,7 +20340,7 @@
             <p:cNvPr id="16" name="Rektangel 15">
               <a:extLst>
                 <a:ext uri="{FF2B5EF4-FFF2-40B4-BE49-F238E27FC236}">
-                  <a16:creationId xmlns:a16="http://schemas.microsoft.com/office/drawing/2014/main" xmlns="" id="{8F9D7F02-2C14-4726-AD3E-A7B180144A5D}"/>
+                  <a16:creationId xmlns="" xmlns:a16="http://schemas.microsoft.com/office/drawing/2014/main" id="{8F9D7F02-2C14-4726-AD3E-A7B180144A5D}"/>
                 </a:ext>
               </a:extLst>
             </p:cNvPr>
@@ -20387,7 +20389,7 @@
             <p:cNvPr id="17" name="Rektangel 16">
               <a:extLst>
                 <a:ext uri="{FF2B5EF4-FFF2-40B4-BE49-F238E27FC236}">
-                  <a16:creationId xmlns:a16="http://schemas.microsoft.com/office/drawing/2014/main" xmlns="" id="{4C57B7EB-28CF-4FEB-A93E-2722394BCCFB}"/>
+                  <a16:creationId xmlns="" xmlns:a16="http://schemas.microsoft.com/office/drawing/2014/main" id="{4C57B7EB-28CF-4FEB-A93E-2722394BCCFB}"/>
                 </a:ext>
               </a:extLst>
             </p:cNvPr>
@@ -20436,7 +20438,7 @@
             <p:cNvPr id="18" name="Rektangel 17">
               <a:extLst>
                 <a:ext uri="{FF2B5EF4-FFF2-40B4-BE49-F238E27FC236}">
-                  <a16:creationId xmlns:a16="http://schemas.microsoft.com/office/drawing/2014/main" xmlns="" id="{103F56B9-781D-4428-9FCC-CBE860AA97DE}"/>
+                  <a16:creationId xmlns="" xmlns:a16="http://schemas.microsoft.com/office/drawing/2014/main" id="{103F56B9-781D-4428-9FCC-CBE860AA97DE}"/>
                 </a:ext>
               </a:extLst>
             </p:cNvPr>
@@ -20485,7 +20487,7 @@
             <p:cNvPr id="19" name="Rektangel 18">
               <a:extLst>
                 <a:ext uri="{FF2B5EF4-FFF2-40B4-BE49-F238E27FC236}">
-                  <a16:creationId xmlns:a16="http://schemas.microsoft.com/office/drawing/2014/main" xmlns="" id="{B7509EB7-EE34-47DB-BEAB-B2EBDA63B879}"/>
+                  <a16:creationId xmlns="" xmlns:a16="http://schemas.microsoft.com/office/drawing/2014/main" id="{B7509EB7-EE34-47DB-BEAB-B2EBDA63B879}"/>
                 </a:ext>
               </a:extLst>
             </p:cNvPr>
@@ -20534,7 +20536,7 @@
             <p:cNvPr id="20" name="Rektangel 19">
               <a:extLst>
                 <a:ext uri="{FF2B5EF4-FFF2-40B4-BE49-F238E27FC236}">
-                  <a16:creationId xmlns:a16="http://schemas.microsoft.com/office/drawing/2014/main" xmlns="" id="{D6794A6A-1774-412E-86F4-8E29A11127F3}"/>
+                  <a16:creationId xmlns="" xmlns:a16="http://schemas.microsoft.com/office/drawing/2014/main" id="{D6794A6A-1774-412E-86F4-8E29A11127F3}"/>
                 </a:ext>
               </a:extLst>
             </p:cNvPr>
@@ -20583,7 +20585,7 @@
             <p:cNvPr id="21" name="Rektangel 20">
               <a:extLst>
                 <a:ext uri="{FF2B5EF4-FFF2-40B4-BE49-F238E27FC236}">
-                  <a16:creationId xmlns:a16="http://schemas.microsoft.com/office/drawing/2014/main" xmlns="" id="{26E1CA40-88C2-411A-98E9-632BB12AF713}"/>
+                  <a16:creationId xmlns="" xmlns:a16="http://schemas.microsoft.com/office/drawing/2014/main" id="{26E1CA40-88C2-411A-98E9-632BB12AF713}"/>
                 </a:ext>
               </a:extLst>
             </p:cNvPr>
@@ -20632,7 +20634,7 @@
             <p:cNvPr id="22" name="Rektangel 21">
               <a:extLst>
                 <a:ext uri="{FF2B5EF4-FFF2-40B4-BE49-F238E27FC236}">
-                  <a16:creationId xmlns:a16="http://schemas.microsoft.com/office/drawing/2014/main" xmlns="" id="{F5DD48B3-7069-423F-A937-DB73AB3F84A9}"/>
+                  <a16:creationId xmlns="" xmlns:a16="http://schemas.microsoft.com/office/drawing/2014/main" id="{F5DD48B3-7069-423F-A937-DB73AB3F84A9}"/>
                 </a:ext>
               </a:extLst>
             </p:cNvPr>
@@ -20681,7 +20683,7 @@
             <p:cNvPr id="23" name="Rektangel 22">
               <a:extLst>
                 <a:ext uri="{FF2B5EF4-FFF2-40B4-BE49-F238E27FC236}">
-                  <a16:creationId xmlns:a16="http://schemas.microsoft.com/office/drawing/2014/main" xmlns="" id="{5928E8C5-2CE5-4680-9E46-D16A41D387EA}"/>
+                  <a16:creationId xmlns="" xmlns:a16="http://schemas.microsoft.com/office/drawing/2014/main" id="{5928E8C5-2CE5-4680-9E46-D16A41D387EA}"/>
                 </a:ext>
               </a:extLst>
             </p:cNvPr>
@@ -20853,7 +20855,7 @@
           <p:cNvPr id="25" name="Topdanmark bund">
             <a:extLst>
               <a:ext uri="{FF2B5EF4-FFF2-40B4-BE49-F238E27FC236}">
-                <a16:creationId xmlns:a16="http://schemas.microsoft.com/office/drawing/2014/main" xmlns="" id="{6D955332-B22F-4CF0-8618-4295FCC1F2B0}"/>
+                <a16:creationId xmlns="" xmlns:a16="http://schemas.microsoft.com/office/drawing/2014/main" id="{6D955332-B22F-4CF0-8618-4295FCC1F2B0}"/>
               </a:ext>
             </a:extLst>
           </p:cNvPr>
@@ -20889,7 +20891,7 @@
           <p:cNvPr id="7" name="Pladsholder til sidefod 6">
             <a:extLst>
               <a:ext uri="{FF2B5EF4-FFF2-40B4-BE49-F238E27FC236}">
-                <a16:creationId xmlns:a16="http://schemas.microsoft.com/office/drawing/2014/main" xmlns="" id="{7D34CC34-B626-44D5-A3BA-4F8D53189728}"/>
+                <a16:creationId xmlns="" xmlns:a16="http://schemas.microsoft.com/office/drawing/2014/main" id="{7D34CC34-B626-44D5-A3BA-4F8D53189728}"/>
               </a:ext>
             </a:extLst>
           </p:cNvPr>
@@ -20938,7 +20940,7 @@
           <p:cNvPr id="8" name="Pladsholder til slidenummer 7">
             <a:extLst>
               <a:ext uri="{FF2B5EF4-FFF2-40B4-BE49-F238E27FC236}">
-                <a16:creationId xmlns:a16="http://schemas.microsoft.com/office/drawing/2014/main" xmlns="" id="{137007F0-7BEF-4BFD-9B02-25C1200B7F47}"/>
+                <a16:creationId xmlns="" xmlns:a16="http://schemas.microsoft.com/office/drawing/2014/main" id="{137007F0-7BEF-4BFD-9B02-25C1200B7F47}"/>
               </a:ext>
             </a:extLst>
           </p:cNvPr>
@@ -20992,7 +20994,7 @@
           <p:cNvPr id="4" name="Pladsholder til dato 3" hidden="1">
             <a:extLst>
               <a:ext uri="{FF2B5EF4-FFF2-40B4-BE49-F238E27FC236}">
-                <a16:creationId xmlns:a16="http://schemas.microsoft.com/office/drawing/2014/main" xmlns="" id="{2502FBD0-3DAB-409C-89DA-BE87EDED81F3}"/>
+                <a16:creationId xmlns="" xmlns:a16="http://schemas.microsoft.com/office/drawing/2014/main" id="{2502FBD0-3DAB-409C-89DA-BE87EDED81F3}"/>
               </a:ext>
             </a:extLst>
           </p:cNvPr>
@@ -21024,7 +21026,7 @@
           <a:p>
             <a:fld id="{50620241-2B59-4866-B451-0548EB1EBED8}" type="datetime1">
               <a:rPr lang="da-DK" smtClean="0"/>
-              <a:t>07/04/2019</a:t>
+              <a:t>08/04/2019</a:t>
             </a:fld>
             <a:endParaRPr lang="da-DK"/>
           </a:p>
@@ -21513,7 +21515,7 @@
           <p:cNvPr id="2" name="Titel 1">
             <a:extLst>
               <a:ext uri="{FF2B5EF4-FFF2-40B4-BE49-F238E27FC236}">
-                <a16:creationId xmlns:a16="http://schemas.microsoft.com/office/drawing/2014/main" xmlns="" id="{609EC1AF-D43B-451D-BC95-75036261542C}"/>
+                <a16:creationId xmlns="" xmlns:a16="http://schemas.microsoft.com/office/drawing/2014/main" id="{609EC1AF-D43B-451D-BC95-75036261542C}"/>
               </a:ext>
             </a:extLst>
           </p:cNvPr>
@@ -21575,7 +21577,7 @@
           <p:cNvPr id="3" name="Undertitel 2">
             <a:extLst>
               <a:ext uri="{FF2B5EF4-FFF2-40B4-BE49-F238E27FC236}">
-                <a16:creationId xmlns:a16="http://schemas.microsoft.com/office/drawing/2014/main" xmlns="" id="{9CE5EACA-225F-47DB-BB6B-F210EB5B938C}"/>
+                <a16:creationId xmlns="" xmlns:a16="http://schemas.microsoft.com/office/drawing/2014/main" id="{9CE5EACA-225F-47DB-BB6B-F210EB5B938C}"/>
               </a:ext>
             </a:extLst>
           </p:cNvPr>
@@ -21600,7 +21602,7 @@
           <p:cNvPr id="4" name="Pladsholder til dato 3">
             <a:extLst>
               <a:ext uri="{FF2B5EF4-FFF2-40B4-BE49-F238E27FC236}">
-                <a16:creationId xmlns:a16="http://schemas.microsoft.com/office/drawing/2014/main" xmlns="" id="{58DB4E06-F39D-4DF4-A77F-4D3DB15F1DBB}"/>
+                <a16:creationId xmlns="" xmlns:a16="http://schemas.microsoft.com/office/drawing/2014/main" id="{58DB4E06-F39D-4DF4-A77F-4D3DB15F1DBB}"/>
               </a:ext>
             </a:extLst>
           </p:cNvPr>
@@ -21618,7 +21620,7 @@
           <a:p>
             <a:fld id="{73D57EEC-A567-43F7-A034-373BB7C0E43B}" type="datetime1">
               <a:rPr lang="da-DK" smtClean="0"/>
-              <a:t>07/04/2019</a:t>
+              <a:t>08/04/2019</a:t>
             </a:fld>
             <a:endParaRPr lang="da-DK" dirty="0"/>
           </a:p>
@@ -21629,7 +21631,7 @@
           <p:cNvPr id="5" name="Pladsholder til sidefod 4">
             <a:extLst>
               <a:ext uri="{FF2B5EF4-FFF2-40B4-BE49-F238E27FC236}">
-                <a16:creationId xmlns:a16="http://schemas.microsoft.com/office/drawing/2014/main" xmlns="" id="{E19EFB50-3C5D-408B-9029-7ED04E25BF7E}"/>
+                <a16:creationId xmlns="" xmlns:a16="http://schemas.microsoft.com/office/drawing/2014/main" id="{E19EFB50-3C5D-408B-9029-7ED04E25BF7E}"/>
               </a:ext>
             </a:extLst>
           </p:cNvPr>
@@ -21654,7 +21656,7 @@
           <p:cNvPr id="6" name="Pladsholder til slidenummer 5">
             <a:extLst>
               <a:ext uri="{FF2B5EF4-FFF2-40B4-BE49-F238E27FC236}">
-                <a16:creationId xmlns:a16="http://schemas.microsoft.com/office/drawing/2014/main" xmlns="" id="{572CEBFD-516B-4BF0-B385-19A43EB29BD1}"/>
+                <a16:creationId xmlns="" xmlns:a16="http://schemas.microsoft.com/office/drawing/2014/main" id="{572CEBFD-516B-4BF0-B385-19A43EB29BD1}"/>
               </a:ext>
             </a:extLst>
           </p:cNvPr>
@@ -27126,75 +27128,158 @@
       </p:grpSpPr>
       <p:sp>
         <p:nvSpPr>
-          <p:cNvPr id="9" name="Text Placeholder 8"/>
-          <p:cNvSpPr>
-            <a:spLocks noGrp="1"/>
-          </p:cNvSpPr>
-          <p:nvPr>
-            <p:ph type="body" sz="quarter" idx="13"/>
+          <p:cNvPr id="9" name="Title 8"/>
+          <p:cNvSpPr>
+            <a:spLocks noGrp="1"/>
+          </p:cNvSpPr>
+          <p:nvPr>
+            <p:ph type="title"/>
           </p:nvPr>
         </p:nvSpPr>
         <p:spPr/>
         <p:txBody>
           <a:bodyPr>
-            <a:normAutofit fontScale="32500" lnSpcReduction="20000"/>
+            <a:normAutofit/>
           </a:bodyPr>
           <a:lstStyle/>
           <a:p>
+            <a:r>
+              <a:rPr lang="en-US" dirty="0" smtClean="0">
+                <a:solidFill>
+                  <a:schemeClr val="tx1"/>
+                </a:solidFill>
+              </a:rPr>
+              <a:t>Topics</a:t>
+            </a:r>
+            <a:endParaRPr lang="en-US" dirty="0">
+              <a:solidFill>
+                <a:schemeClr val="tx1"/>
+              </a:solidFill>
+            </a:endParaRPr>
+          </a:p>
+        </p:txBody>
+      </p:sp>
+      <p:sp>
+        <p:nvSpPr>
+          <p:cNvPr id="14" name="Subtitle 13"/>
+          <p:cNvSpPr>
+            <a:spLocks noGrp="1"/>
+          </p:cNvSpPr>
+          <p:nvPr>
+            <p:ph type="subTitle" idx="13"/>
+          </p:nvPr>
+        </p:nvSpPr>
+        <p:spPr/>
+        <p:txBody>
+          <a:bodyPr/>
+          <a:lstStyle/>
+          <a:p>
+            <a:endParaRPr lang="en-US"/>
+          </a:p>
+        </p:txBody>
+      </p:sp>
+      <p:sp>
+        <p:nvSpPr>
+          <p:cNvPr id="12" name="Content Placeholder 11"/>
+          <p:cNvSpPr>
+            <a:spLocks noGrp="1"/>
+          </p:cNvSpPr>
+          <p:nvPr>
+            <p:ph sz="half" idx="1"/>
+          </p:nvPr>
+        </p:nvSpPr>
+        <p:spPr>
+          <a:xfrm>
+            <a:off x="431998" y="1915200"/>
+            <a:ext cx="7843321" cy="4074438"/>
+          </a:xfrm>
+        </p:spPr>
+        <p:txBody>
+          <a:bodyPr/>
+          <a:lstStyle/>
+          <a:p>
             <a:pPr>
               <a:lnSpc>
-                <a:spcPct val="170000"/>
+                <a:spcPct val="150000"/>
               </a:lnSpc>
-              <a:buNone/>
+              <a:spcAft>
+                <a:spcPts val="1200"/>
+              </a:spcAft>
             </a:pPr>
             <a:r>
-              <a:rPr lang="en-US" i="1" dirty="0"/>
-              <a:t>Lecturing is a mysterious process by which the contents of the note-book of the professor are transferred through the instrumentation of the fountain-pen to the note-book of the student without passing through the mind of either.</a:t>
-            </a:r>
-          </a:p>
-          <a:p>
-            <a:pPr algn="r">
-              <a:buNone/>
+              <a:rPr lang="en-US" sz="3200" dirty="0"/>
+              <a:t>What is </a:t>
+            </a:r>
+            <a:r>
+              <a:rPr lang="en-US" sz="3200" dirty="0" smtClean="0"/>
+              <a:t>Redux</a:t>
+            </a:r>
+          </a:p>
+          <a:p>
+            <a:pPr lvl="1"/>
+            <a:r>
+              <a:rPr lang="en-US" sz="3000" dirty="0" smtClean="0"/>
+              <a:t>Redux Middleware</a:t>
+            </a:r>
+          </a:p>
+          <a:p>
+            <a:pPr>
+              <a:lnSpc>
+                <a:spcPct val="150000"/>
+              </a:lnSpc>
+              <a:spcAft>
+                <a:spcPts val="1200"/>
+              </a:spcAft>
             </a:pPr>
-            <a:endParaRPr lang="en-US" i="1" dirty="0" smtClean="0"/>
-          </a:p>
-          <a:p>
-            <a:pPr algn="r">
-              <a:buNone/>
+            <a:r>
+              <a:rPr lang="en-US" sz="3200" dirty="0" err="1" smtClean="0"/>
+              <a:t>Async</a:t>
+            </a:r>
+            <a:r>
+              <a:rPr lang="en-US" sz="3200" dirty="0" smtClean="0"/>
+              <a:t> </a:t>
+            </a:r>
+            <a:r>
+              <a:rPr lang="en-US" sz="3200" dirty="0"/>
+              <a:t>Flow in </a:t>
+            </a:r>
+            <a:r>
+              <a:rPr lang="en-US" sz="3200" dirty="0" smtClean="0"/>
+              <a:t>Redux</a:t>
+            </a:r>
+          </a:p>
+          <a:p>
+            <a:pPr>
+              <a:lnSpc>
+                <a:spcPct val="150000"/>
+              </a:lnSpc>
+              <a:spcAft>
+                <a:spcPts val="1200"/>
+              </a:spcAft>
             </a:pPr>
-            <a:endParaRPr lang="en-US" i="1" dirty="0"/>
-          </a:p>
-          <a:p>
-            <a:pPr algn="r">
-              <a:buNone/>
-            </a:pPr>
-            <a:r>
-              <a:rPr lang="en-US" i="1" dirty="0" smtClean="0"/>
-              <a:t>– </a:t>
-            </a:r>
-            <a:r>
-              <a:rPr lang="en-US" i="1" dirty="0"/>
-              <a:t>Edwin E. </a:t>
-            </a:r>
-            <a:r>
-              <a:rPr lang="en-US" i="1" dirty="0" err="1"/>
-              <a:t>Slosson</a:t>
-            </a:r>
-            <a:endParaRPr lang="en-US" i="1" dirty="0"/>
-          </a:p>
-          <a:p>
-            <a:endParaRPr lang="en-US" i="1" dirty="0"/>
-          </a:p>
-        </p:txBody>
-      </p:sp>
-      <p:sp>
-        <p:nvSpPr>
-          <p:cNvPr id="10" name="Text Placeholder 9"/>
-          <p:cNvSpPr>
-            <a:spLocks noGrp="1"/>
-          </p:cNvSpPr>
-          <p:nvPr>
-            <p:ph type="body" sz="quarter" idx="14"/>
+            <a:r>
+              <a:rPr lang="en-US" sz="3200" dirty="0" smtClean="0"/>
+              <a:t>Advanced </a:t>
+            </a:r>
+            <a:r>
+              <a:rPr lang="en-US" sz="3200" dirty="0"/>
+              <a:t>Redux – redux-observable</a:t>
+            </a:r>
+            <a:br>
+              <a:rPr lang="en-US" sz="3200" dirty="0"/>
+            </a:br>
+            <a:endParaRPr lang="en-US" sz="3200" dirty="0"/>
+          </a:p>
+        </p:txBody>
+      </p:sp>
+      <p:sp>
+        <p:nvSpPr>
+          <p:cNvPr id="13" name="Content Placeholder 12"/>
+          <p:cNvSpPr>
+            <a:spLocks noGrp="1"/>
+          </p:cNvSpPr>
+          <p:nvPr>
+            <p:ph sz="half" idx="2"/>
           </p:nvPr>
         </p:nvSpPr>
         <p:spPr/>
@@ -27203,6 +27288,48 @@
           <a:lstStyle/>
           <a:p>
             <a:endParaRPr lang="en-US"/>
+          </a:p>
+        </p:txBody>
+      </p:sp>
+      <p:sp>
+        <p:nvSpPr>
+          <p:cNvPr id="15" name="Text Placeholder 14"/>
+          <p:cNvSpPr>
+            <a:spLocks noGrp="1"/>
+          </p:cNvSpPr>
+          <p:nvPr>
+            <p:ph type="body" sz="quarter" idx="14"/>
+          </p:nvPr>
+        </p:nvSpPr>
+        <p:spPr/>
+        <p:txBody>
+          <a:bodyPr/>
+          <a:lstStyle/>
+          <a:p>
+            <a:endParaRPr lang="en-US"/>
+          </a:p>
+        </p:txBody>
+      </p:sp>
+      <p:sp>
+        <p:nvSpPr>
+          <p:cNvPr id="8" name="Date Placeholder 7"/>
+          <p:cNvSpPr>
+            <a:spLocks noGrp="1"/>
+          </p:cNvSpPr>
+          <p:nvPr>
+            <p:ph type="dt" sz="half" idx="15"/>
+          </p:nvPr>
+        </p:nvSpPr>
+        <p:spPr/>
+        <p:txBody>
+          <a:bodyPr/>
+          <a:lstStyle/>
+          <a:p>
+            <a:fld id="{50620241-2B59-4866-B451-0548EB1EBED8}" type="datetime1">
+              <a:rPr lang="da-DK" smtClean="0"/>
+              <a:t>08/04/2019</a:t>
+            </a:fld>
+            <a:endParaRPr lang="da-DK"/>
           </a:p>
         </p:txBody>
       </p:sp>
@@ -27249,33 +27376,10 @@
           </a:p>
         </p:txBody>
       </p:sp>
-      <p:sp>
-        <p:nvSpPr>
-          <p:cNvPr id="8" name="Date Placeholder 7"/>
-          <p:cNvSpPr>
-            <a:spLocks noGrp="1"/>
-          </p:cNvSpPr>
-          <p:nvPr>
-            <p:ph type="dt" sz="half" idx="15"/>
-          </p:nvPr>
-        </p:nvSpPr>
-        <p:spPr/>
-        <p:txBody>
-          <a:bodyPr/>
-          <a:lstStyle/>
-          <a:p>
-            <a:fld id="{50620241-2B59-4866-B451-0548EB1EBED8}" type="datetime1">
-              <a:rPr lang="da-DK" smtClean="0"/>
-              <a:t>08/04/2019</a:t>
-            </a:fld>
-            <a:endParaRPr lang="da-DK"/>
-          </a:p>
-        </p:txBody>
-      </p:sp>
     </p:spTree>
     <p:extLst>
       <p:ext uri="{BB962C8B-B14F-4D97-AF65-F5344CB8AC3E}">
-        <p14:creationId xmlns:p14="http://schemas.microsoft.com/office/powerpoint/2010/main" val="634243202"/>
+        <p14:creationId xmlns:p14="http://schemas.microsoft.com/office/powerpoint/2010/main" val="2020926967"/>
       </p:ext>
     </p:extLst>
   </p:cSld>
@@ -28677,14 +28781,7 @@
             </a:br>
             <a:r>
               <a:rPr lang="en-US" dirty="0" smtClean="0"/>
-              <a:t>Redux</a:t>
-            </a:r>
-            <a:br>
-              <a:rPr lang="en-US" dirty="0" smtClean="0"/>
-            </a:br>
-            <a:r>
-              <a:rPr lang="en-US" dirty="0" smtClean="0"/>
-              <a:t>Observable</a:t>
+              <a:t>Demo</a:t>
             </a:r>
             <a:endParaRPr lang="en-US" dirty="0"/>
           </a:p>
@@ -28778,7 +28875,7 @@
     </p:spTree>
     <p:extLst>
       <p:ext uri="{BB962C8B-B14F-4D97-AF65-F5344CB8AC3E}">
-        <p14:creationId xmlns:p14="http://schemas.microsoft.com/office/powerpoint/2010/main" val="1027889839"/>
+        <p14:creationId xmlns:p14="http://schemas.microsoft.com/office/powerpoint/2010/main" val="1499579274"/>
       </p:ext>
     </p:extLst>
   </p:cSld>
@@ -28849,7 +28946,14 @@
             </a:br>
             <a:r>
               <a:rPr lang="en-US" dirty="0" smtClean="0"/>
-              <a:t>Q &amp; A</a:t>
+              <a:t>Redux</a:t>
+            </a:r>
+            <a:br>
+              <a:rPr lang="en-US" dirty="0" smtClean="0"/>
+            </a:br>
+            <a:r>
+              <a:rPr lang="en-US" dirty="0" smtClean="0"/>
+              <a:t>Observable</a:t>
             </a:r>
             <a:endParaRPr lang="en-US" dirty="0"/>
           </a:p>
@@ -28935,6 +29039,171 @@
               <a:rPr lang="da-DK" smtClean="0"/>
               <a:pPr/>
               <a:t>22</a:t>
+            </a:fld>
+            <a:endParaRPr lang="da-DK"/>
+          </a:p>
+        </p:txBody>
+      </p:sp>
+    </p:spTree>
+    <p:extLst>
+      <p:ext uri="{BB962C8B-B14F-4D97-AF65-F5344CB8AC3E}">
+        <p14:creationId xmlns:p14="http://schemas.microsoft.com/office/powerpoint/2010/main" val="1027889839"/>
+      </p:ext>
+    </p:extLst>
+  </p:cSld>
+  <p:clrMapOvr>
+    <a:masterClrMapping/>
+  </p:clrMapOvr>
+  <p:timing>
+    <p:tnLst>
+      <p:par>
+        <p:cTn id="1" dur="indefinite" restart="never" nodeType="tmRoot"/>
+      </p:par>
+    </p:tnLst>
+  </p:timing>
+</p:sld>
+</file>
+
+<file path=ppt/slides/slide23.xml><?xml version="1.0" encoding="utf-8"?>
+<p:sld xmlns:a="http://schemas.openxmlformats.org/drawingml/2006/main" xmlns:r="http://schemas.openxmlformats.org/officeDocument/2006/relationships" xmlns:p="http://schemas.openxmlformats.org/presentationml/2006/main">
+  <p:cSld>
+    <p:spTree>
+      <p:nvGrpSpPr>
+        <p:cNvPr id="1" name=""/>
+        <p:cNvGrpSpPr/>
+        <p:nvPr/>
+      </p:nvGrpSpPr>
+      <p:grpSpPr>
+        <a:xfrm>
+          <a:off x="0" y="0"/>
+          <a:ext cx="0" cy="0"/>
+          <a:chOff x="0" y="0"/>
+          <a:chExt cx="0" cy="0"/>
+        </a:xfrm>
+      </p:grpSpPr>
+      <p:sp>
+        <p:nvSpPr>
+          <p:cNvPr id="2" name="Title 1"/>
+          <p:cNvSpPr>
+            <a:spLocks noGrp="1"/>
+          </p:cNvSpPr>
+          <p:nvPr>
+            <p:ph type="ctrTitle"/>
+          </p:nvPr>
+        </p:nvSpPr>
+        <p:spPr>
+          <a:xfrm>
+            <a:off x="3556800" y="787400"/>
+            <a:ext cx="8179200" cy="5350510"/>
+          </a:xfrm>
+        </p:spPr>
+        <p:txBody>
+          <a:bodyPr/>
+          <a:lstStyle/>
+          <a:p>
+            <a:pPr algn="ctr"/>
+            <a:r>
+              <a:rPr lang="en-US" dirty="0" smtClean="0"/>
+              <a:t/>
+            </a:r>
+            <a:br>
+              <a:rPr lang="en-US" dirty="0" smtClean="0"/>
+            </a:br>
+            <a:r>
+              <a:rPr lang="en-US" dirty="0"/>
+              <a:t/>
+            </a:r>
+            <a:br>
+              <a:rPr lang="en-US" dirty="0"/>
+            </a:br>
+            <a:r>
+              <a:rPr lang="en-US" dirty="0" smtClean="0"/>
+              <a:t>Q &amp; A</a:t>
+            </a:r>
+            <a:endParaRPr lang="en-US" dirty="0"/>
+          </a:p>
+        </p:txBody>
+      </p:sp>
+      <p:sp>
+        <p:nvSpPr>
+          <p:cNvPr id="3" name="Subtitle 2"/>
+          <p:cNvSpPr>
+            <a:spLocks noGrp="1"/>
+          </p:cNvSpPr>
+          <p:nvPr>
+            <p:ph type="subTitle" idx="1"/>
+          </p:nvPr>
+        </p:nvSpPr>
+        <p:spPr/>
+        <p:txBody>
+          <a:bodyPr/>
+          <a:lstStyle/>
+          <a:p>
+            <a:endParaRPr lang="en-US"/>
+          </a:p>
+        </p:txBody>
+      </p:sp>
+      <p:sp>
+        <p:nvSpPr>
+          <p:cNvPr id="4" name="Date Placeholder 3"/>
+          <p:cNvSpPr>
+            <a:spLocks noGrp="1"/>
+          </p:cNvSpPr>
+          <p:nvPr>
+            <p:ph type="dt" sz="half" idx="10"/>
+          </p:nvPr>
+        </p:nvSpPr>
+        <p:spPr/>
+        <p:txBody>
+          <a:bodyPr/>
+          <a:lstStyle/>
+          <a:p>
+            <a:fld id="{73D57EEC-A567-43F7-A034-373BB7C0E43B}" type="datetime1">
+              <a:rPr lang="da-DK" smtClean="0"/>
+              <a:t>08/04/2019</a:t>
+            </a:fld>
+            <a:endParaRPr lang="da-DK" dirty="0"/>
+          </a:p>
+        </p:txBody>
+      </p:sp>
+      <p:sp>
+        <p:nvSpPr>
+          <p:cNvPr id="5" name="Footer Placeholder 4"/>
+          <p:cNvSpPr>
+            <a:spLocks noGrp="1"/>
+          </p:cNvSpPr>
+          <p:nvPr>
+            <p:ph type="ftr" sz="quarter" idx="11"/>
+          </p:nvPr>
+        </p:nvSpPr>
+        <p:spPr/>
+        <p:txBody>
+          <a:bodyPr/>
+          <a:lstStyle/>
+          <a:p>
+            <a:endParaRPr lang="da-DK" dirty="0"/>
+          </a:p>
+        </p:txBody>
+      </p:sp>
+      <p:sp>
+        <p:nvSpPr>
+          <p:cNvPr id="6" name="Slide Number Placeholder 5"/>
+          <p:cNvSpPr>
+            <a:spLocks noGrp="1"/>
+          </p:cNvSpPr>
+          <p:nvPr>
+            <p:ph type="sldNum" sz="quarter" idx="12"/>
+          </p:nvPr>
+        </p:nvSpPr>
+        <p:spPr/>
+        <p:txBody>
+          <a:bodyPr/>
+          <a:lstStyle/>
+          <a:p>
+            <a:fld id="{FDBE2A2B-D082-467A-A5BE-D2F60E44D5B6}" type="slidenum">
+              <a:rPr lang="da-DK" smtClean="0"/>
+              <a:pPr/>
+              <a:t>23</a:t>
             </a:fld>
             <a:endParaRPr lang="da-DK"/>
           </a:p>
@@ -28979,300 +29248,6 @@
       </p:grpSpPr>
       <p:sp>
         <p:nvSpPr>
-          <p:cNvPr id="9" name="Title 8"/>
-          <p:cNvSpPr>
-            <a:spLocks noGrp="1"/>
-          </p:cNvSpPr>
-          <p:nvPr>
-            <p:ph type="title"/>
-          </p:nvPr>
-        </p:nvSpPr>
-        <p:spPr/>
-        <p:txBody>
-          <a:bodyPr>
-            <a:normAutofit/>
-          </a:bodyPr>
-          <a:lstStyle/>
-          <a:p>
-            <a:r>
-              <a:rPr lang="en-US" dirty="0" smtClean="0">
-                <a:solidFill>
-                  <a:schemeClr val="tx1"/>
-                </a:solidFill>
-              </a:rPr>
-              <a:t>Topics</a:t>
-            </a:r>
-            <a:endParaRPr lang="en-US" dirty="0">
-              <a:solidFill>
-                <a:schemeClr val="tx1"/>
-              </a:solidFill>
-            </a:endParaRPr>
-          </a:p>
-        </p:txBody>
-      </p:sp>
-      <p:sp>
-        <p:nvSpPr>
-          <p:cNvPr id="14" name="Subtitle 13"/>
-          <p:cNvSpPr>
-            <a:spLocks noGrp="1"/>
-          </p:cNvSpPr>
-          <p:nvPr>
-            <p:ph type="subTitle" idx="13"/>
-          </p:nvPr>
-        </p:nvSpPr>
-        <p:spPr/>
-        <p:txBody>
-          <a:bodyPr/>
-          <a:lstStyle/>
-          <a:p>
-            <a:endParaRPr lang="en-US"/>
-          </a:p>
-        </p:txBody>
-      </p:sp>
-      <p:sp>
-        <p:nvSpPr>
-          <p:cNvPr id="12" name="Content Placeholder 11"/>
-          <p:cNvSpPr>
-            <a:spLocks noGrp="1"/>
-          </p:cNvSpPr>
-          <p:nvPr>
-            <p:ph sz="half" idx="1"/>
-          </p:nvPr>
-        </p:nvSpPr>
-        <p:spPr>
-          <a:xfrm>
-            <a:off x="431998" y="1915200"/>
-            <a:ext cx="7843321" cy="4074438"/>
-          </a:xfrm>
-        </p:spPr>
-        <p:txBody>
-          <a:bodyPr/>
-          <a:lstStyle/>
-          <a:p>
-            <a:pPr>
-              <a:lnSpc>
-                <a:spcPct val="150000"/>
-              </a:lnSpc>
-              <a:spcAft>
-                <a:spcPts val="1200"/>
-              </a:spcAft>
-            </a:pPr>
-            <a:r>
-              <a:rPr lang="en-US" sz="3200" dirty="0"/>
-              <a:t>What is </a:t>
-            </a:r>
-            <a:r>
-              <a:rPr lang="en-US" sz="3200" dirty="0" smtClean="0"/>
-              <a:t>Redux</a:t>
-            </a:r>
-          </a:p>
-          <a:p>
-            <a:pPr>
-              <a:lnSpc>
-                <a:spcPct val="150000"/>
-              </a:lnSpc>
-              <a:spcAft>
-                <a:spcPts val="1200"/>
-              </a:spcAft>
-            </a:pPr>
-            <a:r>
-              <a:rPr lang="en-US" sz="3200" dirty="0" smtClean="0"/>
-              <a:t>Redux Middleware</a:t>
-            </a:r>
-          </a:p>
-          <a:p>
-            <a:pPr>
-              <a:lnSpc>
-                <a:spcPct val="150000"/>
-              </a:lnSpc>
-              <a:spcAft>
-                <a:spcPts val="1200"/>
-              </a:spcAft>
-            </a:pPr>
-            <a:r>
-              <a:rPr lang="en-US" sz="3200" dirty="0" err="1" smtClean="0"/>
-              <a:t>Async</a:t>
-            </a:r>
-            <a:r>
-              <a:rPr lang="en-US" sz="3200" dirty="0" smtClean="0"/>
-              <a:t> </a:t>
-            </a:r>
-            <a:r>
-              <a:rPr lang="en-US" sz="3200" dirty="0"/>
-              <a:t>Flow in </a:t>
-            </a:r>
-            <a:r>
-              <a:rPr lang="en-US" sz="3200" dirty="0" smtClean="0"/>
-              <a:t>Redux</a:t>
-            </a:r>
-          </a:p>
-          <a:p>
-            <a:pPr>
-              <a:lnSpc>
-                <a:spcPct val="150000"/>
-              </a:lnSpc>
-              <a:spcAft>
-                <a:spcPts val="1200"/>
-              </a:spcAft>
-            </a:pPr>
-            <a:r>
-              <a:rPr lang="en-US" sz="3200" dirty="0" smtClean="0"/>
-              <a:t>Advanced </a:t>
-            </a:r>
-            <a:r>
-              <a:rPr lang="en-US" sz="3200" dirty="0"/>
-              <a:t>Redux – redux-observable</a:t>
-            </a:r>
-            <a:br>
-              <a:rPr lang="en-US" sz="3200" dirty="0"/>
-            </a:br>
-            <a:endParaRPr lang="en-US" sz="3200" dirty="0"/>
-          </a:p>
-        </p:txBody>
-      </p:sp>
-      <p:sp>
-        <p:nvSpPr>
-          <p:cNvPr id="13" name="Content Placeholder 12"/>
-          <p:cNvSpPr>
-            <a:spLocks noGrp="1"/>
-          </p:cNvSpPr>
-          <p:nvPr>
-            <p:ph sz="half" idx="2"/>
-          </p:nvPr>
-        </p:nvSpPr>
-        <p:spPr/>
-        <p:txBody>
-          <a:bodyPr/>
-          <a:lstStyle/>
-          <a:p>
-            <a:endParaRPr lang="en-US"/>
-          </a:p>
-        </p:txBody>
-      </p:sp>
-      <p:sp>
-        <p:nvSpPr>
-          <p:cNvPr id="15" name="Text Placeholder 14"/>
-          <p:cNvSpPr>
-            <a:spLocks noGrp="1"/>
-          </p:cNvSpPr>
-          <p:nvPr>
-            <p:ph type="body" sz="quarter" idx="14"/>
-          </p:nvPr>
-        </p:nvSpPr>
-        <p:spPr/>
-        <p:txBody>
-          <a:bodyPr/>
-          <a:lstStyle/>
-          <a:p>
-            <a:endParaRPr lang="en-US"/>
-          </a:p>
-        </p:txBody>
-      </p:sp>
-      <p:sp>
-        <p:nvSpPr>
-          <p:cNvPr id="8" name="Date Placeholder 7"/>
-          <p:cNvSpPr>
-            <a:spLocks noGrp="1"/>
-          </p:cNvSpPr>
-          <p:nvPr>
-            <p:ph type="dt" sz="half" idx="15"/>
-          </p:nvPr>
-        </p:nvSpPr>
-        <p:spPr/>
-        <p:txBody>
-          <a:bodyPr/>
-          <a:lstStyle/>
-          <a:p>
-            <a:fld id="{50620241-2B59-4866-B451-0548EB1EBED8}" type="datetime1">
-              <a:rPr lang="da-DK" smtClean="0"/>
-              <a:t>07/04/2019</a:t>
-            </a:fld>
-            <a:endParaRPr lang="da-DK"/>
-          </a:p>
-        </p:txBody>
-      </p:sp>
-      <p:sp>
-        <p:nvSpPr>
-          <p:cNvPr id="6" name="Footer Placeholder 5"/>
-          <p:cNvSpPr>
-            <a:spLocks noGrp="1"/>
-          </p:cNvSpPr>
-          <p:nvPr>
-            <p:ph type="ftr" sz="quarter" idx="16"/>
-          </p:nvPr>
-        </p:nvSpPr>
-        <p:spPr/>
-        <p:txBody>
-          <a:bodyPr/>
-          <a:lstStyle/>
-          <a:p>
-            <a:endParaRPr lang="da-DK" dirty="0"/>
-          </a:p>
-        </p:txBody>
-      </p:sp>
-      <p:sp>
-        <p:nvSpPr>
-          <p:cNvPr id="7" name="Slide Number Placeholder 6"/>
-          <p:cNvSpPr>
-            <a:spLocks noGrp="1"/>
-          </p:cNvSpPr>
-          <p:nvPr>
-            <p:ph type="sldNum" sz="quarter" idx="17"/>
-          </p:nvPr>
-        </p:nvSpPr>
-        <p:spPr/>
-        <p:txBody>
-          <a:bodyPr/>
-          <a:lstStyle/>
-          <a:p>
-            <a:fld id="{FDBE2A2B-D082-467A-A5BE-D2F60E44D5B6}" type="slidenum">
-              <a:rPr lang="da-DK" smtClean="0"/>
-              <a:pPr/>
-              <a:t>3</a:t>
-            </a:fld>
-            <a:endParaRPr lang="da-DK" dirty="0"/>
-          </a:p>
-        </p:txBody>
-      </p:sp>
-    </p:spTree>
-    <p:extLst>
-      <p:ext uri="{BB962C8B-B14F-4D97-AF65-F5344CB8AC3E}">
-        <p14:creationId xmlns:p14="http://schemas.microsoft.com/office/powerpoint/2010/main" val="2020926967"/>
-      </p:ext>
-    </p:extLst>
-  </p:cSld>
-  <p:clrMapOvr>
-    <a:masterClrMapping/>
-  </p:clrMapOvr>
-  <p:timing>
-    <p:tnLst>
-      <p:par>
-        <p:cTn id="1" dur="indefinite" restart="never" nodeType="tmRoot"/>
-      </p:par>
-    </p:tnLst>
-  </p:timing>
-</p:sld>
-</file>
-
-<file path=ppt/slides/slide4.xml><?xml version="1.0" encoding="utf-8"?>
-<p:sld xmlns:a="http://schemas.openxmlformats.org/drawingml/2006/main" xmlns:r="http://schemas.openxmlformats.org/officeDocument/2006/relationships" xmlns:p="http://schemas.openxmlformats.org/presentationml/2006/main">
-  <p:cSld>
-    <p:spTree>
-      <p:nvGrpSpPr>
-        <p:cNvPr id="1" name=""/>
-        <p:cNvGrpSpPr/>
-        <p:nvPr/>
-      </p:nvGrpSpPr>
-      <p:grpSpPr>
-        <a:xfrm>
-          <a:off x="0" y="0"/>
-          <a:ext cx="0" cy="0"/>
-          <a:chOff x="0" y="0"/>
-          <a:chExt cx="0" cy="0"/>
-        </a:xfrm>
-      </p:grpSpPr>
-      <p:sp>
-        <p:nvSpPr>
           <p:cNvPr id="10" name="Title 9"/>
           <p:cNvSpPr>
             <a:spLocks noGrp="1"/>
@@ -29377,7 +29352,7 @@
           <a:p>
             <a:fld id="{50620241-2B59-4866-B451-0548EB1EBED8}" type="datetime1">
               <a:rPr lang="da-DK" smtClean="0"/>
-              <a:t>07/04/2019</a:t>
+              <a:t>08/04/2019</a:t>
             </a:fld>
             <a:endParaRPr lang="da-DK"/>
           </a:p>
@@ -29420,7 +29395,7 @@
             <a:fld id="{FDBE2A2B-D082-467A-A5BE-D2F60E44D5B6}" type="slidenum">
               <a:rPr lang="da-DK" smtClean="0"/>
               <a:pPr/>
-              <a:t>4</a:t>
+              <a:t>3</a:t>
             </a:fld>
             <a:endParaRPr lang="da-DK" dirty="0"/>
           </a:p>
@@ -29507,7 +29482,6 @@
               <a:rPr lang="en-US"/>
               <a:t>Source: Facebook</a:t>
             </a:r>
-            <a:endParaRPr lang="en-US"/>
           </a:p>
         </p:txBody>
       </p:sp>
@@ -29645,7 +29619,7 @@
 </p:sld>
 </file>
 
-<file path=ppt/slides/slide5.xml><?xml version="1.0" encoding="utf-8"?>
+<file path=ppt/slides/slide4.xml><?xml version="1.0" encoding="utf-8"?>
 <p:sld xmlns:a="http://schemas.openxmlformats.org/drawingml/2006/main" xmlns:r="http://schemas.openxmlformats.org/officeDocument/2006/relationships" xmlns:p="http://schemas.openxmlformats.org/presentationml/2006/main">
   <p:cSld>
     <p:spTree>
@@ -29768,7 +29742,7 @@
           <a:p>
             <a:fld id="{50620241-2B59-4866-B451-0548EB1EBED8}" type="datetime1">
               <a:rPr lang="da-DK" smtClean="0"/>
-              <a:t>07/04/2019</a:t>
+              <a:t>08/04/2019</a:t>
             </a:fld>
             <a:endParaRPr lang="da-DK"/>
           </a:p>
@@ -29811,7 +29785,7 @@
             <a:fld id="{FDBE2A2B-D082-467A-A5BE-D2F60E44D5B6}" type="slidenum">
               <a:rPr lang="da-DK" smtClean="0"/>
               <a:pPr/>
-              <a:t>5</a:t>
+              <a:t>4</a:t>
             </a:fld>
             <a:endParaRPr lang="da-DK" dirty="0"/>
           </a:p>
@@ -29898,7 +29872,6 @@
               <a:rPr lang="en-US" dirty="0"/>
               <a:t>Source: Facebook</a:t>
             </a:r>
-            <a:endParaRPr lang="en-US" dirty="0"/>
           </a:p>
         </p:txBody>
       </p:sp>
@@ -30036,7 +30009,7 @@
 </p:sld>
 </file>
 
-<file path=ppt/slides/slide6.xml><?xml version="1.0" encoding="utf-8"?>
+<file path=ppt/slides/slide5.xml><?xml version="1.0" encoding="utf-8"?>
 <p:sld xmlns:a="http://schemas.openxmlformats.org/drawingml/2006/main" xmlns:r="http://schemas.openxmlformats.org/officeDocument/2006/relationships" xmlns:p="http://schemas.openxmlformats.org/presentationml/2006/main">
   <p:cSld>
     <p:spTree>
@@ -30214,7 +30187,7 @@
           <a:p>
             <a:fld id="{50620241-2B59-4866-B451-0548EB1EBED8}" type="datetime1">
               <a:rPr lang="da-DK" smtClean="0"/>
-              <a:t>07/04/2019</a:t>
+              <a:t>08/04/2019</a:t>
             </a:fld>
             <a:endParaRPr lang="da-DK"/>
           </a:p>
@@ -30257,7 +30230,7 @@
             <a:fld id="{FDBE2A2B-D082-467A-A5BE-D2F60E44D5B6}" type="slidenum">
               <a:rPr lang="da-DK" smtClean="0"/>
               <a:pPr/>
-              <a:t>6</a:t>
+              <a:t>5</a:t>
             </a:fld>
             <a:endParaRPr lang="da-DK" dirty="0"/>
           </a:p>
@@ -30283,7 +30256,7 @@
 </p:sld>
 </file>
 
-<file path=ppt/slides/slide7.xml><?xml version="1.0" encoding="utf-8"?>
+<file path=ppt/slides/slide6.xml><?xml version="1.0" encoding="utf-8"?>
 <p:sld xmlns:a="http://schemas.openxmlformats.org/drawingml/2006/main" xmlns:r="http://schemas.openxmlformats.org/officeDocument/2006/relationships" xmlns:p="http://schemas.openxmlformats.org/presentationml/2006/main">
   <p:cSld>
     <p:spTree>
@@ -30421,7 +30394,7 @@
             <a:fld id="{FDBE2A2B-D082-467A-A5BE-D2F60E44D5B6}" type="slidenum">
               <a:rPr lang="da-DK" smtClean="0"/>
               <a:pPr/>
-              <a:t>7</a:t>
+              <a:t>6</a:t>
             </a:fld>
             <a:endParaRPr lang="da-DK" dirty="0"/>
           </a:p>
@@ -30520,6 +30493,355 @@
 </p:sld>
 </file>
 
+<file path=ppt/slides/slide7.xml><?xml version="1.0" encoding="utf-8"?>
+<p:sld xmlns:a="http://schemas.openxmlformats.org/drawingml/2006/main" xmlns:r="http://schemas.openxmlformats.org/officeDocument/2006/relationships" xmlns:p="http://schemas.openxmlformats.org/presentationml/2006/main">
+  <p:cSld>
+    <p:spTree>
+      <p:nvGrpSpPr>
+        <p:cNvPr id="1" name=""/>
+        <p:cNvGrpSpPr/>
+        <p:nvPr/>
+      </p:nvGrpSpPr>
+      <p:grpSpPr>
+        <a:xfrm>
+          <a:off x="0" y="0"/>
+          <a:ext cx="0" cy="0"/>
+          <a:chOff x="0" y="0"/>
+          <a:chExt cx="0" cy="0"/>
+        </a:xfrm>
+      </p:grpSpPr>
+      <p:sp>
+        <p:nvSpPr>
+          <p:cNvPr id="2" name="Title 1"/>
+          <p:cNvSpPr>
+            <a:spLocks noGrp="1"/>
+          </p:cNvSpPr>
+          <p:nvPr>
+            <p:ph type="title"/>
+          </p:nvPr>
+        </p:nvSpPr>
+        <p:spPr/>
+        <p:txBody>
+          <a:bodyPr/>
+          <a:lstStyle/>
+          <a:p>
+            <a:r>
+              <a:rPr lang="en-US" dirty="0" smtClean="0"/>
+              <a:t>What’s in Redux</a:t>
+            </a:r>
+            <a:endParaRPr lang="en-US" dirty="0"/>
+          </a:p>
+        </p:txBody>
+      </p:sp>
+      <p:sp>
+        <p:nvSpPr>
+          <p:cNvPr id="3" name="Subtitle 2"/>
+          <p:cNvSpPr>
+            <a:spLocks noGrp="1"/>
+          </p:cNvSpPr>
+          <p:nvPr>
+            <p:ph type="subTitle" idx="13"/>
+          </p:nvPr>
+        </p:nvSpPr>
+        <p:spPr/>
+        <p:txBody>
+          <a:bodyPr/>
+          <a:lstStyle/>
+          <a:p>
+            <a:endParaRPr lang="en-US"/>
+          </a:p>
+        </p:txBody>
+      </p:sp>
+      <p:sp>
+        <p:nvSpPr>
+          <p:cNvPr id="4" name="Content Placeholder 3"/>
+          <p:cNvSpPr>
+            <a:spLocks noGrp="1"/>
+          </p:cNvSpPr>
+          <p:nvPr>
+            <p:ph sz="half" idx="1"/>
+          </p:nvPr>
+        </p:nvSpPr>
+        <p:spPr/>
+        <p:txBody>
+          <a:bodyPr/>
+          <a:lstStyle/>
+          <a:p>
+            <a:r>
+              <a:rPr lang="en-US" dirty="0" smtClean="0"/>
+              <a:t>Action </a:t>
+            </a:r>
+            <a:r>
+              <a:rPr lang="mr-IN" dirty="0" smtClean="0"/>
+              <a:t>–</a:t>
+            </a:r>
+            <a:r>
+              <a:rPr lang="en-US" dirty="0" smtClean="0"/>
+              <a:t> plain JavaScript object with </a:t>
+            </a:r>
+            <a:r>
+              <a:rPr lang="mr-IN" dirty="0">
+                <a:latin typeface="Courier" charset="0"/>
+                <a:ea typeface="Courier" charset="0"/>
+                <a:cs typeface="Courier" charset="0"/>
+              </a:rPr>
+              <a:t>"</a:t>
+            </a:r>
+            <a:r>
+              <a:rPr lang="en-US" dirty="0" smtClean="0">
+                <a:latin typeface="Courier" charset="0"/>
+                <a:ea typeface="Courier" charset="0"/>
+                <a:cs typeface="Courier" charset="0"/>
+              </a:rPr>
+              <a:t>type</a:t>
+            </a:r>
+            <a:r>
+              <a:rPr lang="mr-IN" dirty="0">
+                <a:latin typeface="Courier" charset="0"/>
+                <a:ea typeface="Courier" charset="0"/>
+                <a:cs typeface="Courier" charset="0"/>
+              </a:rPr>
+              <a:t>"</a:t>
+            </a:r>
+            <a:r>
+              <a:rPr lang="en-US" dirty="0" smtClean="0"/>
+              <a:t> attribute</a:t>
+            </a:r>
+          </a:p>
+          <a:p>
+            <a:r>
+              <a:rPr lang="en-US" dirty="0" smtClean="0"/>
+              <a:t>Action creator </a:t>
+            </a:r>
+            <a:r>
+              <a:rPr lang="mr-IN" dirty="0" smtClean="0"/>
+              <a:t>–</a:t>
+            </a:r>
+            <a:r>
+              <a:rPr lang="en-US" dirty="0" smtClean="0"/>
+              <a:t> a function that returns an action</a:t>
+            </a:r>
+          </a:p>
+          <a:p>
+            <a:r>
+              <a:rPr lang="en-US" dirty="0" smtClean="0"/>
+              <a:t>Reducer </a:t>
+            </a:r>
+            <a:r>
+              <a:rPr lang="mr-IN" dirty="0" smtClean="0"/>
+              <a:t>–</a:t>
+            </a:r>
+            <a:r>
+              <a:rPr lang="en-US" dirty="0" smtClean="0"/>
+              <a:t> a function to do aggregation</a:t>
+            </a:r>
+          </a:p>
+          <a:p>
+            <a:pPr lvl="1">
+              <a:spcAft>
+                <a:spcPts val="0"/>
+              </a:spcAft>
+            </a:pPr>
+            <a:r>
+              <a:rPr lang="en-US" dirty="0" smtClean="0"/>
+              <a:t>Takes in current </a:t>
+            </a:r>
+            <a:r>
+              <a:rPr lang="en-US" u="sng" dirty="0" smtClean="0"/>
+              <a:t>state</a:t>
+            </a:r>
+            <a:r>
+              <a:rPr lang="en-US" dirty="0" smtClean="0"/>
+              <a:t> and </a:t>
+            </a:r>
+            <a:r>
+              <a:rPr lang="en-US" u="sng" dirty="0" smtClean="0"/>
+              <a:t>action</a:t>
+            </a:r>
+          </a:p>
+          <a:p>
+            <a:pPr lvl="1">
+              <a:spcAft>
+                <a:spcPts val="0"/>
+              </a:spcAft>
+            </a:pPr>
+            <a:r>
+              <a:rPr lang="en-US" dirty="0" smtClean="0"/>
+              <a:t>Return </a:t>
+            </a:r>
+            <a:r>
+              <a:rPr lang="en-US" u="sng" dirty="0" smtClean="0"/>
+              <a:t>next</a:t>
+            </a:r>
+            <a:r>
+              <a:rPr lang="en-US" dirty="0" smtClean="0"/>
+              <a:t> state</a:t>
+            </a:r>
+          </a:p>
+          <a:p>
+            <a:pPr lvl="1">
+              <a:spcAft>
+                <a:spcPts val="0"/>
+              </a:spcAft>
+            </a:pPr>
+            <a:r>
+              <a:rPr lang="en-US" dirty="0" smtClean="0"/>
+              <a:t>Must be a </a:t>
+            </a:r>
+            <a:r>
+              <a:rPr lang="en-US" b="1" dirty="0" smtClean="0">
+                <a:solidFill>
+                  <a:srgbClr val="FF0000"/>
+                </a:solidFill>
+              </a:rPr>
+              <a:t>pure</a:t>
+            </a:r>
+            <a:r>
+              <a:rPr lang="en-US" dirty="0" smtClean="0"/>
+              <a:t> function</a:t>
+            </a:r>
+          </a:p>
+          <a:p>
+            <a:r>
+              <a:rPr lang="en-US" dirty="0" smtClean="0"/>
+              <a:t>Store </a:t>
+            </a:r>
+            <a:r>
+              <a:rPr lang="mr-IN" dirty="0" smtClean="0"/>
+              <a:t>–</a:t>
+            </a:r>
+            <a:r>
+              <a:rPr lang="en-US" dirty="0" smtClean="0"/>
+              <a:t> where state lives</a:t>
+            </a:r>
+            <a:endParaRPr lang="en-US" dirty="0"/>
+          </a:p>
+        </p:txBody>
+      </p:sp>
+      <p:sp>
+        <p:nvSpPr>
+          <p:cNvPr id="5" name="Content Placeholder 4"/>
+          <p:cNvSpPr>
+            <a:spLocks noGrp="1"/>
+          </p:cNvSpPr>
+          <p:nvPr>
+            <p:ph sz="half" idx="2"/>
+          </p:nvPr>
+        </p:nvSpPr>
+        <p:spPr/>
+        <p:txBody>
+          <a:bodyPr/>
+          <a:lstStyle/>
+          <a:p>
+            <a:endParaRPr lang="en-US"/>
+          </a:p>
+        </p:txBody>
+      </p:sp>
+      <p:sp>
+        <p:nvSpPr>
+          <p:cNvPr id="6" name="Text Placeholder 5"/>
+          <p:cNvSpPr>
+            <a:spLocks noGrp="1"/>
+          </p:cNvSpPr>
+          <p:nvPr>
+            <p:ph type="body" sz="quarter" idx="14"/>
+          </p:nvPr>
+        </p:nvSpPr>
+        <p:spPr/>
+        <p:txBody>
+          <a:bodyPr/>
+          <a:lstStyle/>
+          <a:p>
+            <a:endParaRPr lang="en-US"/>
+          </a:p>
+        </p:txBody>
+      </p:sp>
+      <p:sp>
+        <p:nvSpPr>
+          <p:cNvPr id="7" name="Date Placeholder 6"/>
+          <p:cNvSpPr>
+            <a:spLocks noGrp="1"/>
+          </p:cNvSpPr>
+          <p:nvPr>
+            <p:ph type="dt" sz="half" idx="15"/>
+          </p:nvPr>
+        </p:nvSpPr>
+        <p:spPr/>
+        <p:txBody>
+          <a:bodyPr/>
+          <a:lstStyle/>
+          <a:p>
+            <a:fld id="{50620241-2B59-4866-B451-0548EB1EBED8}" type="datetime1">
+              <a:rPr lang="da-DK" smtClean="0"/>
+              <a:t>08/04/2019</a:t>
+            </a:fld>
+            <a:endParaRPr lang="da-DK"/>
+          </a:p>
+        </p:txBody>
+      </p:sp>
+      <p:sp>
+        <p:nvSpPr>
+          <p:cNvPr id="8" name="Footer Placeholder 7"/>
+          <p:cNvSpPr>
+            <a:spLocks noGrp="1"/>
+          </p:cNvSpPr>
+          <p:nvPr>
+            <p:ph type="ftr" sz="quarter" idx="16"/>
+          </p:nvPr>
+        </p:nvSpPr>
+        <p:spPr/>
+        <p:txBody>
+          <a:bodyPr/>
+          <a:lstStyle/>
+          <a:p>
+            <a:endParaRPr lang="da-DK" dirty="0"/>
+          </a:p>
+        </p:txBody>
+      </p:sp>
+      <p:sp>
+        <p:nvSpPr>
+          <p:cNvPr id="9" name="Slide Number Placeholder 8"/>
+          <p:cNvSpPr>
+            <a:spLocks noGrp="1"/>
+          </p:cNvSpPr>
+          <p:nvPr>
+            <p:ph type="sldNum" sz="quarter" idx="17"/>
+          </p:nvPr>
+        </p:nvSpPr>
+        <p:spPr/>
+        <p:txBody>
+          <a:bodyPr/>
+          <a:lstStyle/>
+          <a:p>
+            <a:fld id="{FDBE2A2B-D082-467A-A5BE-D2F60E44D5B6}" type="slidenum">
+              <a:rPr lang="da-DK" smtClean="0"/>
+              <a:pPr/>
+              <a:t>7</a:t>
+            </a:fld>
+            <a:endParaRPr lang="da-DK" dirty="0"/>
+          </a:p>
+        </p:txBody>
+      </p:sp>
+    </p:spTree>
+    <p:extLst>
+      <p:ext uri="{BB962C8B-B14F-4D97-AF65-F5344CB8AC3E}">
+        <p14:creationId xmlns:p14="http://schemas.microsoft.com/office/powerpoint/2010/main" val="1693861135"/>
+      </p:ext>
+    </p:extLst>
+  </p:cSld>
+  <p:clrMapOvr>
+    <a:masterClrMapping/>
+  </p:clrMapOvr>
+  <p:timing>
+    <p:tnLst>
+      <p:par>
+        <p:cTn id="1" dur="indefinite" restart="never" nodeType="tmRoot"/>
+      </p:par>
+    </p:tnLst>
+  </p:timing>
+</p:sld>
+</file>
+
 <file path=ppt/slides/slide8.xml><?xml version="1.0" encoding="utf-8"?>
 <p:sld xmlns:a="http://schemas.openxmlformats.org/drawingml/2006/main" xmlns:r="http://schemas.openxmlformats.org/officeDocument/2006/relationships" xmlns:p="http://schemas.openxmlformats.org/presentationml/2006/main">
   <p:cSld>
@@ -30554,7 +30876,7 @@
           <a:p>
             <a:r>
               <a:rPr lang="en-US" dirty="0" smtClean="0"/>
-              <a:t>What’s in Redux</a:t>
+              <a:t>Redux recap</a:t>
             </a:r>
             <a:endParaRPr lang="en-US" dirty="0"/>
           </a:p>
@@ -30568,191 +30890,6 @@
           </p:cNvSpPr>
           <p:nvPr>
             <p:ph type="subTitle" idx="13"/>
-          </p:nvPr>
-        </p:nvSpPr>
-        <p:spPr/>
-        <p:txBody>
-          <a:bodyPr/>
-          <a:lstStyle/>
-          <a:p>
-            <a:endParaRPr lang="en-US"/>
-          </a:p>
-        </p:txBody>
-      </p:sp>
-      <p:sp>
-        <p:nvSpPr>
-          <p:cNvPr id="4" name="Content Placeholder 3"/>
-          <p:cNvSpPr>
-            <a:spLocks noGrp="1"/>
-          </p:cNvSpPr>
-          <p:nvPr>
-            <p:ph sz="half" idx="1"/>
-          </p:nvPr>
-        </p:nvSpPr>
-        <p:spPr/>
-        <p:txBody>
-          <a:bodyPr/>
-          <a:lstStyle/>
-          <a:p>
-            <a:r>
-              <a:rPr lang="en-US" dirty="0" smtClean="0"/>
-              <a:t>Action </a:t>
-            </a:r>
-            <a:r>
-              <a:rPr lang="mr-IN" dirty="0" smtClean="0"/>
-              <a:t>–</a:t>
-            </a:r>
-            <a:r>
-              <a:rPr lang="en-US" dirty="0" smtClean="0"/>
-              <a:t> plain JavaScript object with </a:t>
-            </a:r>
-            <a:r>
-              <a:rPr lang="mr-IN" dirty="0">
-                <a:latin typeface="Courier" charset="0"/>
-                <a:ea typeface="Courier" charset="0"/>
-                <a:cs typeface="Courier" charset="0"/>
-              </a:rPr>
-              <a:t>"</a:t>
-            </a:r>
-            <a:r>
-              <a:rPr lang="en-US" dirty="0" smtClean="0">
-                <a:latin typeface="Courier" charset="0"/>
-                <a:ea typeface="Courier" charset="0"/>
-                <a:cs typeface="Courier" charset="0"/>
-              </a:rPr>
-              <a:t>type</a:t>
-            </a:r>
-            <a:r>
-              <a:rPr lang="mr-IN" dirty="0">
-                <a:latin typeface="Courier" charset="0"/>
-                <a:ea typeface="Courier" charset="0"/>
-                <a:cs typeface="Courier" charset="0"/>
-              </a:rPr>
-              <a:t>"</a:t>
-            </a:r>
-            <a:r>
-              <a:rPr lang="en-US" dirty="0" smtClean="0"/>
-              <a:t> attribute</a:t>
-            </a:r>
-          </a:p>
-          <a:p>
-            <a:r>
-              <a:rPr lang="en-US" dirty="0" smtClean="0"/>
-              <a:t>Action creator </a:t>
-            </a:r>
-            <a:r>
-              <a:rPr lang="mr-IN" dirty="0" smtClean="0"/>
-              <a:t>–</a:t>
-            </a:r>
-            <a:r>
-              <a:rPr lang="en-US" dirty="0" smtClean="0"/>
-              <a:t> a function that returns an action</a:t>
-            </a:r>
-          </a:p>
-          <a:p>
-            <a:r>
-              <a:rPr lang="en-US" dirty="0" smtClean="0"/>
-              <a:t>Reducer </a:t>
-            </a:r>
-            <a:r>
-              <a:rPr lang="mr-IN" dirty="0" smtClean="0"/>
-              <a:t>–</a:t>
-            </a:r>
-            <a:r>
-              <a:rPr lang="en-US" dirty="0" smtClean="0"/>
-              <a:t> a function to do aggregation</a:t>
-            </a:r>
-          </a:p>
-          <a:p>
-            <a:pPr lvl="1">
-              <a:spcAft>
-                <a:spcPts val="0"/>
-              </a:spcAft>
-            </a:pPr>
-            <a:r>
-              <a:rPr lang="en-US" dirty="0" smtClean="0"/>
-              <a:t>Takes in current </a:t>
-            </a:r>
-            <a:r>
-              <a:rPr lang="en-US" u="sng" dirty="0" smtClean="0"/>
-              <a:t>state</a:t>
-            </a:r>
-            <a:r>
-              <a:rPr lang="en-US" dirty="0" smtClean="0"/>
-              <a:t> and </a:t>
-            </a:r>
-            <a:r>
-              <a:rPr lang="en-US" u="sng" dirty="0" smtClean="0"/>
-              <a:t>action</a:t>
-            </a:r>
-          </a:p>
-          <a:p>
-            <a:pPr lvl="1">
-              <a:spcAft>
-                <a:spcPts val="0"/>
-              </a:spcAft>
-            </a:pPr>
-            <a:r>
-              <a:rPr lang="en-US" dirty="0" smtClean="0"/>
-              <a:t>Return </a:t>
-            </a:r>
-            <a:r>
-              <a:rPr lang="en-US" u="sng" dirty="0" smtClean="0"/>
-              <a:t>next</a:t>
-            </a:r>
-            <a:r>
-              <a:rPr lang="en-US" dirty="0" smtClean="0"/>
-              <a:t> state</a:t>
-            </a:r>
-          </a:p>
-          <a:p>
-            <a:pPr lvl="1">
-              <a:spcAft>
-                <a:spcPts val="0"/>
-              </a:spcAft>
-            </a:pPr>
-            <a:r>
-              <a:rPr lang="en-US" dirty="0" smtClean="0"/>
-              <a:t>Must be a </a:t>
-            </a:r>
-            <a:r>
-              <a:rPr lang="en-US" b="1" dirty="0" smtClean="0">
-                <a:solidFill>
-                  <a:srgbClr val="FF0000"/>
-                </a:solidFill>
-              </a:rPr>
-              <a:t>pure</a:t>
-            </a:r>
-            <a:r>
-              <a:rPr lang="en-US" dirty="0" smtClean="0"/>
-              <a:t> function</a:t>
-            </a:r>
-          </a:p>
-          <a:p>
-            <a:r>
-              <a:rPr lang="en-US" dirty="0" smtClean="0"/>
-              <a:t>Store </a:t>
-            </a:r>
-            <a:r>
-              <a:rPr lang="mr-IN" dirty="0" smtClean="0"/>
-              <a:t>–</a:t>
-            </a:r>
-            <a:r>
-              <a:rPr lang="en-US" dirty="0" smtClean="0"/>
-              <a:t> where state lives</a:t>
-            </a:r>
-            <a:endParaRPr lang="en-US" dirty="0"/>
-          </a:p>
-        </p:txBody>
-      </p:sp>
-      <p:sp>
-        <p:nvSpPr>
-          <p:cNvPr id="5" name="Content Placeholder 4"/>
-          <p:cNvSpPr>
-            <a:spLocks noGrp="1"/>
-          </p:cNvSpPr>
-          <p:nvPr>
-            <p:ph sz="half" idx="2"/>
           </p:nvPr>
         </p:nvSpPr>
         <p:spPr/>
@@ -30849,10 +30986,83 @@
           </a:p>
         </p:txBody>
       </p:sp>
+      <p:pic>
+        <p:nvPicPr>
+          <p:cNvPr id="10" name="Content Placeholder 3"/>
+          <p:cNvPicPr>
+            <a:picLocks noGrp="1" noChangeAspect="1"/>
+          </p:cNvPicPr>
+          <p:nvPr>
+            <p:ph sz="half" idx="1"/>
+          </p:nvPr>
+        </p:nvPicPr>
+        <p:blipFill>
+          <a:blip r:embed="rId2">
+            <a:extLst>
+              <a:ext uri="{28A0092B-C50C-407E-A947-70E740481C1C}">
+                <a14:useLocalDpi xmlns:a14="http://schemas.microsoft.com/office/drawing/2010/main" val="0"/>
+              </a:ext>
+            </a:extLst>
+          </a:blip>
+          <a:stretch>
+            <a:fillRect/>
+          </a:stretch>
+        </p:blipFill>
+        <p:spPr>
+          <a:xfrm>
+            <a:off x="2268160" y="1286668"/>
+            <a:ext cx="7653080" cy="4879344"/>
+          </a:xfrm>
+          <a:prstGeom prst="rect">
+            <a:avLst/>
+          </a:prstGeom>
+        </p:spPr>
+      </p:pic>
+      <p:pic>
+        <p:nvPicPr>
+          <p:cNvPr id="11" name="Picture 2" descr="D:\temp\step\logo.png"/>
+          <p:cNvPicPr>
+            <a:picLocks noChangeAspect="1" noChangeArrowheads="1"/>
+          </p:cNvPicPr>
+          <p:nvPr/>
+        </p:nvPicPr>
+        <p:blipFill>
+          <a:blip r:embed="rId3" cstate="print">
+            <a:extLst>
+              <a:ext uri="{28A0092B-C50C-407E-A947-70E740481C1C}">
+                <a14:useLocalDpi xmlns:a14="http://schemas.microsoft.com/office/drawing/2010/main" val="0"/>
+              </a:ext>
+            </a:extLst>
+          </a:blip>
+          <a:srcRect/>
+          <a:stretch>
+            <a:fillRect/>
+          </a:stretch>
+        </p:blipFill>
+        <p:spPr bwMode="auto">
+          <a:xfrm>
+            <a:off x="5616617" y="3034571"/>
+            <a:ext cx="956166" cy="864096"/>
+          </a:xfrm>
+          <a:prstGeom prst="rect">
+            <a:avLst/>
+          </a:prstGeom>
+          <a:noFill/>
+          <a:extLst>
+            <a:ext uri="{909E8E84-426E-40DD-AFC4-6F175D3DCCD1}">
+              <a14:hiddenFill xmlns:a14="http://schemas.microsoft.com/office/drawing/2010/main">
+                <a:solidFill>
+                  <a:srgbClr val="FFFFFF"/>
+                </a:solidFill>
+              </a14:hiddenFill>
+            </a:ext>
+          </a:extLst>
+        </p:spPr>
+      </p:pic>
     </p:spTree>
     <p:extLst>
       <p:ext uri="{BB962C8B-B14F-4D97-AF65-F5344CB8AC3E}">
-        <p14:creationId xmlns:p14="http://schemas.microsoft.com/office/powerpoint/2010/main" val="1693861135"/>
+        <p14:creationId xmlns:p14="http://schemas.microsoft.com/office/powerpoint/2010/main" val="1354394982"/>
       </p:ext>
     </p:extLst>
   </p:cSld>
